--- a/OOAD/lectures/110--Revision.pptx
+++ b/OOAD/lectures/110--Revision.pptx
@@ -5,39 +5,41 @@
     <p:sldMasterId id="2147483648" r:id="rId1"/>
   </p:sldMasterIdLst>
   <p:notesMasterIdLst>
-    <p:notesMasterId r:id="rId32"/>
+    <p:notesMasterId r:id="rId34"/>
   </p:notesMasterIdLst>
   <p:sldIdLst>
     <p:sldId id="267" r:id="rId2"/>
     <p:sldId id="274" r:id="rId3"/>
     <p:sldId id="378" r:id="rId4"/>
-    <p:sldId id="379" r:id="rId5"/>
-    <p:sldId id="381" r:id="rId6"/>
-    <p:sldId id="382" r:id="rId7"/>
-    <p:sldId id="383" r:id="rId8"/>
-    <p:sldId id="384" r:id="rId9"/>
-    <p:sldId id="385" r:id="rId10"/>
-    <p:sldId id="386" r:id="rId11"/>
-    <p:sldId id="387" r:id="rId12"/>
-    <p:sldId id="388" r:id="rId13"/>
-    <p:sldId id="389" r:id="rId14"/>
-    <p:sldId id="390" r:id="rId15"/>
-    <p:sldId id="380" r:id="rId16"/>
-    <p:sldId id="348" r:id="rId17"/>
-    <p:sldId id="349" r:id="rId18"/>
-    <p:sldId id="350" r:id="rId19"/>
-    <p:sldId id="351" r:id="rId20"/>
-    <p:sldId id="352" r:id="rId21"/>
-    <p:sldId id="353" r:id="rId22"/>
-    <p:sldId id="354" r:id="rId23"/>
-    <p:sldId id="355" r:id="rId24"/>
-    <p:sldId id="356" r:id="rId25"/>
-    <p:sldId id="357" r:id="rId26"/>
-    <p:sldId id="358" r:id="rId27"/>
-    <p:sldId id="359" r:id="rId28"/>
-    <p:sldId id="272" r:id="rId29"/>
-    <p:sldId id="291" r:id="rId30"/>
-    <p:sldId id="268" r:id="rId31"/>
+    <p:sldId id="391" r:id="rId5"/>
+    <p:sldId id="392" r:id="rId6"/>
+    <p:sldId id="379" r:id="rId7"/>
+    <p:sldId id="381" r:id="rId8"/>
+    <p:sldId id="382" r:id="rId9"/>
+    <p:sldId id="383" r:id="rId10"/>
+    <p:sldId id="384" r:id="rId11"/>
+    <p:sldId id="385" r:id="rId12"/>
+    <p:sldId id="386" r:id="rId13"/>
+    <p:sldId id="387" r:id="rId14"/>
+    <p:sldId id="388" r:id="rId15"/>
+    <p:sldId id="389" r:id="rId16"/>
+    <p:sldId id="390" r:id="rId17"/>
+    <p:sldId id="380" r:id="rId18"/>
+    <p:sldId id="348" r:id="rId19"/>
+    <p:sldId id="349" r:id="rId20"/>
+    <p:sldId id="350" r:id="rId21"/>
+    <p:sldId id="351" r:id="rId22"/>
+    <p:sldId id="352" r:id="rId23"/>
+    <p:sldId id="353" r:id="rId24"/>
+    <p:sldId id="354" r:id="rId25"/>
+    <p:sldId id="355" r:id="rId26"/>
+    <p:sldId id="356" r:id="rId27"/>
+    <p:sldId id="357" r:id="rId28"/>
+    <p:sldId id="358" r:id="rId29"/>
+    <p:sldId id="359" r:id="rId30"/>
+    <p:sldId id="272" r:id="rId31"/>
+    <p:sldId id="291" r:id="rId32"/>
+    <p:sldId id="268" r:id="rId33"/>
   </p:sldIdLst>
   <p:sldSz cx="9144000" cy="6858000" type="screen4x3"/>
   <p:notesSz cx="6858000" cy="9144000"/>
@@ -1035,7 +1037,7 @@
               <a:pPr>
                 <a:defRPr/>
               </a:pPr>
-              <a:t>12/11/2017</a:t>
+              <a:t>12/12/2017</a:t>
             </a:fld>
             <a:endParaRPr lang="en-US" altLang="en-US"/>
           </a:p>
@@ -1269,7 +1271,7 @@
               <a:pPr>
                 <a:defRPr/>
               </a:pPr>
-              <a:t>12/11/2017</a:t>
+              <a:t>12/12/2017</a:t>
             </a:fld>
             <a:endParaRPr lang="en-US" altLang="en-US"/>
           </a:p>
@@ -2142,7 +2144,7 @@
               <a:pPr>
                 <a:defRPr/>
               </a:pPr>
-              <a:t>12/11/2017</a:t>
+              <a:t>12/12/2017</a:t>
             </a:fld>
             <a:endParaRPr lang="en-US" altLang="en-US"/>
           </a:p>
@@ -2291,7 +2293,7 @@
               <a:pPr>
                 <a:defRPr/>
               </a:pPr>
-              <a:t>12/11/2017</a:t>
+              <a:t>12/12/2017</a:t>
             </a:fld>
             <a:endParaRPr lang="en-US" altLang="en-US"/>
           </a:p>
@@ -2622,7 +2624,7 @@
               <a:pPr>
                 <a:defRPr/>
               </a:pPr>
-              <a:t>12/11/2017</a:t>
+              <a:t>12/12/2017</a:t>
             </a:fld>
             <a:endParaRPr lang="en-US" altLang="en-US"/>
           </a:p>
@@ -2930,7 +2932,7 @@
               <a:pPr>
                 <a:defRPr/>
               </a:pPr>
-              <a:t>12/11/2017</a:t>
+              <a:t>12/12/2017</a:t>
             </a:fld>
             <a:endParaRPr lang="en-US" altLang="en-US"/>
           </a:p>
@@ -3909,6 +3911,203 @@
           <a:chExt cx="0" cy="0"/>
         </a:xfrm>
       </p:grpSpPr>
+      <p:sp>
+        <p:nvSpPr>
+          <p:cNvPr id="2" name="Title 1"/>
+          <p:cNvSpPr>
+            <a:spLocks noGrp="1"/>
+          </p:cNvSpPr>
+          <p:nvPr>
+            <p:ph type="title"/>
+          </p:nvPr>
+        </p:nvSpPr>
+        <p:spPr>
+          <a:xfrm>
+            <a:off x="685800" y="457200"/>
+            <a:ext cx="7772400" cy="1143000"/>
+          </a:xfrm>
+        </p:spPr>
+        <p:txBody>
+          <a:bodyPr/>
+          <a:lstStyle/>
+          <a:p>
+            <a:r>
+              <a:rPr lang="en-GB" dirty="0" smtClean="0"/>
+              <a:t>Collaboration Diagram</a:t>
+            </a:r>
+            <a:endParaRPr lang="en-GB" dirty="0"/>
+          </a:p>
+        </p:txBody>
+      </p:sp>
+      <p:sp>
+        <p:nvSpPr>
+          <p:cNvPr id="3" name="Content Placeholder 2"/>
+          <p:cNvSpPr>
+            <a:spLocks noGrp="1"/>
+          </p:cNvSpPr>
+          <p:nvPr>
+            <p:ph idx="1"/>
+          </p:nvPr>
+        </p:nvSpPr>
+        <p:spPr/>
+        <p:txBody>
+          <a:bodyPr/>
+          <a:lstStyle/>
+          <a:p>
+            <a:endParaRPr lang="en-GB"/>
+          </a:p>
+        </p:txBody>
+      </p:sp>
+      <p:pic>
+        <p:nvPicPr>
+          <p:cNvPr id="4" name="Picture 3"/>
+          <p:cNvPicPr>
+            <a:picLocks noChangeAspect="1"/>
+          </p:cNvPicPr>
+          <p:nvPr/>
+        </p:nvPicPr>
+        <p:blipFill>
+          <a:blip r:embed="rId2"/>
+          <a:stretch>
+            <a:fillRect/>
+          </a:stretch>
+        </p:blipFill>
+        <p:spPr>
+          <a:xfrm>
+            <a:off x="718268" y="1418743"/>
+            <a:ext cx="7239000" cy="4934914"/>
+          </a:xfrm>
+          <a:prstGeom prst="rect">
+            <a:avLst/>
+          </a:prstGeom>
+        </p:spPr>
+      </p:pic>
+    </p:spTree>
+    <p:extLst>
+      <p:ext uri="{BB962C8B-B14F-4D97-AF65-F5344CB8AC3E}">
+        <p14:creationId xmlns:p14="http://schemas.microsoft.com/office/powerpoint/2010/main" val="466797845"/>
+      </p:ext>
+    </p:extLst>
+  </p:cSld>
+  <p:clrMapOvr>
+    <a:masterClrMapping/>
+  </p:clrMapOvr>
+</p:sld>
+</file>
+
+<file path=ppt/slides/slide11.xml><?xml version="1.0" encoding="utf-8"?>
+<p:sld xmlns:a="http://schemas.openxmlformats.org/drawingml/2006/main" xmlns:r="http://schemas.openxmlformats.org/officeDocument/2006/relationships" xmlns:p="http://schemas.openxmlformats.org/presentationml/2006/main">
+  <p:cSld>
+    <p:spTree>
+      <p:nvGrpSpPr>
+        <p:cNvPr id="1" name=""/>
+        <p:cNvGrpSpPr/>
+        <p:nvPr/>
+      </p:nvGrpSpPr>
+      <p:grpSpPr>
+        <a:xfrm>
+          <a:off x="0" y="0"/>
+          <a:ext cx="0" cy="0"/>
+          <a:chOff x="0" y="0"/>
+          <a:chExt cx="0" cy="0"/>
+        </a:xfrm>
+      </p:grpSpPr>
+      <p:sp>
+        <p:nvSpPr>
+          <p:cNvPr id="2" name="Title 1"/>
+          <p:cNvSpPr>
+            <a:spLocks noGrp="1"/>
+          </p:cNvSpPr>
+          <p:nvPr>
+            <p:ph type="title"/>
+          </p:nvPr>
+        </p:nvSpPr>
+        <p:spPr/>
+        <p:txBody>
+          <a:bodyPr/>
+          <a:lstStyle/>
+          <a:p>
+            <a:r>
+              <a:rPr lang="en-GB" dirty="0" smtClean="0"/>
+              <a:t>Use Case Diagram</a:t>
+            </a:r>
+            <a:endParaRPr lang="en-GB" dirty="0"/>
+          </a:p>
+        </p:txBody>
+      </p:sp>
+      <p:sp>
+        <p:nvSpPr>
+          <p:cNvPr id="3" name="Content Placeholder 2"/>
+          <p:cNvSpPr>
+            <a:spLocks noGrp="1"/>
+          </p:cNvSpPr>
+          <p:nvPr>
+            <p:ph idx="1"/>
+          </p:nvPr>
+        </p:nvSpPr>
+        <p:spPr/>
+        <p:txBody>
+          <a:bodyPr/>
+          <a:lstStyle/>
+          <a:p>
+            <a:endParaRPr lang="en-GB"/>
+          </a:p>
+        </p:txBody>
+      </p:sp>
+      <p:pic>
+        <p:nvPicPr>
+          <p:cNvPr id="4" name="Picture 3"/>
+          <p:cNvPicPr>
+            <a:picLocks noChangeAspect="1"/>
+          </p:cNvPicPr>
+          <p:nvPr/>
+        </p:nvPicPr>
+        <p:blipFill>
+          <a:blip r:embed="rId2"/>
+          <a:stretch>
+            <a:fillRect/>
+          </a:stretch>
+        </p:blipFill>
+        <p:spPr>
+          <a:xfrm>
+            <a:off x="838200" y="1720795"/>
+            <a:ext cx="6934200" cy="4907586"/>
+          </a:xfrm>
+          <a:prstGeom prst="rect">
+            <a:avLst/>
+          </a:prstGeom>
+        </p:spPr>
+      </p:pic>
+    </p:spTree>
+    <p:extLst>
+      <p:ext uri="{BB962C8B-B14F-4D97-AF65-F5344CB8AC3E}">
+        <p14:creationId xmlns:p14="http://schemas.microsoft.com/office/powerpoint/2010/main" val="1372916854"/>
+      </p:ext>
+    </p:extLst>
+  </p:cSld>
+  <p:clrMapOvr>
+    <a:masterClrMapping/>
+  </p:clrMapOvr>
+</p:sld>
+</file>
+
+<file path=ppt/slides/slide12.xml><?xml version="1.0" encoding="utf-8"?>
+<p:sld xmlns:a="http://schemas.openxmlformats.org/drawingml/2006/main" xmlns:r="http://schemas.openxmlformats.org/officeDocument/2006/relationships" xmlns:p="http://schemas.openxmlformats.org/presentationml/2006/main">
+  <p:cSld>
+    <p:spTree>
+      <p:nvGrpSpPr>
+        <p:cNvPr id="1" name=""/>
+        <p:cNvGrpSpPr/>
+        <p:nvPr/>
+      </p:nvGrpSpPr>
+      <p:grpSpPr>
+        <a:xfrm>
+          <a:off x="0" y="0"/>
+          <a:ext cx="0" cy="0"/>
+          <a:chOff x="0" y="0"/>
+          <a:chExt cx="0" cy="0"/>
+        </a:xfrm>
+      </p:grpSpPr>
       <p:pic>
         <p:nvPicPr>
           <p:cNvPr id="4" name="Picture 3"/>
@@ -3974,7 +4173,7 @@
 </p:sld>
 </file>
 
-<file path=ppt/slides/slide11.xml><?xml version="1.0" encoding="utf-8"?>
+<file path=ppt/slides/slide13.xml><?xml version="1.0" encoding="utf-8"?>
 <p:sld xmlns:a="http://schemas.openxmlformats.org/drawingml/2006/main" xmlns:r="http://schemas.openxmlformats.org/officeDocument/2006/relationships" xmlns:p="http://schemas.openxmlformats.org/presentationml/2006/main">
   <p:cSld>
     <p:spTree>
@@ -4070,7 +4269,7 @@
 </p:sld>
 </file>
 
-<file path=ppt/slides/slide12.xml><?xml version="1.0" encoding="utf-8"?>
+<file path=ppt/slides/slide14.xml><?xml version="1.0" encoding="utf-8"?>
 <p:sld xmlns:a="http://schemas.openxmlformats.org/drawingml/2006/main" xmlns:r="http://schemas.openxmlformats.org/officeDocument/2006/relationships" xmlns:p="http://schemas.openxmlformats.org/presentationml/2006/main">
   <p:cSld>
     <p:spTree>
@@ -4166,7 +4365,7 @@
 </p:sld>
 </file>
 
-<file path=ppt/slides/slide13.xml><?xml version="1.0" encoding="utf-8"?>
+<file path=ppt/slides/slide15.xml><?xml version="1.0" encoding="utf-8"?>
 <p:sld xmlns:a="http://schemas.openxmlformats.org/drawingml/2006/main" xmlns:r="http://schemas.openxmlformats.org/officeDocument/2006/relationships" xmlns:p="http://schemas.openxmlformats.org/presentationml/2006/main">
   <p:cSld>
     <p:spTree>
@@ -4262,162 +4461,6 @@
 </p:sld>
 </file>
 
-<file path=ppt/slides/slide14.xml><?xml version="1.0" encoding="utf-8"?>
-<p:sld xmlns:a="http://schemas.openxmlformats.org/drawingml/2006/main" xmlns:r="http://schemas.openxmlformats.org/officeDocument/2006/relationships" xmlns:p="http://schemas.openxmlformats.org/presentationml/2006/main">
-  <p:cSld>
-    <p:spTree>
-      <p:nvGrpSpPr>
-        <p:cNvPr id="1" name=""/>
-        <p:cNvGrpSpPr/>
-        <p:nvPr/>
-      </p:nvGrpSpPr>
-      <p:grpSpPr>
-        <a:xfrm>
-          <a:off x="0" y="0"/>
-          <a:ext cx="0" cy="0"/>
-          <a:chOff x="0" y="0"/>
-          <a:chExt cx="0" cy="0"/>
-        </a:xfrm>
-      </p:grpSpPr>
-      <p:sp>
-        <p:nvSpPr>
-          <p:cNvPr id="2" name="Title 1"/>
-          <p:cNvSpPr>
-            <a:spLocks noGrp="1"/>
-          </p:cNvSpPr>
-          <p:nvPr>
-            <p:ph type="title"/>
-          </p:nvPr>
-        </p:nvSpPr>
-        <p:spPr/>
-        <p:txBody>
-          <a:bodyPr/>
-          <a:lstStyle/>
-          <a:p>
-            <a:r>
-              <a:rPr lang="en-GB" dirty="0" smtClean="0"/>
-              <a:t>Testing/Validation</a:t>
-            </a:r>
-            <a:endParaRPr lang="en-GB" dirty="0"/>
-          </a:p>
-        </p:txBody>
-      </p:sp>
-      <p:sp>
-        <p:nvSpPr>
-          <p:cNvPr id="3" name="Content Placeholder 2"/>
-          <p:cNvSpPr>
-            <a:spLocks noGrp="1"/>
-          </p:cNvSpPr>
-          <p:nvPr>
-            <p:ph idx="1"/>
-          </p:nvPr>
-        </p:nvSpPr>
-        <p:spPr/>
-        <p:txBody>
-          <a:bodyPr/>
-          <a:lstStyle/>
-          <a:p>
-            <a:r>
-              <a:rPr lang="en-GB" dirty="0" smtClean="0"/>
-              <a:t>Library </a:t>
-            </a:r>
-            <a:r>
-              <a:rPr lang="en-GB" dirty="0"/>
-              <a:t>Management System </a:t>
-            </a:r>
-            <a:r>
-              <a:rPr lang="en-GB" dirty="0" smtClean="0"/>
-              <a:t>would be verified and validated against the original </a:t>
-            </a:r>
-            <a:r>
-              <a:rPr lang="en-GB" smtClean="0"/>
-              <a:t>design specification</a:t>
-            </a:r>
-            <a:endParaRPr lang="en-GB" dirty="0" smtClean="0"/>
-          </a:p>
-        </p:txBody>
-      </p:sp>
-    </p:spTree>
-    <p:extLst>
-      <p:ext uri="{BB962C8B-B14F-4D97-AF65-F5344CB8AC3E}">
-        <p14:creationId xmlns:p14="http://schemas.microsoft.com/office/powerpoint/2010/main" val="2512055601"/>
-      </p:ext>
-    </p:extLst>
-  </p:cSld>
-  <p:clrMapOvr>
-    <a:masterClrMapping/>
-  </p:clrMapOvr>
-</p:sld>
-</file>
-
-<file path=ppt/slides/slide15.xml><?xml version="1.0" encoding="utf-8"?>
-<p:sld xmlns:a="http://schemas.openxmlformats.org/drawingml/2006/main" xmlns:r="http://schemas.openxmlformats.org/officeDocument/2006/relationships" xmlns:p="http://schemas.openxmlformats.org/presentationml/2006/main">
-  <p:cSld>
-    <p:spTree>
-      <p:nvGrpSpPr>
-        <p:cNvPr id="1" name=""/>
-        <p:cNvGrpSpPr/>
-        <p:nvPr/>
-      </p:nvGrpSpPr>
-      <p:grpSpPr>
-        <a:xfrm>
-          <a:off x="0" y="0"/>
-          <a:ext cx="0" cy="0"/>
-          <a:chOff x="0" y="0"/>
-          <a:chExt cx="0" cy="0"/>
-        </a:xfrm>
-      </p:grpSpPr>
-      <p:sp>
-        <p:nvSpPr>
-          <p:cNvPr id="2" name="Title 1"/>
-          <p:cNvSpPr>
-            <a:spLocks noGrp="1"/>
-          </p:cNvSpPr>
-          <p:nvPr>
-            <p:ph type="title"/>
-          </p:nvPr>
-        </p:nvSpPr>
-        <p:spPr/>
-        <p:txBody>
-          <a:bodyPr/>
-          <a:lstStyle/>
-          <a:p>
-            <a:endParaRPr lang="en-GB"/>
-          </a:p>
-        </p:txBody>
-      </p:sp>
-      <p:sp>
-        <p:nvSpPr>
-          <p:cNvPr id="3" name="Content Placeholder 2"/>
-          <p:cNvSpPr>
-            <a:spLocks noGrp="1"/>
-          </p:cNvSpPr>
-          <p:nvPr>
-            <p:ph idx="1"/>
-          </p:nvPr>
-        </p:nvSpPr>
-        <p:spPr/>
-        <p:txBody>
-          <a:bodyPr/>
-          <a:lstStyle/>
-          <a:p>
-            <a:endParaRPr lang="en-GB"/>
-          </a:p>
-        </p:txBody>
-      </p:sp>
-    </p:spTree>
-    <p:extLst>
-      <p:ext uri="{BB962C8B-B14F-4D97-AF65-F5344CB8AC3E}">
-        <p14:creationId xmlns:p14="http://schemas.microsoft.com/office/powerpoint/2010/main" val="1234011346"/>
-      </p:ext>
-    </p:extLst>
-  </p:cSld>
-  <p:clrMapOvr>
-    <a:masterClrMapping/>
-  </p:clrMapOvr>
-</p:sld>
-</file>
-
 <file path=ppt/slides/slide16.xml><?xml version="1.0" encoding="utf-8"?>
 <p:sld xmlns:a="http://schemas.openxmlformats.org/drawingml/2006/main" xmlns:r="http://schemas.openxmlformats.org/officeDocument/2006/relationships" xmlns:p="http://schemas.openxmlformats.org/presentationml/2006/main">
   <p:cSld>
@@ -4452,7 +4495,7 @@
           <a:p>
             <a:r>
               <a:rPr lang="en-GB" dirty="0" smtClean="0"/>
-              <a:t>Question</a:t>
+              <a:t>Testing/Validation</a:t>
             </a:r>
             <a:endParaRPr lang="en-GB" dirty="0"/>
           </a:p>
@@ -4475,24 +4518,28 @@
           <a:p>
             <a:r>
               <a:rPr lang="en-GB" dirty="0" smtClean="0"/>
-              <a:t>Briefly summarize the importance of </a:t>
+              <a:t>Library </a:t>
             </a:r>
             <a:r>
               <a:rPr lang="en-GB" dirty="0"/>
-              <a:t>using </a:t>
+              <a:t>Management System </a:t>
             </a:r>
             <a:r>
               <a:rPr lang="en-GB" dirty="0" smtClean="0"/>
-              <a:t>inheritance</a:t>
-            </a:r>
-            <a:endParaRPr lang="en-GB" dirty="0"/>
+              <a:t>would be verified and validated against the original </a:t>
+            </a:r>
+            <a:r>
+              <a:rPr lang="en-GB" smtClean="0"/>
+              <a:t>design specification</a:t>
+            </a:r>
+            <a:endParaRPr lang="en-GB" dirty="0" smtClean="0"/>
           </a:p>
         </p:txBody>
       </p:sp>
     </p:spTree>
     <p:extLst>
       <p:ext uri="{BB962C8B-B14F-4D97-AF65-F5344CB8AC3E}">
-        <p14:creationId xmlns:p14="http://schemas.microsoft.com/office/powerpoint/2010/main" val="3761747205"/>
+        <p14:creationId xmlns:p14="http://schemas.microsoft.com/office/powerpoint/2010/main" val="2512055601"/>
       </p:ext>
     </p:extLst>
   </p:cSld>
@@ -4534,11 +4581,7 @@
           <a:bodyPr/>
           <a:lstStyle/>
           <a:p>
-            <a:r>
-              <a:rPr lang="en-GB" dirty="0" smtClean="0"/>
-              <a:t>Answer</a:t>
-            </a:r>
-            <a:endParaRPr lang="en-GB" dirty="0"/>
+            <a:endParaRPr lang="en-GB"/>
           </a:p>
         </p:txBody>
       </p:sp>
@@ -4552,88 +4595,19 @@
             <p:ph idx="1"/>
           </p:nvPr>
         </p:nvSpPr>
-        <p:spPr>
-          <a:xfrm>
-            <a:off x="685800" y="1981200"/>
-            <a:ext cx="7772400" cy="4495800"/>
-          </a:xfrm>
-        </p:spPr>
-        <p:txBody>
-          <a:bodyPr>
-            <a:normAutofit fontScale="92500" lnSpcReduction="10000"/>
-          </a:bodyPr>
+        <p:spPr/>
+        <p:txBody>
+          <a:bodyPr/>
           <a:lstStyle/>
           <a:p>
-            <a:r>
-              <a:rPr lang="en-GB" dirty="0"/>
-              <a:t>Inheritance is one of the most powerful features of object oriented programming. Most important advantages of inheritance are</a:t>
-            </a:r>
-            <a:r>
-              <a:rPr lang="en-GB" dirty="0" smtClean="0"/>
-              <a:t>:</a:t>
-            </a:r>
-            <a:endParaRPr lang="en-GB" dirty="0"/>
-          </a:p>
-          <a:p>
-            <a:r>
-              <a:rPr lang="en-GB" dirty="0"/>
-              <a:t>Reusability </a:t>
-            </a:r>
-            <a:endParaRPr lang="en-GB" dirty="0" smtClean="0"/>
-          </a:p>
-          <a:p>
-            <a:r>
-              <a:rPr lang="en-GB" dirty="0" smtClean="0"/>
-              <a:t>Saves </a:t>
-            </a:r>
-            <a:r>
-              <a:rPr lang="en-GB" dirty="0"/>
-              <a:t>times and efforts </a:t>
-            </a:r>
-            <a:endParaRPr lang="en-GB" dirty="0" smtClean="0"/>
-          </a:p>
-          <a:p>
-            <a:r>
-              <a:rPr lang="en-GB" dirty="0" smtClean="0"/>
-              <a:t>Closeness </a:t>
-            </a:r>
-            <a:r>
-              <a:rPr lang="en-GB" dirty="0"/>
-              <a:t>with the real world </a:t>
-            </a:r>
-          </a:p>
-          <a:p>
-            <a:r>
-              <a:rPr lang="en-GB" dirty="0" smtClean="0"/>
-              <a:t>Easy </a:t>
-            </a:r>
-            <a:r>
-              <a:rPr lang="en-GB" dirty="0"/>
-              <a:t>modification </a:t>
-            </a:r>
-            <a:endParaRPr lang="en-GB" dirty="0" smtClean="0"/>
-          </a:p>
-          <a:p>
-            <a:r>
-              <a:rPr lang="en-GB" dirty="0" smtClean="0"/>
-              <a:t>Transitive </a:t>
-            </a:r>
-            <a:r>
-              <a:rPr lang="en-GB" dirty="0"/>
-              <a:t>Nature of </a:t>
-            </a:r>
-            <a:r>
-              <a:rPr lang="en-GB" dirty="0" smtClean="0"/>
-              <a:t>inheritance</a:t>
-            </a:r>
-            <a:endParaRPr lang="en-GB" dirty="0"/>
+            <a:endParaRPr lang="en-GB"/>
           </a:p>
         </p:txBody>
       </p:sp>
     </p:spTree>
     <p:extLst>
       <p:ext uri="{BB962C8B-B14F-4D97-AF65-F5344CB8AC3E}">
-        <p14:creationId xmlns:p14="http://schemas.microsoft.com/office/powerpoint/2010/main" val="1431457176"/>
+        <p14:creationId xmlns:p14="http://schemas.microsoft.com/office/powerpoint/2010/main" val="1234011346"/>
       </p:ext>
     </p:extLst>
   </p:cSld>
@@ -4699,16 +4673,88 @@
           <a:lstStyle/>
           <a:p>
             <a:r>
+              <a:rPr lang="en-GB" dirty="0" smtClean="0"/>
+              <a:t>Briefly summarize the importance of </a:t>
+            </a:r>
+            <a:r>
               <a:rPr lang="en-GB" dirty="0"/>
-              <a:t>What do you mean by overloading of a function? When do you use this concept? Give an example of function overloading?</a:t>
-            </a:r>
-          </a:p>
-        </p:txBody>
-      </p:sp>
+              <a:t>using </a:t>
+            </a:r>
+            <a:r>
+              <a:rPr lang="en-GB" dirty="0" smtClean="0"/>
+              <a:t>inheritance</a:t>
+            </a:r>
+          </a:p>
+          <a:p>
+            <a:pPr marL="0" indent="0">
+              <a:buNone/>
+            </a:pPr>
+            <a:r>
+              <a:rPr lang="en-GB" dirty="0" smtClean="0"/>
+              <a:t>   (5 minutes)</a:t>
+            </a:r>
+            <a:endParaRPr lang="en-GB" dirty="0"/>
+          </a:p>
+        </p:txBody>
+      </p:sp>
+      <p:pic>
+        <p:nvPicPr>
+          <p:cNvPr id="4" name="Picture 1"/>
+          <p:cNvPicPr>
+            <a:picLocks noChangeAspect="1"/>
+          </p:cNvPicPr>
+          <p:nvPr/>
+        </p:nvPicPr>
+        <p:blipFill>
+          <a:blip r:embed="rId2">
+            <a:extLst>
+              <a:ext uri="{28A0092B-C50C-407E-A947-70E740481C1C}">
+                <a14:useLocalDpi xmlns:a14="http://schemas.microsoft.com/office/drawing/2010/main" val="0"/>
+              </a:ext>
+            </a:extLst>
+          </a:blip>
+          <a:srcRect/>
+          <a:stretch>
+            <a:fillRect/>
+          </a:stretch>
+        </p:blipFill>
+        <p:spPr bwMode="auto">
+          <a:xfrm>
+            <a:off x="6172200" y="4419600"/>
+            <a:ext cx="2667000" cy="2184400"/>
+          </a:xfrm>
+          <a:prstGeom prst="rect">
+            <a:avLst/>
+          </a:prstGeom>
+          <a:noFill/>
+          <a:ln>
+            <a:noFill/>
+          </a:ln>
+          <a:extLst>
+            <a:ext uri="{909E8E84-426E-40DD-AFC4-6F175D3DCCD1}">
+              <a14:hiddenFill xmlns:a14="http://schemas.microsoft.com/office/drawing/2010/main">
+                <a:solidFill>
+                  <a:srgbClr val="FFFFFF"/>
+                </a:solidFill>
+              </a14:hiddenFill>
+            </a:ext>
+            <a:ext uri="{91240B29-F687-4F45-9708-019B960494DF}">
+              <a14:hiddenLine xmlns:a14="http://schemas.microsoft.com/office/drawing/2010/main" w="9525">
+                <a:solidFill>
+                  <a:srgbClr val="000000"/>
+                </a:solidFill>
+                <a:miter lim="800000"/>
+                <a:headEnd/>
+                <a:tailEnd/>
+              </a14:hiddenLine>
+            </a:ext>
+          </a:extLst>
+        </p:spPr>
+      </p:pic>
     </p:spTree>
     <p:extLst>
       <p:ext uri="{BB962C8B-B14F-4D97-AF65-F5344CB8AC3E}">
-        <p14:creationId xmlns:p14="http://schemas.microsoft.com/office/powerpoint/2010/main" val="549163843"/>
+        <p14:creationId xmlns:p14="http://schemas.microsoft.com/office/powerpoint/2010/main" val="3761747205"/>
       </p:ext>
     </p:extLst>
   </p:cSld>
@@ -4745,200 +4791,102 @@
             <p:ph type="title"/>
           </p:nvPr>
         </p:nvSpPr>
+        <p:spPr/>
+        <p:txBody>
+          <a:bodyPr/>
+          <a:lstStyle/>
+          <a:p>
+            <a:r>
+              <a:rPr lang="en-GB" dirty="0" smtClean="0"/>
+              <a:t>Answer</a:t>
+            </a:r>
+            <a:endParaRPr lang="en-GB" dirty="0"/>
+          </a:p>
+        </p:txBody>
+      </p:sp>
+      <p:sp>
+        <p:nvSpPr>
+          <p:cNvPr id="3" name="Content Placeholder 2"/>
+          <p:cNvSpPr>
+            <a:spLocks noGrp="1"/>
+          </p:cNvSpPr>
+          <p:nvPr>
+            <p:ph idx="1"/>
+          </p:nvPr>
+        </p:nvSpPr>
         <p:spPr>
           <a:xfrm>
-            <a:off x="685800" y="76200"/>
-            <a:ext cx="7772400" cy="1143000"/>
+            <a:off x="685800" y="1981200"/>
+            <a:ext cx="7772400" cy="4495800"/>
           </a:xfrm>
         </p:spPr>
         <p:txBody>
-          <a:bodyPr/>
-          <a:lstStyle/>
-          <a:p>
-            <a:r>
-              <a:rPr lang="en-GB" dirty="0" smtClean="0"/>
-              <a:t>Answer</a:t>
-            </a:r>
-            <a:endParaRPr lang="en-GB" dirty="0"/>
-          </a:p>
-        </p:txBody>
-      </p:sp>
-      <p:sp>
-        <p:nvSpPr>
-          <p:cNvPr id="3" name="Content Placeholder 2"/>
-          <p:cNvSpPr>
-            <a:spLocks noGrp="1"/>
-          </p:cNvSpPr>
-          <p:nvPr>
-            <p:ph idx="1"/>
-          </p:nvPr>
-        </p:nvSpPr>
-        <p:spPr>
-          <a:xfrm>
-            <a:off x="677333" y="1244600"/>
-            <a:ext cx="7772400" cy="4927600"/>
-          </a:xfrm>
-        </p:spPr>
-        <p:txBody>
           <a:bodyPr>
-            <a:normAutofit fontScale="77500" lnSpcReduction="20000"/>
+            <a:normAutofit fontScale="92500" lnSpcReduction="10000"/>
           </a:bodyPr>
           <a:lstStyle/>
           <a:p>
             <a:r>
               <a:rPr lang="en-GB" dirty="0"/>
-              <a:t>Function overloading is a technique where </a:t>
-            </a:r>
-            <a:r>
-              <a:rPr lang="en-GB" dirty="0">
-                <a:solidFill>
-                  <a:srgbClr val="FF0000"/>
-                </a:solidFill>
-              </a:rPr>
-              <a:t>several function declarations </a:t>
-            </a:r>
+              <a:t>Inheritance is one of the most powerful features of object oriented programming. Most important advantages of inheritance are</a:t>
+            </a:r>
+            <a:r>
+              <a:rPr lang="en-GB" dirty="0" smtClean="0"/>
+              <a:t>:</a:t>
+            </a:r>
+            <a:endParaRPr lang="en-GB" dirty="0"/>
+          </a:p>
+          <a:p>
             <a:r>
               <a:rPr lang="en-GB" dirty="0"/>
-              <a:t>are specified with a </a:t>
-            </a:r>
-            <a:r>
-              <a:rPr lang="en-GB" dirty="0">
-                <a:solidFill>
-                  <a:srgbClr val="FF0000"/>
-                </a:solidFill>
-              </a:rPr>
-              <a:t>same name </a:t>
+              <a:t>Reusability </a:t>
+            </a:r>
+            <a:endParaRPr lang="en-GB" dirty="0" smtClean="0"/>
+          </a:p>
+          <a:p>
+            <a:r>
+              <a:rPr lang="en-GB" dirty="0" smtClean="0"/>
+              <a:t>Saves </a:t>
             </a:r>
             <a:r>
               <a:rPr lang="en-GB" dirty="0"/>
-              <a:t>that can perform similar tasks, but on different data </a:t>
-            </a:r>
+              <a:t>times and efforts </a:t>
+            </a:r>
+            <a:endParaRPr lang="en-GB" dirty="0" smtClean="0"/>
+          </a:p>
+          <a:p>
             <a:r>
               <a:rPr lang="en-GB" dirty="0" smtClean="0"/>
-              <a:t>types (</a:t>
+              <a:t>Closeness </a:t>
             </a:r>
             <a:r>
               <a:rPr lang="en-GB" dirty="0"/>
-              <a:t>distinguished by their number and type of arguments</a:t>
-            </a:r>
+              <a:t>with the real world </a:t>
+            </a:r>
+          </a:p>
+          <a:p>
             <a:r>
               <a:rPr lang="en-GB" dirty="0" smtClean="0"/>
-              <a:t>)</a:t>
-            </a:r>
-          </a:p>
-          <a:p>
-            <a:endParaRPr lang="en-GB" dirty="0"/>
+              <a:t>Easy </a:t>
+            </a:r>
+            <a:r>
+              <a:rPr lang="en-GB" dirty="0"/>
+              <a:t>modification </a:t>
+            </a:r>
+            <a:endParaRPr lang="en-GB" dirty="0" smtClean="0"/>
           </a:p>
           <a:p>
             <a:r>
               <a:rPr lang="en-GB" dirty="0" smtClean="0"/>
-              <a:t>Example</a:t>
-            </a:r>
-          </a:p>
-          <a:p>
-            <a:pPr marL="0" indent="0">
-              <a:buNone/>
-            </a:pPr>
-            <a:r>
-              <a:rPr lang="en-GB" dirty="0" err="1"/>
-              <a:t>int</a:t>
+              <a:t>Transitive </a:t>
             </a:r>
             <a:r>
               <a:rPr lang="en-GB" dirty="0"/>
-              <a:t> add (</a:t>
-            </a:r>
-            <a:r>
-              <a:rPr lang="en-GB" dirty="0" err="1"/>
-              <a:t>int</a:t>
-            </a:r>
-            <a:r>
-              <a:rPr lang="en-GB" dirty="0"/>
-              <a:t> a, </a:t>
-            </a:r>
-            <a:r>
-              <a:rPr lang="en-GB" dirty="0" err="1"/>
-              <a:t>int</a:t>
-            </a:r>
-            <a:r>
-              <a:rPr lang="en-GB" dirty="0"/>
-              <a:t> b);</a:t>
-            </a:r>
-          </a:p>
-          <a:p>
-            <a:pPr marL="0" indent="0">
-              <a:buNone/>
-            </a:pPr>
-            <a:r>
-              <a:rPr lang="en-GB" dirty="0" err="1"/>
-              <a:t>int</a:t>
-            </a:r>
-            <a:r>
-              <a:rPr lang="en-GB" dirty="0"/>
-              <a:t> add (</a:t>
-            </a:r>
-            <a:r>
-              <a:rPr lang="en-GB" dirty="0" err="1"/>
-              <a:t>int</a:t>
-            </a:r>
-            <a:r>
-              <a:rPr lang="en-GB" dirty="0"/>
-              <a:t> a, </a:t>
-            </a:r>
-            <a:r>
-              <a:rPr lang="en-GB" dirty="0" err="1"/>
-              <a:t>int</a:t>
-            </a:r>
-            <a:r>
-              <a:rPr lang="en-GB" dirty="0"/>
-              <a:t> b, </a:t>
-            </a:r>
-            <a:r>
-              <a:rPr lang="en-GB" dirty="0" err="1"/>
-              <a:t>int</a:t>
-            </a:r>
-            <a:r>
-              <a:rPr lang="en-GB" dirty="0"/>
-              <a:t> c);</a:t>
-            </a:r>
-          </a:p>
-          <a:p>
-            <a:pPr marL="0" indent="0">
-              <a:buNone/>
-            </a:pPr>
-            <a:r>
-              <a:rPr lang="en-GB" dirty="0"/>
-              <a:t>float add (float a, float b</a:t>
+              <a:t>Nature of </a:t>
             </a:r>
             <a:r>
               <a:rPr lang="en-GB" dirty="0" smtClean="0"/>
-              <a:t>);</a:t>
-            </a:r>
-          </a:p>
-          <a:p>
-            <a:pPr marL="0" indent="0">
-              <a:buNone/>
-            </a:pPr>
-            <a:endParaRPr lang="en-GB" dirty="0"/>
-          </a:p>
-          <a:p>
-            <a:pPr marL="0" indent="0">
-              <a:buNone/>
-            </a:pPr>
-            <a:r>
-              <a:rPr lang="en-GB" dirty="0"/>
-              <a:t>Hence, overloaded </a:t>
-            </a:r>
-            <a:r>
-              <a:rPr lang="en-GB" dirty="0" smtClean="0"/>
-              <a:t>functions perform </a:t>
-            </a:r>
-            <a:r>
-              <a:rPr lang="en-GB" dirty="0"/>
-              <a:t>different activities depending upon the kind of data sent to </a:t>
-            </a:r>
-            <a:r>
-              <a:rPr lang="en-GB" dirty="0" smtClean="0"/>
-              <a:t>them</a:t>
+              <a:t>inheritance</a:t>
             </a:r>
             <a:endParaRPr lang="en-GB" dirty="0"/>
           </a:p>
@@ -4947,7 +4895,7 @@
     </p:spTree>
     <p:extLst>
       <p:ext uri="{BB962C8B-B14F-4D97-AF65-F5344CB8AC3E}">
-        <p14:creationId xmlns:p14="http://schemas.microsoft.com/office/powerpoint/2010/main" val="1228461210"/>
+        <p14:creationId xmlns:p14="http://schemas.microsoft.com/office/powerpoint/2010/main" val="1431457176"/>
       </p:ext>
     </p:extLst>
   </p:cSld>
@@ -5129,12 +5077,8 @@
           <a:lstStyle/>
           <a:p>
             <a:r>
-              <a:rPr lang="en-GB" dirty="0" smtClean="0"/>
-              <a:t>List the </a:t>
-            </a:r>
-            <a:r>
               <a:rPr lang="en-GB" dirty="0"/>
-              <a:t>difference between Polymorphism and Overloading?</a:t>
+              <a:t>What do you mean by overloading of a function? When do you use this concept? Give an example of function overloading?</a:t>
             </a:r>
           </a:p>
         </p:txBody>
@@ -5142,7 +5086,7 @@
     </p:spTree>
     <p:extLst>
       <p:ext uri="{BB962C8B-B14F-4D97-AF65-F5344CB8AC3E}">
-        <p14:creationId xmlns:p14="http://schemas.microsoft.com/office/powerpoint/2010/main" val="2310068441"/>
+        <p14:creationId xmlns:p14="http://schemas.microsoft.com/office/powerpoint/2010/main" val="549163843"/>
       </p:ext>
     </p:extLst>
   </p:cSld>
@@ -5181,7 +5125,7 @@
         </p:nvSpPr>
         <p:spPr>
           <a:xfrm>
-            <a:off x="685800" y="152400"/>
+            <a:off x="685800" y="76200"/>
             <a:ext cx="7772400" cy="1143000"/>
           </a:xfrm>
         </p:spPr>
@@ -5204,24 +5148,69 @@
             <a:spLocks noGrp="1"/>
           </p:cNvSpPr>
           <p:nvPr>
-            <p:ph sz="half" idx="1"/>
+            <p:ph idx="1"/>
           </p:nvPr>
         </p:nvSpPr>
         <p:spPr>
           <a:xfrm>
-            <a:off x="685800" y="1524000"/>
-            <a:ext cx="3810000" cy="4724400"/>
+            <a:off x="677333" y="1244600"/>
+            <a:ext cx="7772400" cy="4927600"/>
           </a:xfrm>
         </p:spPr>
         <p:txBody>
           <a:bodyPr>
-            <a:normAutofit lnSpcReduction="10000"/>
+            <a:normAutofit fontScale="77500" lnSpcReduction="20000"/>
           </a:bodyPr>
           <a:lstStyle/>
           <a:p>
             <a:r>
+              <a:rPr lang="en-GB" dirty="0"/>
+              <a:t>Function overloading is a technique where </a:t>
+            </a:r>
+            <a:r>
+              <a:rPr lang="en-GB" dirty="0">
+                <a:solidFill>
+                  <a:srgbClr val="FF0000"/>
+                </a:solidFill>
+              </a:rPr>
+              <a:t>several function declarations </a:t>
+            </a:r>
+            <a:r>
+              <a:rPr lang="en-GB" dirty="0"/>
+              <a:t>are specified with a </a:t>
+            </a:r>
+            <a:r>
+              <a:rPr lang="en-GB" dirty="0">
+                <a:solidFill>
+                  <a:srgbClr val="FF0000"/>
+                </a:solidFill>
+              </a:rPr>
+              <a:t>same name </a:t>
+            </a:r>
+            <a:r>
+              <a:rPr lang="en-GB" dirty="0"/>
+              <a:t>that can perform similar tasks, but on different data </a:t>
+            </a:r>
+            <a:r>
               <a:rPr lang="en-GB" dirty="0" smtClean="0"/>
-              <a:t>Polymorphism</a:t>
+              <a:t>types (</a:t>
+            </a:r>
+            <a:r>
+              <a:rPr lang="en-GB" dirty="0"/>
+              <a:t>distinguished by their number and type of arguments</a:t>
+            </a:r>
+            <a:r>
+              <a:rPr lang="en-GB" dirty="0" smtClean="0"/>
+              <a:t>)</a:t>
+            </a:r>
+          </a:p>
+          <a:p>
+            <a:endParaRPr lang="en-GB" dirty="0"/>
+          </a:p>
+          <a:p>
+            <a:r>
+              <a:rPr lang="en-GB" dirty="0" smtClean="0"/>
+              <a:t>Example</a:t>
             </a:r>
           </a:p>
           <a:p>
@@ -5229,12 +5218,28 @@
               <a:buNone/>
             </a:pPr>
             <a:r>
-              <a:rPr lang="en-GB" sz="2400" dirty="0"/>
-              <a:t>Polymorphism is an important concept of OOPS</a:t>
-            </a:r>
-            <a:r>
-              <a:rPr lang="en-GB" sz="2400" dirty="0" smtClean="0"/>
-              <a:t>.</a:t>
+              <a:rPr lang="en-GB" dirty="0" err="1"/>
+              <a:t>int</a:t>
+            </a:r>
+            <a:r>
+              <a:rPr lang="en-GB" dirty="0"/>
+              <a:t> add (</a:t>
+            </a:r>
+            <a:r>
+              <a:rPr lang="en-GB" dirty="0" err="1"/>
+              <a:t>int</a:t>
+            </a:r>
+            <a:r>
+              <a:rPr lang="en-GB" dirty="0"/>
+              <a:t> a, </a:t>
+            </a:r>
+            <a:r>
+              <a:rPr lang="en-GB" dirty="0" err="1"/>
+              <a:t>int</a:t>
+            </a:r>
+            <a:r>
+              <a:rPr lang="en-GB" dirty="0"/>
+              <a:t> b);</a:t>
             </a:r>
           </a:p>
           <a:p>
@@ -5242,12 +5247,36 @@
               <a:buNone/>
             </a:pPr>
             <a:r>
-              <a:rPr lang="en-GB" sz="2400" dirty="0"/>
-              <a:t>Polymorphism means ability of one object to take many different forms</a:t>
-            </a:r>
-            <a:r>
-              <a:rPr lang="en-GB" sz="2400" dirty="0" smtClean="0"/>
-              <a:t>.</a:t>
+              <a:rPr lang="en-GB" dirty="0" err="1"/>
+              <a:t>int</a:t>
+            </a:r>
+            <a:r>
+              <a:rPr lang="en-GB" dirty="0"/>
+              <a:t> add (</a:t>
+            </a:r>
+            <a:r>
+              <a:rPr lang="en-GB" dirty="0" err="1"/>
+              <a:t>int</a:t>
+            </a:r>
+            <a:r>
+              <a:rPr lang="en-GB" dirty="0"/>
+              <a:t> a, </a:t>
+            </a:r>
+            <a:r>
+              <a:rPr lang="en-GB" dirty="0" err="1"/>
+              <a:t>int</a:t>
+            </a:r>
+            <a:r>
+              <a:rPr lang="en-GB" dirty="0"/>
+              <a:t> b, </a:t>
+            </a:r>
+            <a:r>
+              <a:rPr lang="en-GB" dirty="0" err="1"/>
+              <a:t>int</a:t>
+            </a:r>
+            <a:r>
+              <a:rPr lang="en-GB" dirty="0"/>
+              <a:t> c);</a:t>
             </a:r>
           </a:p>
           <a:p>
@@ -5255,100 +5284,48 @@
               <a:buNone/>
             </a:pPr>
             <a:r>
-              <a:rPr lang="en-GB" sz="2400" dirty="0" smtClean="0"/>
-              <a:t>Two main types </a:t>
-            </a:r>
-            <a:r>
-              <a:rPr lang="en-GB" sz="2400" dirty="0"/>
-              <a:t>of polymorphism:</a:t>
+              <a:rPr lang="en-GB" dirty="0"/>
+              <a:t>float add (float a, float b</a:t>
+            </a:r>
+            <a:r>
+              <a:rPr lang="en-GB" dirty="0" smtClean="0"/>
+              <a:t>);</a:t>
             </a:r>
           </a:p>
           <a:p>
             <a:pPr marL="0" indent="0">
               <a:buNone/>
             </a:pPr>
-            <a:r>
-              <a:rPr lang="en-GB" sz="2400" dirty="0"/>
-              <a:t>Runtime </a:t>
-            </a:r>
-            <a:r>
-              <a:rPr lang="en-GB" sz="2400" dirty="0" smtClean="0"/>
-              <a:t>polymorphism</a:t>
-            </a:r>
-            <a:endParaRPr lang="en-GB" sz="2400" dirty="0"/>
+            <a:endParaRPr lang="en-GB" dirty="0"/>
           </a:p>
           <a:p>
             <a:pPr marL="0" indent="0">
               <a:buNone/>
             </a:pPr>
             <a:r>
-              <a:rPr lang="en-GB" sz="2400" dirty="0"/>
-              <a:t>Compile </a:t>
-            </a:r>
-            <a:r>
-              <a:rPr lang="en-GB" sz="2400" dirty="0" smtClean="0"/>
-              <a:t>time polymorphism</a:t>
-            </a:r>
-            <a:endParaRPr lang="en-GB" sz="2400" dirty="0"/>
-          </a:p>
-        </p:txBody>
-      </p:sp>
-      <p:sp>
-        <p:nvSpPr>
-          <p:cNvPr id="4" name="Content Placeholder 3"/>
-          <p:cNvSpPr>
-            <a:spLocks noGrp="1"/>
-          </p:cNvSpPr>
-          <p:nvPr>
-            <p:ph sz="half" idx="2"/>
-          </p:nvPr>
-        </p:nvSpPr>
-        <p:spPr>
-          <a:xfrm>
-            <a:off x="4648200" y="1524000"/>
-            <a:ext cx="3810000" cy="4114800"/>
-          </a:xfrm>
-        </p:spPr>
-        <p:txBody>
-          <a:bodyPr>
-            <a:normAutofit lnSpcReduction="10000"/>
-          </a:bodyPr>
-          <a:lstStyle/>
-          <a:p>
+              <a:rPr lang="en-GB" dirty="0"/>
+              <a:t>Hence, overloaded </a:t>
+            </a:r>
             <a:r>
               <a:rPr lang="en-GB" dirty="0" smtClean="0"/>
-              <a:t>Overloading</a:t>
-            </a:r>
-          </a:p>
-          <a:p>
-            <a:pPr marL="0" indent="0">
-              <a:buNone/>
-            </a:pPr>
-            <a:r>
-              <a:rPr lang="en-GB" sz="2400" dirty="0"/>
-              <a:t>Overloading is the mechanism to implement </a:t>
-            </a:r>
-            <a:r>
-              <a:rPr lang="en-GB" sz="2400" dirty="0" smtClean="0"/>
-              <a:t>polymorphism.</a:t>
-            </a:r>
-            <a:endParaRPr lang="en-GB" sz="2400" dirty="0"/>
-          </a:p>
-          <a:p>
-            <a:pPr marL="0" indent="0">
-              <a:buNone/>
-            </a:pPr>
-            <a:r>
-              <a:rPr lang="en-GB" sz="2400" dirty="0" smtClean="0"/>
-              <a:t>Overloading is the mechanism to use the same thing for different purposes.</a:t>
-            </a:r>
+              <a:t>functions perform </a:t>
+            </a:r>
+            <a:r>
+              <a:rPr lang="en-GB" dirty="0"/>
+              <a:t>different activities depending upon the kind of data sent to </a:t>
+            </a:r>
+            <a:r>
+              <a:rPr lang="en-GB" dirty="0" smtClean="0"/>
+              <a:t>them</a:t>
+            </a:r>
+            <a:endParaRPr lang="en-GB" dirty="0"/>
           </a:p>
         </p:txBody>
       </p:sp>
     </p:spTree>
     <p:extLst>
       <p:ext uri="{BB962C8B-B14F-4D97-AF65-F5344CB8AC3E}">
-        <p14:creationId xmlns:p14="http://schemas.microsoft.com/office/powerpoint/2010/main" val="1690002108"/>
+        <p14:creationId xmlns:p14="http://schemas.microsoft.com/office/powerpoint/2010/main" val="1228461210"/>
       </p:ext>
     </p:extLst>
   </p:cSld>
@@ -5391,10 +5368,10 @@
           <a:lstStyle/>
           <a:p>
             <a:r>
-              <a:rPr lang="en-US" dirty="0" smtClean="0"/>
+              <a:rPr lang="en-GB" dirty="0" smtClean="0"/>
               <a:t>Question</a:t>
             </a:r>
-            <a:endParaRPr lang="en-US" dirty="0"/>
+            <a:endParaRPr lang="en-GB" dirty="0"/>
           </a:p>
         </p:txBody>
       </p:sp>
@@ -5414,61 +5391,22 @@
           <a:lstStyle/>
           <a:p>
             <a:r>
-              <a:rPr lang="en-US" dirty="0" smtClean="0"/>
-              <a:t>Which development approach </a:t>
-            </a:r>
-            <a:r>
-              <a:rPr lang="en-US" smtClean="0"/>
-              <a:t>is the waterfall </a:t>
-            </a:r>
-            <a:r>
-              <a:rPr lang="en-US" dirty="0" smtClean="0"/>
-              <a:t>model?</a:t>
-            </a:r>
-          </a:p>
-          <a:p>
-            <a:endParaRPr lang="en-US" dirty="0" smtClean="0"/>
-          </a:p>
-          <a:p>
-            <a:pPr>
-              <a:buNone/>
-            </a:pPr>
-            <a:r>
-              <a:rPr lang="en-US" dirty="0" smtClean="0"/>
-              <a:t>a) incremental development approach</a:t>
-            </a:r>
-          </a:p>
-          <a:p>
-            <a:pPr>
-              <a:buNone/>
-            </a:pPr>
-            <a:r>
-              <a:rPr lang="en-US" dirty="0" smtClean="0"/>
-              <a:t>b) iterative development approach</a:t>
-            </a:r>
-          </a:p>
-          <a:p>
-            <a:pPr>
-              <a:buNone/>
-            </a:pPr>
-            <a:r>
-              <a:rPr lang="en-US" dirty="0" smtClean="0"/>
-              <a:t>c) static development approach</a:t>
-            </a:r>
-          </a:p>
-          <a:p>
-            <a:pPr>
-              <a:buNone/>
-            </a:pPr>
-            <a:r>
-              <a:rPr lang="en-US" dirty="0" smtClean="0"/>
-              <a:t>d) behavioral development approach</a:t>
-            </a:r>
-            <a:endParaRPr lang="en-US" dirty="0"/>
+              <a:rPr lang="en-GB" dirty="0" smtClean="0"/>
+              <a:t>List the </a:t>
+            </a:r>
+            <a:r>
+              <a:rPr lang="en-GB" dirty="0"/>
+              <a:t>difference between Polymorphism and Overloading?</a:t>
+            </a:r>
           </a:p>
         </p:txBody>
       </p:sp>
     </p:spTree>
+    <p:extLst>
+      <p:ext uri="{BB962C8B-B14F-4D97-AF65-F5344CB8AC3E}">
+        <p14:creationId xmlns:p14="http://schemas.microsoft.com/office/powerpoint/2010/main" val="2310068441"/>
+      </p:ext>
+    </p:extLst>
   </p:cSld>
   <p:clrMapOvr>
     <a:masterClrMapping/>
@@ -5503,6 +5441,212 @@
             <p:ph type="title"/>
           </p:nvPr>
         </p:nvSpPr>
+        <p:spPr>
+          <a:xfrm>
+            <a:off x="685800" y="152400"/>
+            <a:ext cx="7772400" cy="1143000"/>
+          </a:xfrm>
+        </p:spPr>
+        <p:txBody>
+          <a:bodyPr/>
+          <a:lstStyle/>
+          <a:p>
+            <a:r>
+              <a:rPr lang="en-GB" dirty="0" smtClean="0"/>
+              <a:t>Answer</a:t>
+            </a:r>
+            <a:endParaRPr lang="en-GB" dirty="0"/>
+          </a:p>
+        </p:txBody>
+      </p:sp>
+      <p:sp>
+        <p:nvSpPr>
+          <p:cNvPr id="3" name="Content Placeholder 2"/>
+          <p:cNvSpPr>
+            <a:spLocks noGrp="1"/>
+          </p:cNvSpPr>
+          <p:nvPr>
+            <p:ph sz="half" idx="1"/>
+          </p:nvPr>
+        </p:nvSpPr>
+        <p:spPr>
+          <a:xfrm>
+            <a:off x="685800" y="1524000"/>
+            <a:ext cx="3810000" cy="4724400"/>
+          </a:xfrm>
+        </p:spPr>
+        <p:txBody>
+          <a:bodyPr>
+            <a:normAutofit lnSpcReduction="10000"/>
+          </a:bodyPr>
+          <a:lstStyle/>
+          <a:p>
+            <a:r>
+              <a:rPr lang="en-GB" dirty="0" smtClean="0"/>
+              <a:t>Polymorphism</a:t>
+            </a:r>
+          </a:p>
+          <a:p>
+            <a:pPr marL="0" indent="0">
+              <a:buNone/>
+            </a:pPr>
+            <a:r>
+              <a:rPr lang="en-GB" sz="2400" dirty="0"/>
+              <a:t>Polymorphism is an important concept of OOPS</a:t>
+            </a:r>
+            <a:r>
+              <a:rPr lang="en-GB" sz="2400" dirty="0" smtClean="0"/>
+              <a:t>.</a:t>
+            </a:r>
+          </a:p>
+          <a:p>
+            <a:pPr marL="0" indent="0">
+              <a:buNone/>
+            </a:pPr>
+            <a:r>
+              <a:rPr lang="en-GB" sz="2400" dirty="0"/>
+              <a:t>Polymorphism means ability of one object to take many different forms</a:t>
+            </a:r>
+            <a:r>
+              <a:rPr lang="en-GB" sz="2400" dirty="0" smtClean="0"/>
+              <a:t>.</a:t>
+            </a:r>
+          </a:p>
+          <a:p>
+            <a:pPr marL="0" indent="0">
+              <a:buNone/>
+            </a:pPr>
+            <a:r>
+              <a:rPr lang="en-GB" sz="2400" dirty="0" smtClean="0"/>
+              <a:t>Two main types </a:t>
+            </a:r>
+            <a:r>
+              <a:rPr lang="en-GB" sz="2400" dirty="0"/>
+              <a:t>of polymorphism:</a:t>
+            </a:r>
+          </a:p>
+          <a:p>
+            <a:pPr marL="0" indent="0">
+              <a:buNone/>
+            </a:pPr>
+            <a:r>
+              <a:rPr lang="en-GB" sz="2400" dirty="0"/>
+              <a:t>Runtime </a:t>
+            </a:r>
+            <a:r>
+              <a:rPr lang="en-GB" sz="2400" dirty="0" smtClean="0"/>
+              <a:t>polymorphism</a:t>
+            </a:r>
+            <a:endParaRPr lang="en-GB" sz="2400" dirty="0"/>
+          </a:p>
+          <a:p>
+            <a:pPr marL="0" indent="0">
+              <a:buNone/>
+            </a:pPr>
+            <a:r>
+              <a:rPr lang="en-GB" sz="2400" dirty="0"/>
+              <a:t>Compile </a:t>
+            </a:r>
+            <a:r>
+              <a:rPr lang="en-GB" sz="2400" dirty="0" smtClean="0"/>
+              <a:t>time polymorphism</a:t>
+            </a:r>
+            <a:endParaRPr lang="en-GB" sz="2400" dirty="0"/>
+          </a:p>
+        </p:txBody>
+      </p:sp>
+      <p:sp>
+        <p:nvSpPr>
+          <p:cNvPr id="4" name="Content Placeholder 3"/>
+          <p:cNvSpPr>
+            <a:spLocks noGrp="1"/>
+          </p:cNvSpPr>
+          <p:nvPr>
+            <p:ph sz="half" idx="2"/>
+          </p:nvPr>
+        </p:nvSpPr>
+        <p:spPr>
+          <a:xfrm>
+            <a:off x="4648200" y="1524000"/>
+            <a:ext cx="3810000" cy="4114800"/>
+          </a:xfrm>
+        </p:spPr>
+        <p:txBody>
+          <a:bodyPr>
+            <a:normAutofit lnSpcReduction="10000"/>
+          </a:bodyPr>
+          <a:lstStyle/>
+          <a:p>
+            <a:r>
+              <a:rPr lang="en-GB" dirty="0" smtClean="0"/>
+              <a:t>Overloading</a:t>
+            </a:r>
+          </a:p>
+          <a:p>
+            <a:pPr marL="0" indent="0">
+              <a:buNone/>
+            </a:pPr>
+            <a:r>
+              <a:rPr lang="en-GB" sz="2400" dirty="0"/>
+              <a:t>Overloading is the mechanism to implement </a:t>
+            </a:r>
+            <a:r>
+              <a:rPr lang="en-GB" sz="2400" dirty="0" smtClean="0"/>
+              <a:t>polymorphism.</a:t>
+            </a:r>
+            <a:endParaRPr lang="en-GB" sz="2400" dirty="0"/>
+          </a:p>
+          <a:p>
+            <a:pPr marL="0" indent="0">
+              <a:buNone/>
+            </a:pPr>
+            <a:r>
+              <a:rPr lang="en-GB" sz="2400" dirty="0" smtClean="0"/>
+              <a:t>Overloading is the mechanism to use the same thing for different purposes.</a:t>
+            </a:r>
+          </a:p>
+        </p:txBody>
+      </p:sp>
+    </p:spTree>
+    <p:extLst>
+      <p:ext uri="{BB962C8B-B14F-4D97-AF65-F5344CB8AC3E}">
+        <p14:creationId xmlns:p14="http://schemas.microsoft.com/office/powerpoint/2010/main" val="1690002108"/>
+      </p:ext>
+    </p:extLst>
+  </p:cSld>
+  <p:clrMapOvr>
+    <a:masterClrMapping/>
+  </p:clrMapOvr>
+</p:sld>
+</file>
+
+<file path=ppt/slides/slide24.xml><?xml version="1.0" encoding="utf-8"?>
+<p:sld xmlns:a="http://schemas.openxmlformats.org/drawingml/2006/main" xmlns:r="http://schemas.openxmlformats.org/officeDocument/2006/relationships" xmlns:p="http://schemas.openxmlformats.org/presentationml/2006/main">
+  <p:cSld>
+    <p:spTree>
+      <p:nvGrpSpPr>
+        <p:cNvPr id="1" name=""/>
+        <p:cNvGrpSpPr/>
+        <p:nvPr/>
+      </p:nvGrpSpPr>
+      <p:grpSpPr>
+        <a:xfrm>
+          <a:off x="0" y="0"/>
+          <a:ext cx="0" cy="0"/>
+          <a:chOff x="0" y="0"/>
+          <a:chExt cx="0" cy="0"/>
+        </a:xfrm>
+      </p:grpSpPr>
+      <p:sp>
+        <p:nvSpPr>
+          <p:cNvPr id="2" name="Title 1"/>
+          <p:cNvSpPr>
+            <a:spLocks noGrp="1"/>
+          </p:cNvSpPr>
+          <p:nvPr>
+            <p:ph type="title"/>
+          </p:nvPr>
+        </p:nvSpPr>
         <p:spPr/>
         <p:txBody>
           <a:bodyPr/>
@@ -5510,7 +5654,7 @@
           <a:p>
             <a:r>
               <a:rPr lang="en-US" dirty="0" smtClean="0"/>
-              <a:t>Answer</a:t>
+              <a:t>Question</a:t>
             </a:r>
             <a:endParaRPr lang="en-US" dirty="0"/>
           </a:p>
@@ -5531,12 +5675,57 @@
           <a:bodyPr/>
           <a:lstStyle/>
           <a:p>
+            <a:r>
+              <a:rPr lang="en-US" dirty="0" smtClean="0"/>
+              <a:t>Which development approach </a:t>
+            </a:r>
+            <a:r>
+              <a:rPr lang="en-US" smtClean="0"/>
+              <a:t>is the waterfall </a:t>
+            </a:r>
+            <a:r>
+              <a:rPr lang="en-US" dirty="0" smtClean="0"/>
+              <a:t>model?</a:t>
+            </a:r>
+          </a:p>
+          <a:p>
+            <a:endParaRPr lang="en-US" dirty="0" smtClean="0"/>
+          </a:p>
+          <a:p>
+            <a:pPr>
+              <a:buNone/>
+            </a:pPr>
             <a:r>
               <a:rPr lang="en-US" dirty="0" smtClean="0"/>
               <a:t>a) incremental development approach</a:t>
             </a:r>
           </a:p>
           <a:p>
+            <a:pPr>
+              <a:buNone/>
+            </a:pPr>
+            <a:r>
+              <a:rPr lang="en-US" dirty="0" smtClean="0"/>
+              <a:t>b) iterative development approach</a:t>
+            </a:r>
+          </a:p>
+          <a:p>
+            <a:pPr>
+              <a:buNone/>
+            </a:pPr>
+            <a:r>
+              <a:rPr lang="en-US" dirty="0" smtClean="0"/>
+              <a:t>c) static development approach</a:t>
+            </a:r>
+          </a:p>
+          <a:p>
+            <a:pPr>
+              <a:buNone/>
+            </a:pPr>
+            <a:r>
+              <a:rPr lang="en-US" dirty="0" smtClean="0"/>
+              <a:t>d) behavioral development approach</a:t>
+            </a:r>
             <a:endParaRPr lang="en-US" dirty="0"/>
           </a:p>
         </p:txBody>
@@ -5549,7 +5738,80 @@
 </p:sld>
 </file>
 
-<file path=ppt/slides/slide24.xml><?xml version="1.0" encoding="utf-8"?>
+<file path=ppt/slides/slide25.xml><?xml version="1.0" encoding="utf-8"?>
+<p:sld xmlns:a="http://schemas.openxmlformats.org/drawingml/2006/main" xmlns:r="http://schemas.openxmlformats.org/officeDocument/2006/relationships" xmlns:p="http://schemas.openxmlformats.org/presentationml/2006/main">
+  <p:cSld>
+    <p:spTree>
+      <p:nvGrpSpPr>
+        <p:cNvPr id="1" name=""/>
+        <p:cNvGrpSpPr/>
+        <p:nvPr/>
+      </p:nvGrpSpPr>
+      <p:grpSpPr>
+        <a:xfrm>
+          <a:off x="0" y="0"/>
+          <a:ext cx="0" cy="0"/>
+          <a:chOff x="0" y="0"/>
+          <a:chExt cx="0" cy="0"/>
+        </a:xfrm>
+      </p:grpSpPr>
+      <p:sp>
+        <p:nvSpPr>
+          <p:cNvPr id="2" name="Title 1"/>
+          <p:cNvSpPr>
+            <a:spLocks noGrp="1"/>
+          </p:cNvSpPr>
+          <p:nvPr>
+            <p:ph type="title"/>
+          </p:nvPr>
+        </p:nvSpPr>
+        <p:spPr/>
+        <p:txBody>
+          <a:bodyPr/>
+          <a:lstStyle/>
+          <a:p>
+            <a:r>
+              <a:rPr lang="en-US" dirty="0" smtClean="0"/>
+              <a:t>Answer</a:t>
+            </a:r>
+            <a:endParaRPr lang="en-US" dirty="0"/>
+          </a:p>
+        </p:txBody>
+      </p:sp>
+      <p:sp>
+        <p:nvSpPr>
+          <p:cNvPr id="3" name="Content Placeholder 2"/>
+          <p:cNvSpPr>
+            <a:spLocks noGrp="1"/>
+          </p:cNvSpPr>
+          <p:nvPr>
+            <p:ph idx="1"/>
+          </p:nvPr>
+        </p:nvSpPr>
+        <p:spPr/>
+        <p:txBody>
+          <a:bodyPr/>
+          <a:lstStyle/>
+          <a:p>
+            <a:r>
+              <a:rPr lang="en-US" dirty="0" smtClean="0"/>
+              <a:t>a) incremental development approach</a:t>
+            </a:r>
+          </a:p>
+          <a:p>
+            <a:endParaRPr lang="en-US" dirty="0"/>
+          </a:p>
+        </p:txBody>
+      </p:sp>
+    </p:spTree>
+  </p:cSld>
+  <p:clrMapOvr>
+    <a:masterClrMapping/>
+  </p:clrMapOvr>
+</p:sld>
+</file>
+
+<file path=ppt/slides/slide26.xml><?xml version="1.0" encoding="utf-8"?>
 <p:sld xmlns:a="http://schemas.openxmlformats.org/drawingml/2006/main" xmlns:r="http://schemas.openxmlformats.org/officeDocument/2006/relationships" xmlns:p="http://schemas.openxmlformats.org/presentationml/2006/main">
   <p:cSld>
     <p:spTree>
@@ -5679,7 +5941,7 @@
 </p:sld>
 </file>
 
-<file path=ppt/slides/slide25.xml><?xml version="1.0" encoding="utf-8"?>
+<file path=ppt/slides/slide27.xml><?xml version="1.0" encoding="utf-8"?>
 <p:sld xmlns:a="http://schemas.openxmlformats.org/drawingml/2006/main" xmlns:r="http://schemas.openxmlformats.org/officeDocument/2006/relationships" xmlns:p="http://schemas.openxmlformats.org/presentationml/2006/main">
   <p:cSld>
     <p:spTree>
@@ -5832,7 +6094,7 @@
 </p:sld>
 </file>
 
-<file path=ppt/slides/slide26.xml><?xml version="1.0" encoding="utf-8"?>
+<file path=ppt/slides/slide28.xml><?xml version="1.0" encoding="utf-8"?>
 <p:sld xmlns:a="http://schemas.openxmlformats.org/drawingml/2006/main" xmlns:r="http://schemas.openxmlformats.org/officeDocument/2006/relationships" xmlns:p="http://schemas.openxmlformats.org/presentationml/2006/main">
   <p:cSld>
     <p:spTree>
@@ -5975,402 +6237,6 @@
 </p:sld>
 </file>
 
-<file path=ppt/slides/slide27.xml><?xml version="1.0" encoding="utf-8"?>
-<p:sld xmlns:a="http://schemas.openxmlformats.org/drawingml/2006/main" xmlns:r="http://schemas.openxmlformats.org/officeDocument/2006/relationships" xmlns:p="http://schemas.openxmlformats.org/presentationml/2006/main">
-  <p:cSld>
-    <p:spTree>
-      <p:nvGrpSpPr>
-        <p:cNvPr id="1" name=""/>
-        <p:cNvGrpSpPr/>
-        <p:nvPr/>
-      </p:nvGrpSpPr>
-      <p:grpSpPr>
-        <a:xfrm>
-          <a:off x="0" y="0"/>
-          <a:ext cx="0" cy="0"/>
-          <a:chOff x="0" y="0"/>
-          <a:chExt cx="0" cy="0"/>
-        </a:xfrm>
-      </p:grpSpPr>
-      <p:sp>
-        <p:nvSpPr>
-          <p:cNvPr id="4" name="Content Placeholder 3"/>
-          <p:cNvSpPr>
-            <a:spLocks noGrp="1"/>
-          </p:cNvSpPr>
-          <p:nvPr>
-            <p:ph sz="half" idx="2"/>
-          </p:nvPr>
-        </p:nvSpPr>
-        <p:spPr>
-          <a:xfrm>
-            <a:off x="630238" y="609600"/>
-            <a:ext cx="3868737" cy="6172200"/>
-          </a:xfrm>
-        </p:spPr>
-        <p:txBody>
-          <a:bodyPr>
-            <a:normAutofit/>
-          </a:bodyPr>
-          <a:lstStyle/>
-          <a:p>
-            <a:r>
-              <a:rPr lang="en-US" sz="1600" dirty="0" smtClean="0"/>
-              <a:t>Project is small</a:t>
-            </a:r>
-          </a:p>
-          <a:p>
-            <a:r>
-              <a:rPr lang="en-US" sz="1600" dirty="0" smtClean="0"/>
-              <a:t>Experienced teams with a wide range of abilities take part</a:t>
-            </a:r>
-          </a:p>
-          <a:p>
-            <a:r>
-              <a:rPr lang="en-US" sz="1600" dirty="0" smtClean="0"/>
-              <a:t>Teams are self-starters, independent leaders and others who are self-directing</a:t>
-            </a:r>
-          </a:p>
-          <a:p>
-            <a:r>
-              <a:rPr lang="en-US" sz="1600" dirty="0" smtClean="0"/>
-              <a:t>Project is an in-house project and the team co-located</a:t>
-            </a:r>
-          </a:p>
-          <a:p>
-            <a:r>
-              <a:rPr lang="en-US" sz="1600" dirty="0" smtClean="0"/>
-              <a:t>System is new with lots of unknowns</a:t>
-            </a:r>
-          </a:p>
-          <a:p>
-            <a:r>
-              <a:rPr lang="en-US" sz="1600" dirty="0" smtClean="0"/>
-              <a:t>Requirements must be discovered</a:t>
-            </a:r>
-          </a:p>
-          <a:p>
-            <a:r>
-              <a:rPr lang="en-US" sz="1600" dirty="0" smtClean="0"/>
-              <a:t>Requirements and environment are volatile with high change rates</a:t>
-            </a:r>
-          </a:p>
-          <a:p>
-            <a:r>
-              <a:rPr lang="en-US" sz="1600" dirty="0" smtClean="0"/>
-              <a:t>End-user environment is flexible</a:t>
-            </a:r>
-          </a:p>
-          <a:p>
-            <a:r>
-              <a:rPr lang="en-US" sz="1600" dirty="0" smtClean="0"/>
-              <a:t>Relationship with customer is close and collaborative</a:t>
-            </a:r>
-          </a:p>
-          <a:p>
-            <a:r>
-              <a:rPr lang="en-US" sz="1600" dirty="0" smtClean="0"/>
-              <a:t>Customer is readily available dedicated and co-located</a:t>
-            </a:r>
-          </a:p>
-          <a:p>
-            <a:r>
-              <a:rPr lang="en-US" sz="1600" dirty="0" smtClean="0"/>
-              <a:t>High trust environment exists within the development teams and customer</a:t>
-            </a:r>
-          </a:p>
-          <a:p>
-            <a:r>
-              <a:rPr lang="en-US" sz="1600" dirty="0" smtClean="0"/>
-              <a:t>Rapid value and high-responsiveness are required</a:t>
-            </a:r>
-            <a:endParaRPr lang="en-US" sz="1600" dirty="0"/>
-          </a:p>
-        </p:txBody>
-      </p:sp>
-      <p:sp>
-        <p:nvSpPr>
-          <p:cNvPr id="6" name="Content Placeholder 5"/>
-          <p:cNvSpPr>
-            <a:spLocks noGrp="1"/>
-          </p:cNvSpPr>
-          <p:nvPr>
-            <p:ph sz="quarter" idx="4"/>
-          </p:nvPr>
-        </p:nvSpPr>
-        <p:spPr>
-          <a:xfrm>
-            <a:off x="4629150" y="609600"/>
-            <a:ext cx="3887788" cy="6172200"/>
-          </a:xfrm>
-        </p:spPr>
-        <p:txBody>
-          <a:bodyPr>
-            <a:normAutofit/>
-          </a:bodyPr>
-          <a:lstStyle/>
-          <a:p>
-            <a:r>
-              <a:rPr lang="en-US" sz="1600" dirty="0" smtClean="0"/>
-              <a:t>Project is large</a:t>
-            </a:r>
-          </a:p>
-          <a:p>
-            <a:r>
-              <a:rPr lang="en-US" sz="1600" dirty="0" smtClean="0"/>
-              <a:t>Teams include varied capabilities and skill sets</a:t>
-            </a:r>
-          </a:p>
-          <a:p>
-            <a:r>
-              <a:rPr lang="en-US" sz="1600" dirty="0" smtClean="0"/>
-              <a:t>Teams are geographically distributed and/or outsourced</a:t>
-            </a:r>
-          </a:p>
-          <a:p>
-            <a:r>
-              <a:rPr lang="en-US" sz="1600" dirty="0" smtClean="0"/>
-              <a:t>Project is of strategic importance</a:t>
-            </a:r>
-          </a:p>
-          <a:p>
-            <a:r>
-              <a:rPr lang="en-US" sz="1600" dirty="0" smtClean="0"/>
-              <a:t>System is well understood (scope and features set)</a:t>
-            </a:r>
-          </a:p>
-          <a:p>
-            <a:r>
-              <a:rPr lang="en-US" sz="1600" dirty="0" smtClean="0"/>
-              <a:t>Requirements are fairly stable</a:t>
-            </a:r>
-          </a:p>
-          <a:p>
-            <a:r>
-              <a:rPr lang="en-US" sz="1600" dirty="0" smtClean="0"/>
-              <a:t>System is large and complex (critical safety/high reliability requirements)</a:t>
-            </a:r>
-          </a:p>
-          <a:p>
-            <a:r>
-              <a:rPr lang="en-US" sz="1600" dirty="0" smtClean="0"/>
-              <a:t>Project stakeholders have a weak relationship with the development team</a:t>
-            </a:r>
-          </a:p>
-          <a:p>
-            <a:r>
-              <a:rPr lang="en-US" sz="1600" dirty="0" smtClean="0"/>
-              <a:t>External legal concerns</a:t>
-            </a:r>
-          </a:p>
-          <a:p>
-            <a:r>
-              <a:rPr lang="en-US" sz="1600" dirty="0" smtClean="0"/>
-              <a:t>Focus is on a strong, quantitative process improvement</a:t>
-            </a:r>
-          </a:p>
-          <a:p>
-            <a:r>
-              <a:rPr lang="en-US" sz="1600" dirty="0" smtClean="0"/>
-              <a:t>Definition and management of process are important</a:t>
-            </a:r>
-          </a:p>
-          <a:p>
-            <a:r>
-              <a:rPr lang="en-US" sz="1600" dirty="0" smtClean="0"/>
-              <a:t>Predictability and stability of process are important</a:t>
-            </a:r>
-            <a:endParaRPr lang="en-US" sz="1600" dirty="0"/>
-          </a:p>
-        </p:txBody>
-      </p:sp>
-      <p:sp>
-        <p:nvSpPr>
-          <p:cNvPr id="7" name="TextBox 6"/>
-          <p:cNvSpPr txBox="1"/>
-          <p:nvPr/>
-        </p:nvSpPr>
-        <p:spPr>
-          <a:xfrm>
-            <a:off x="1828800" y="76200"/>
-            <a:ext cx="5141151" cy="461665"/>
-          </a:xfrm>
-          <a:prstGeom prst="rect">
-            <a:avLst/>
-          </a:prstGeom>
-          <a:noFill/>
-        </p:spPr>
-        <p:txBody>
-          <a:bodyPr wrap="none" rtlCol="0">
-            <a:spAutoFit/>
-          </a:bodyPr>
-          <a:lstStyle/>
-          <a:p>
-            <a:r>
-              <a:rPr lang="en-US" dirty="0" smtClean="0">
-                <a:solidFill>
-                  <a:schemeClr val="bg2"/>
-                </a:solidFill>
-              </a:rPr>
-              <a:t>Agile                                    Plan-Driven</a:t>
-            </a:r>
-            <a:endParaRPr lang="en-US" dirty="0">
-              <a:solidFill>
-                <a:schemeClr val="bg2"/>
-              </a:solidFill>
-            </a:endParaRPr>
-          </a:p>
-        </p:txBody>
-      </p:sp>
-      <p:sp>
-        <p:nvSpPr>
-          <p:cNvPr id="2" name="TextBox 1"/>
-          <p:cNvSpPr txBox="1"/>
-          <p:nvPr/>
-        </p:nvSpPr>
-        <p:spPr>
-          <a:xfrm>
-            <a:off x="3429000" y="0"/>
-            <a:ext cx="1361270" cy="523220"/>
-          </a:xfrm>
-          <a:prstGeom prst="rect">
-            <a:avLst/>
-          </a:prstGeom>
-          <a:noFill/>
-        </p:spPr>
-        <p:txBody>
-          <a:bodyPr wrap="none" rtlCol="0">
-            <a:spAutoFit/>
-          </a:bodyPr>
-          <a:lstStyle/>
-          <a:p>
-            <a:r>
-              <a:rPr lang="en-GB" sz="2800" b="1" dirty="0" smtClean="0">
-                <a:solidFill>
-                  <a:srgbClr val="FF0000"/>
-                </a:solidFill>
-              </a:rPr>
-              <a:t>Answer</a:t>
-            </a:r>
-            <a:endParaRPr lang="en-GB" b="1" dirty="0">
-              <a:solidFill>
-                <a:srgbClr val="FF0000"/>
-              </a:solidFill>
-            </a:endParaRPr>
-          </a:p>
-        </p:txBody>
-      </p:sp>
-    </p:spTree>
-    <p:extLst>
-      <p:ext uri="{BB962C8B-B14F-4D97-AF65-F5344CB8AC3E}">
-        <p14:creationId xmlns:p14="http://schemas.microsoft.com/office/powerpoint/2010/main" val="1315319606"/>
-      </p:ext>
-    </p:extLst>
-  </p:cSld>
-  <p:clrMapOvr>
-    <a:masterClrMapping/>
-  </p:clrMapOvr>
-  <p:timing>
-    <p:tnLst>
-      <p:par>
-        <p:cTn id="1" dur="indefinite" restart="never" nodeType="tmRoot"/>
-      </p:par>
-    </p:tnLst>
-  </p:timing>
-</p:sld>
-</file>
-
-<file path=ppt/slides/slide28.xml><?xml version="1.0" encoding="utf-8"?>
-<p:sld xmlns:a="http://schemas.openxmlformats.org/drawingml/2006/main" xmlns:r="http://schemas.openxmlformats.org/officeDocument/2006/relationships" xmlns:p="http://schemas.openxmlformats.org/presentationml/2006/main">
-  <p:cSld>
-    <p:spTree>
-      <p:nvGrpSpPr>
-        <p:cNvPr id="1" name=""/>
-        <p:cNvGrpSpPr/>
-        <p:nvPr/>
-      </p:nvGrpSpPr>
-      <p:grpSpPr>
-        <a:xfrm>
-          <a:off x="0" y="0"/>
-          <a:ext cx="0" cy="0"/>
-          <a:chOff x="0" y="0"/>
-          <a:chExt cx="0" cy="0"/>
-        </a:xfrm>
-      </p:grpSpPr>
-      <p:sp>
-        <p:nvSpPr>
-          <p:cNvPr id="11266" name="Title 1"/>
-          <p:cNvSpPr>
-            <a:spLocks noGrp="1"/>
-          </p:cNvSpPr>
-          <p:nvPr>
-            <p:ph type="title"/>
-          </p:nvPr>
-        </p:nvSpPr>
-        <p:spPr/>
-        <p:txBody>
-          <a:bodyPr/>
-          <a:lstStyle/>
-          <a:p>
-            <a:r>
-              <a:rPr lang="en-GB" altLang="en-US" smtClean="0"/>
-              <a:t>Summary</a:t>
-            </a:r>
-          </a:p>
-        </p:txBody>
-      </p:sp>
-      <p:sp>
-        <p:nvSpPr>
-          <p:cNvPr id="11267" name="Content Placeholder 2"/>
-          <p:cNvSpPr>
-            <a:spLocks noGrp="1"/>
-          </p:cNvSpPr>
-          <p:nvPr>
-            <p:ph idx="1"/>
-          </p:nvPr>
-        </p:nvSpPr>
-        <p:spPr/>
-        <p:txBody>
-          <a:bodyPr/>
-          <a:lstStyle/>
-          <a:p>
-            <a:r>
-              <a:rPr lang="en-GB" altLang="en-US" dirty="0" smtClean="0"/>
-              <a:t>Case Study</a:t>
-            </a:r>
-          </a:p>
-          <a:p>
-            <a:r>
-              <a:rPr lang="en-GB" altLang="en-US" dirty="0" smtClean="0"/>
-              <a:t>Example Problems/Solutions</a:t>
-            </a:r>
-          </a:p>
-          <a:p>
-            <a:r>
-              <a:rPr lang="en-GB" altLang="en-US" dirty="0" smtClean="0"/>
-              <a:t>Review Questions</a:t>
-            </a:r>
-          </a:p>
-          <a:p>
-            <a:endParaRPr lang="en-GB" altLang="en-US" dirty="0" smtClean="0"/>
-          </a:p>
-        </p:txBody>
-      </p:sp>
-    </p:spTree>
-  </p:cSld>
-  <p:clrMapOvr>
-    <a:masterClrMapping/>
-  </p:clrMapOvr>
-  <p:timing>
-    <p:tnLst>
-      <p:par>
-        <p:cTn id="1" dur="indefinite" restart="never" nodeType="tmRoot"/>
-      </p:par>
-    </p:tnLst>
-  </p:timing>
-</p:sld>
-</file>
-
 <file path=ppt/slides/slide29.xml><?xml version="1.0" encoding="utf-8"?>
 <p:sld xmlns:a="http://schemas.openxmlformats.org/drawingml/2006/main" xmlns:r="http://schemas.openxmlformats.org/officeDocument/2006/relationships" xmlns:p="http://schemas.openxmlformats.org/presentationml/2006/main">
   <p:cSld>
@@ -6390,73 +6256,278 @@
       </p:grpSpPr>
       <p:sp>
         <p:nvSpPr>
-          <p:cNvPr id="12290" name="Title 1"/>
-          <p:cNvSpPr>
-            <a:spLocks noGrp="1"/>
-          </p:cNvSpPr>
-          <p:nvPr>
-            <p:ph type="title"/>
-          </p:nvPr>
-        </p:nvSpPr>
-        <p:spPr/>
-        <p:txBody>
-          <a:bodyPr/>
+          <p:cNvPr id="4" name="Content Placeholder 3"/>
+          <p:cNvSpPr>
+            <a:spLocks noGrp="1"/>
+          </p:cNvSpPr>
+          <p:nvPr>
+            <p:ph sz="half" idx="2"/>
+          </p:nvPr>
+        </p:nvSpPr>
+        <p:spPr>
+          <a:xfrm>
+            <a:off x="630238" y="609600"/>
+            <a:ext cx="3868737" cy="6172200"/>
+          </a:xfrm>
+        </p:spPr>
+        <p:txBody>
+          <a:bodyPr>
+            <a:normAutofit/>
+          </a:bodyPr>
           <a:lstStyle/>
           <a:p>
             <a:r>
-              <a:rPr lang="en-GB" altLang="en-US" smtClean="0"/>
-              <a:t>This Week</a:t>
-            </a:r>
-          </a:p>
-        </p:txBody>
-      </p:sp>
-      <p:sp>
-        <p:nvSpPr>
-          <p:cNvPr id="12291" name="Content Placeholder 2"/>
-          <p:cNvSpPr>
-            <a:spLocks noGrp="1"/>
-          </p:cNvSpPr>
-          <p:nvPr>
-            <p:ph idx="1"/>
-          </p:nvPr>
-        </p:nvSpPr>
-        <p:spPr/>
-        <p:txBody>
-          <a:bodyPr/>
+              <a:rPr lang="en-US" sz="1600" dirty="0" smtClean="0"/>
+              <a:t>Project is small</a:t>
+            </a:r>
+          </a:p>
+          <a:p>
+            <a:r>
+              <a:rPr lang="en-US" sz="1600" dirty="0" smtClean="0"/>
+              <a:t>Experienced teams with a wide range of abilities take part</a:t>
+            </a:r>
+          </a:p>
+          <a:p>
+            <a:r>
+              <a:rPr lang="en-US" sz="1600" dirty="0" smtClean="0"/>
+              <a:t>Teams are self-starters, independent leaders and others who are self-directing</a:t>
+            </a:r>
+          </a:p>
+          <a:p>
+            <a:r>
+              <a:rPr lang="en-US" sz="1600" dirty="0" smtClean="0"/>
+              <a:t>Project is an in-house project and the team co-located</a:t>
+            </a:r>
+          </a:p>
+          <a:p>
+            <a:r>
+              <a:rPr lang="en-US" sz="1600" dirty="0" smtClean="0"/>
+              <a:t>System is new with lots of unknowns</a:t>
+            </a:r>
+          </a:p>
+          <a:p>
+            <a:r>
+              <a:rPr lang="en-US" sz="1600" dirty="0" smtClean="0"/>
+              <a:t>Requirements must be discovered</a:t>
+            </a:r>
+          </a:p>
+          <a:p>
+            <a:r>
+              <a:rPr lang="en-US" sz="1600" dirty="0" smtClean="0"/>
+              <a:t>Requirements and environment are volatile with high change rates</a:t>
+            </a:r>
+          </a:p>
+          <a:p>
+            <a:r>
+              <a:rPr lang="en-US" sz="1600" dirty="0" smtClean="0"/>
+              <a:t>End-user environment is flexible</a:t>
+            </a:r>
+          </a:p>
+          <a:p>
+            <a:r>
+              <a:rPr lang="en-US" sz="1600" dirty="0" smtClean="0"/>
+              <a:t>Relationship with customer is close and collaborative</a:t>
+            </a:r>
+          </a:p>
+          <a:p>
+            <a:r>
+              <a:rPr lang="en-US" sz="1600" dirty="0" smtClean="0"/>
+              <a:t>Customer is readily available dedicated and co-located</a:t>
+            </a:r>
+          </a:p>
+          <a:p>
+            <a:r>
+              <a:rPr lang="en-US" sz="1600" dirty="0" smtClean="0"/>
+              <a:t>High trust environment exists within the development teams and customer</a:t>
+            </a:r>
+          </a:p>
+          <a:p>
+            <a:r>
+              <a:rPr lang="en-US" sz="1600" dirty="0" smtClean="0"/>
+              <a:t>Rapid value and high-responsiveness are required</a:t>
+            </a:r>
+            <a:endParaRPr lang="en-US" sz="1600" dirty="0"/>
+          </a:p>
+        </p:txBody>
+      </p:sp>
+      <p:sp>
+        <p:nvSpPr>
+          <p:cNvPr id="6" name="Content Placeholder 5"/>
+          <p:cNvSpPr>
+            <a:spLocks noGrp="1"/>
+          </p:cNvSpPr>
+          <p:nvPr>
+            <p:ph sz="quarter" idx="4"/>
+          </p:nvPr>
+        </p:nvSpPr>
+        <p:spPr>
+          <a:xfrm>
+            <a:off x="4629150" y="609600"/>
+            <a:ext cx="3887788" cy="6172200"/>
+          </a:xfrm>
+        </p:spPr>
+        <p:txBody>
+          <a:bodyPr>
+            <a:normAutofit/>
+          </a:bodyPr>
           <a:lstStyle/>
           <a:p>
             <a:r>
-              <a:rPr lang="en-GB" altLang="en-US" dirty="0" smtClean="0"/>
-              <a:t>Review Slides</a:t>
-            </a:r>
-          </a:p>
-          <a:p>
-            <a:r>
-              <a:rPr lang="en-GB" altLang="en-US" dirty="0" smtClean="0"/>
-              <a:t>Coursework</a:t>
-            </a:r>
-          </a:p>
-          <a:p>
-            <a:r>
-              <a:rPr lang="en-GB" altLang="en-US" dirty="0" smtClean="0"/>
-              <a:t>Reviewing Quiz Questions</a:t>
-            </a:r>
-          </a:p>
-          <a:p>
-            <a:r>
-              <a:rPr lang="en-GB" altLang="en-US" dirty="0" smtClean="0"/>
-              <a:t>Reviewing Associated Chapter</a:t>
-            </a:r>
-          </a:p>
-          <a:p>
-            <a:pPr>
-              <a:buNone/>
-            </a:pPr>
-            <a:endParaRPr lang="en-GB" altLang="en-US" dirty="0" smtClean="0"/>
+              <a:rPr lang="en-US" sz="1600" dirty="0" smtClean="0"/>
+              <a:t>Project is large</a:t>
+            </a:r>
+          </a:p>
+          <a:p>
+            <a:r>
+              <a:rPr lang="en-US" sz="1600" dirty="0" smtClean="0"/>
+              <a:t>Teams include varied capabilities and skill sets</a:t>
+            </a:r>
+          </a:p>
+          <a:p>
+            <a:r>
+              <a:rPr lang="en-US" sz="1600" dirty="0" smtClean="0"/>
+              <a:t>Teams are geographically distributed and/or outsourced</a:t>
+            </a:r>
+          </a:p>
+          <a:p>
+            <a:r>
+              <a:rPr lang="en-US" sz="1600" dirty="0" smtClean="0"/>
+              <a:t>Project is of strategic importance</a:t>
+            </a:r>
+          </a:p>
+          <a:p>
+            <a:r>
+              <a:rPr lang="en-US" sz="1600" dirty="0" smtClean="0"/>
+              <a:t>System is well understood (scope and features set)</a:t>
+            </a:r>
+          </a:p>
+          <a:p>
+            <a:r>
+              <a:rPr lang="en-US" sz="1600" dirty="0" smtClean="0"/>
+              <a:t>Requirements are fairly stable</a:t>
+            </a:r>
+          </a:p>
+          <a:p>
+            <a:r>
+              <a:rPr lang="en-US" sz="1600" dirty="0" smtClean="0"/>
+              <a:t>System is large and complex (critical safety/high reliability requirements)</a:t>
+            </a:r>
+          </a:p>
+          <a:p>
+            <a:r>
+              <a:rPr lang="en-US" sz="1600" dirty="0" smtClean="0"/>
+              <a:t>Project stakeholders have a weak relationship with the development team</a:t>
+            </a:r>
+          </a:p>
+          <a:p>
+            <a:r>
+              <a:rPr lang="en-US" sz="1600" dirty="0" smtClean="0"/>
+              <a:t>External legal concerns</a:t>
+            </a:r>
+          </a:p>
+          <a:p>
+            <a:r>
+              <a:rPr lang="en-US" sz="1600" dirty="0" smtClean="0"/>
+              <a:t>Focus is on a strong, quantitative process improvement</a:t>
+            </a:r>
+          </a:p>
+          <a:p>
+            <a:r>
+              <a:rPr lang="en-US" sz="1600" dirty="0" smtClean="0"/>
+              <a:t>Definition and management of process are important</a:t>
+            </a:r>
+          </a:p>
+          <a:p>
+            <a:r>
+              <a:rPr lang="en-US" sz="1600" dirty="0" smtClean="0"/>
+              <a:t>Predictability and stability of process are important</a:t>
+            </a:r>
+            <a:endParaRPr lang="en-US" sz="1600" dirty="0"/>
+          </a:p>
+        </p:txBody>
+      </p:sp>
+      <p:sp>
+        <p:nvSpPr>
+          <p:cNvPr id="7" name="TextBox 6"/>
+          <p:cNvSpPr txBox="1"/>
+          <p:nvPr/>
+        </p:nvSpPr>
+        <p:spPr>
+          <a:xfrm>
+            <a:off x="1828800" y="76200"/>
+            <a:ext cx="5141151" cy="461665"/>
+          </a:xfrm>
+          <a:prstGeom prst="rect">
+            <a:avLst/>
+          </a:prstGeom>
+          <a:noFill/>
+        </p:spPr>
+        <p:txBody>
+          <a:bodyPr wrap="none" rtlCol="0">
+            <a:spAutoFit/>
+          </a:bodyPr>
+          <a:lstStyle/>
+          <a:p>
+            <a:r>
+              <a:rPr lang="en-US" dirty="0" smtClean="0">
+                <a:solidFill>
+                  <a:schemeClr val="bg2"/>
+                </a:solidFill>
+              </a:rPr>
+              <a:t>Agile                                    Plan-Driven</a:t>
+            </a:r>
+            <a:endParaRPr lang="en-US" dirty="0">
+              <a:solidFill>
+                <a:schemeClr val="bg2"/>
+              </a:solidFill>
+            </a:endParaRPr>
+          </a:p>
+        </p:txBody>
+      </p:sp>
+      <p:sp>
+        <p:nvSpPr>
+          <p:cNvPr id="2" name="TextBox 1"/>
+          <p:cNvSpPr txBox="1"/>
+          <p:nvPr/>
+        </p:nvSpPr>
+        <p:spPr>
+          <a:xfrm>
+            <a:off x="3429000" y="0"/>
+            <a:ext cx="1361270" cy="523220"/>
+          </a:xfrm>
+          <a:prstGeom prst="rect">
+            <a:avLst/>
+          </a:prstGeom>
+          <a:noFill/>
+        </p:spPr>
+        <p:txBody>
+          <a:bodyPr wrap="none" rtlCol="0">
+            <a:spAutoFit/>
+          </a:bodyPr>
+          <a:lstStyle/>
+          <a:p>
+            <a:r>
+              <a:rPr lang="en-GB" sz="2800" b="1" dirty="0" smtClean="0">
+                <a:solidFill>
+                  <a:srgbClr val="FF0000"/>
+                </a:solidFill>
+              </a:rPr>
+              <a:t>Answer</a:t>
+            </a:r>
+            <a:endParaRPr lang="en-GB" b="1" dirty="0">
+              <a:solidFill>
+                <a:srgbClr val="FF0000"/>
+              </a:solidFill>
+            </a:endParaRPr>
           </a:p>
         </p:txBody>
       </p:sp>
     </p:spTree>
+    <p:extLst>
+      <p:ext uri="{BB962C8B-B14F-4D97-AF65-F5344CB8AC3E}">
+        <p14:creationId xmlns:p14="http://schemas.microsoft.com/office/powerpoint/2010/main" val="1315319606"/>
+      </p:ext>
+    </p:extLst>
   </p:cSld>
   <p:clrMapOvr>
     <a:masterClrMapping/>
@@ -6542,25 +6613,22 @@
           </a:p>
           <a:p>
             <a:r>
-              <a:rPr lang="en-US" dirty="0" smtClean="0"/>
-              <a:t>Exam 28</a:t>
-            </a:r>
-            <a:r>
-              <a:rPr lang="en-US" baseline="30000" dirty="0" smtClean="0"/>
-              <a:t>th</a:t>
-            </a:r>
-            <a:r>
-              <a:rPr lang="en-US" dirty="0" smtClean="0"/>
-              <a:t>Dec - 4</a:t>
-            </a:r>
-            <a:r>
-              <a:rPr lang="en-US" baseline="30000" dirty="0" smtClean="0"/>
-              <a:t>th</a:t>
-            </a:r>
-            <a:r>
-              <a:rPr lang="en-US" dirty="0" smtClean="0"/>
-              <a:t>/Jan</a:t>
-            </a:r>
+              <a:rPr lang="en-US" smtClean="0"/>
+              <a:t>Exam </a:t>
+            </a:r>
+            <a:r>
+              <a:rPr lang="en-US" smtClean="0"/>
+              <a:t>3</a:t>
+            </a:r>
+            <a:r>
+              <a:rPr lang="en-US" baseline="30000" smtClean="0"/>
+              <a:t>rd</a:t>
+            </a:r>
+            <a:r>
+              <a:rPr lang="en-US" smtClean="0"/>
+              <a:t> Jan 2017</a:t>
+            </a:r>
+            <a:endParaRPr lang="en-US" dirty="0" smtClean="0"/>
           </a:p>
           <a:p>
             <a:pPr lvl="1"/>
@@ -6588,6 +6656,214 @@
 </file>
 
 <file path=ppt/slides/slide30.xml><?xml version="1.0" encoding="utf-8"?>
+<p:sld xmlns:a="http://schemas.openxmlformats.org/drawingml/2006/main" xmlns:r="http://schemas.openxmlformats.org/officeDocument/2006/relationships" xmlns:p="http://schemas.openxmlformats.org/presentationml/2006/main">
+  <p:cSld>
+    <p:spTree>
+      <p:nvGrpSpPr>
+        <p:cNvPr id="1" name=""/>
+        <p:cNvGrpSpPr/>
+        <p:nvPr/>
+      </p:nvGrpSpPr>
+      <p:grpSpPr>
+        <a:xfrm>
+          <a:off x="0" y="0"/>
+          <a:ext cx="0" cy="0"/>
+          <a:chOff x="0" y="0"/>
+          <a:chExt cx="0" cy="0"/>
+        </a:xfrm>
+      </p:grpSpPr>
+      <p:sp>
+        <p:nvSpPr>
+          <p:cNvPr id="11266" name="Title 1"/>
+          <p:cNvSpPr>
+            <a:spLocks noGrp="1"/>
+          </p:cNvSpPr>
+          <p:nvPr>
+            <p:ph type="title"/>
+          </p:nvPr>
+        </p:nvSpPr>
+        <p:spPr/>
+        <p:txBody>
+          <a:bodyPr/>
+          <a:lstStyle/>
+          <a:p>
+            <a:r>
+              <a:rPr lang="en-GB" altLang="en-US" smtClean="0"/>
+              <a:t>Summary</a:t>
+            </a:r>
+          </a:p>
+        </p:txBody>
+      </p:sp>
+      <p:sp>
+        <p:nvSpPr>
+          <p:cNvPr id="11267" name="Content Placeholder 2"/>
+          <p:cNvSpPr>
+            <a:spLocks noGrp="1"/>
+          </p:cNvSpPr>
+          <p:nvPr>
+            <p:ph idx="1"/>
+          </p:nvPr>
+        </p:nvSpPr>
+        <p:spPr/>
+        <p:txBody>
+          <a:bodyPr/>
+          <a:lstStyle/>
+          <a:p>
+            <a:r>
+              <a:rPr lang="en-GB" altLang="en-US" dirty="0" smtClean="0"/>
+              <a:t>Case Study</a:t>
+            </a:r>
+          </a:p>
+          <a:p>
+            <a:r>
+              <a:rPr lang="en-GB" altLang="en-US" dirty="0" smtClean="0"/>
+              <a:t>Example </a:t>
+            </a:r>
+            <a:r>
+              <a:rPr lang="en-GB" altLang="en-US" dirty="0" smtClean="0"/>
+              <a:t>Problems/Solutions</a:t>
+            </a:r>
+          </a:p>
+          <a:p>
+            <a:r>
+              <a:rPr lang="en-GB" altLang="en-US" dirty="0" smtClean="0"/>
+              <a:t>Final Exam (January)</a:t>
+            </a:r>
+          </a:p>
+          <a:p>
+            <a:r>
+              <a:rPr lang="en-GB" altLang="en-US" dirty="0" smtClean="0"/>
+              <a:t>Group Project</a:t>
+            </a:r>
+            <a:endParaRPr lang="en-GB" altLang="en-US" dirty="0" smtClean="0"/>
+          </a:p>
+          <a:p>
+            <a:r>
+              <a:rPr lang="en-GB" altLang="en-US" dirty="0" smtClean="0"/>
+              <a:t>Review Questions</a:t>
+            </a:r>
+          </a:p>
+          <a:p>
+            <a:endParaRPr lang="en-GB" altLang="en-US" dirty="0" smtClean="0"/>
+          </a:p>
+        </p:txBody>
+      </p:sp>
+    </p:spTree>
+  </p:cSld>
+  <p:clrMapOvr>
+    <a:masterClrMapping/>
+  </p:clrMapOvr>
+  <p:timing>
+    <p:tnLst>
+      <p:par>
+        <p:cTn id="1" dur="indefinite" restart="never" nodeType="tmRoot"/>
+      </p:par>
+    </p:tnLst>
+  </p:timing>
+</p:sld>
+</file>
+
+<file path=ppt/slides/slide31.xml><?xml version="1.0" encoding="utf-8"?>
+<p:sld xmlns:a="http://schemas.openxmlformats.org/drawingml/2006/main" xmlns:r="http://schemas.openxmlformats.org/officeDocument/2006/relationships" xmlns:p="http://schemas.openxmlformats.org/presentationml/2006/main">
+  <p:cSld>
+    <p:spTree>
+      <p:nvGrpSpPr>
+        <p:cNvPr id="1" name=""/>
+        <p:cNvGrpSpPr/>
+        <p:nvPr/>
+      </p:nvGrpSpPr>
+      <p:grpSpPr>
+        <a:xfrm>
+          <a:off x="0" y="0"/>
+          <a:ext cx="0" cy="0"/>
+          <a:chOff x="0" y="0"/>
+          <a:chExt cx="0" cy="0"/>
+        </a:xfrm>
+      </p:grpSpPr>
+      <p:sp>
+        <p:nvSpPr>
+          <p:cNvPr id="12290" name="Title 1"/>
+          <p:cNvSpPr>
+            <a:spLocks noGrp="1"/>
+          </p:cNvSpPr>
+          <p:nvPr>
+            <p:ph type="title"/>
+          </p:nvPr>
+        </p:nvSpPr>
+        <p:spPr/>
+        <p:txBody>
+          <a:bodyPr/>
+          <a:lstStyle/>
+          <a:p>
+            <a:r>
+              <a:rPr lang="en-GB" altLang="en-US" smtClean="0"/>
+              <a:t>This Week</a:t>
+            </a:r>
+          </a:p>
+        </p:txBody>
+      </p:sp>
+      <p:sp>
+        <p:nvSpPr>
+          <p:cNvPr id="12291" name="Content Placeholder 2"/>
+          <p:cNvSpPr>
+            <a:spLocks noGrp="1"/>
+          </p:cNvSpPr>
+          <p:nvPr>
+            <p:ph idx="1"/>
+          </p:nvPr>
+        </p:nvSpPr>
+        <p:spPr/>
+        <p:txBody>
+          <a:bodyPr/>
+          <a:lstStyle/>
+          <a:p>
+            <a:r>
+              <a:rPr lang="en-GB" altLang="en-US" dirty="0" smtClean="0"/>
+              <a:t>Review Slides</a:t>
+            </a:r>
+          </a:p>
+          <a:p>
+            <a:r>
+              <a:rPr lang="en-GB" altLang="en-US" dirty="0" smtClean="0"/>
+              <a:t>Coursework</a:t>
+            </a:r>
+          </a:p>
+          <a:p>
+            <a:r>
+              <a:rPr lang="en-GB" altLang="en-US" dirty="0" smtClean="0"/>
+              <a:t>Reviewing Quiz Questions</a:t>
+            </a:r>
+          </a:p>
+          <a:p>
+            <a:r>
+              <a:rPr lang="en-GB" altLang="en-US" dirty="0" smtClean="0"/>
+              <a:t>Reviewing Associated Chapter</a:t>
+            </a:r>
+          </a:p>
+          <a:p>
+            <a:pPr>
+              <a:buNone/>
+            </a:pPr>
+            <a:endParaRPr lang="en-GB" altLang="en-US" dirty="0" smtClean="0"/>
+          </a:p>
+        </p:txBody>
+      </p:sp>
+    </p:spTree>
+  </p:cSld>
+  <p:clrMapOvr>
+    <a:masterClrMapping/>
+  </p:clrMapOvr>
+  <p:timing>
+    <p:tnLst>
+      <p:par>
+        <p:cTn id="1" dur="indefinite" restart="never" nodeType="tmRoot"/>
+      </p:par>
+    </p:tnLst>
+  </p:timing>
+</p:sld>
+</file>
+
+<file path=ppt/slides/slide32.xml><?xml version="1.0" encoding="utf-8"?>
 <p:sld xmlns:a="http://schemas.openxmlformats.org/drawingml/2006/main" xmlns:r="http://schemas.openxmlformats.org/officeDocument/2006/relationships" xmlns:p="http://schemas.openxmlformats.org/presentationml/2006/main">
   <p:cSld>
     <p:spTree>
@@ -6689,16 +6965,36 @@
             <p:ph type="title"/>
           </p:nvPr>
         </p:nvSpPr>
-        <p:spPr/>
+        <p:spPr>
+          <a:xfrm>
+            <a:off x="685800" y="609600"/>
+            <a:ext cx="7772400" cy="3505200"/>
+          </a:xfrm>
+        </p:spPr>
         <p:txBody>
           <a:bodyPr/>
           <a:lstStyle/>
           <a:p>
             <a:r>
+              <a:rPr lang="en-GB" sz="16600" dirty="0" smtClean="0"/>
+              <a:t>25</a:t>
+            </a:r>
+            <a:r>
+              <a:rPr lang="en-GB" sz="16600" baseline="30000" dirty="0" smtClean="0"/>
+              <a:t>th</a:t>
+            </a:r>
+            <a:r>
+              <a:rPr lang="en-GB" sz="16600" dirty="0" smtClean="0"/>
+              <a:t> </a:t>
+            </a:r>
+            <a:br>
+              <a:rPr lang="en-GB" sz="16600" dirty="0" smtClean="0"/>
+            </a:br>
+            <a:r>
               <a:rPr lang="en-GB" dirty="0" smtClean="0"/>
-              <a:t>Case Study Problem</a:t>
-            </a:r>
-            <a:endParaRPr lang="en-GB" dirty="0"/>
+              <a:t>December</a:t>
+            </a:r>
+            <a:endParaRPr lang="en-GB" sz="16600" dirty="0"/>
           </a:p>
         </p:txBody>
       </p:sp>
@@ -6712,7 +7008,12 @@
             <p:ph idx="1"/>
           </p:nvPr>
         </p:nvSpPr>
-        <p:spPr/>
+        <p:spPr>
+          <a:xfrm>
+            <a:off x="685800" y="4876800"/>
+            <a:ext cx="8001000" cy="1219200"/>
+          </a:xfrm>
+        </p:spPr>
         <p:txBody>
           <a:bodyPr/>
           <a:lstStyle/>
@@ -6722,16 +7023,29 @@
             </a:pPr>
             <a:r>
               <a:rPr lang="en-GB" dirty="0" smtClean="0"/>
-              <a:t>Design Library Management System</a:t>
-            </a:r>
-            <a:endParaRPr lang="en-GB" dirty="0"/>
+              <a:t>Last Day – </a:t>
+            </a:r>
+            <a:r>
+              <a:rPr lang="en-GB" dirty="0" smtClean="0"/>
+              <a:t>Quizzes</a:t>
+            </a:r>
+            <a:endParaRPr lang="en-GB" dirty="0" smtClean="0"/>
+          </a:p>
+          <a:p>
+            <a:pPr marL="0" indent="0">
+              <a:buNone/>
+            </a:pPr>
+            <a:r>
+              <a:rPr lang="en-GB" dirty="0" smtClean="0"/>
+              <a:t>Grade Taken</a:t>
+            </a:r>
           </a:p>
         </p:txBody>
       </p:sp>
     </p:spTree>
     <p:extLst>
       <p:ext uri="{BB962C8B-B14F-4D97-AF65-F5344CB8AC3E}">
-        <p14:creationId xmlns:p14="http://schemas.microsoft.com/office/powerpoint/2010/main" val="771824615"/>
+        <p14:creationId xmlns:p14="http://schemas.microsoft.com/office/powerpoint/2010/main" val="1875106507"/>
       </p:ext>
     </p:extLst>
   </p:cSld>
@@ -6768,9 +7082,231 @@
             <p:ph type="title"/>
           </p:nvPr>
         </p:nvSpPr>
+        <p:spPr/>
+        <p:txBody>
+          <a:bodyPr/>
+          <a:lstStyle/>
+          <a:p>
+            <a:r>
+              <a:rPr lang="en-GB" dirty="0" smtClean="0"/>
+              <a:t>Group Project</a:t>
+            </a:r>
+            <a:endParaRPr lang="en-GB" dirty="0"/>
+          </a:p>
+        </p:txBody>
+      </p:sp>
+      <p:sp>
+        <p:nvSpPr>
+          <p:cNvPr id="3" name="Content Placeholder 2"/>
+          <p:cNvSpPr>
+            <a:spLocks noGrp="1"/>
+          </p:cNvSpPr>
+          <p:nvPr>
+            <p:ph idx="1"/>
+          </p:nvPr>
+        </p:nvSpPr>
+        <p:spPr/>
+        <p:txBody>
+          <a:bodyPr>
+            <a:normAutofit fontScale="92500" lnSpcReduction="10000"/>
+          </a:bodyPr>
+          <a:lstStyle/>
+          <a:p>
+            <a:r>
+              <a:rPr lang="en-GB" dirty="0" smtClean="0"/>
+              <a:t>Report</a:t>
+            </a:r>
+          </a:p>
+          <a:p>
+            <a:r>
+              <a:rPr lang="en-GB" dirty="0" smtClean="0"/>
+              <a:t>Submission Date 25</a:t>
+            </a:r>
+            <a:r>
+              <a:rPr lang="en-GB" baseline="30000" dirty="0" smtClean="0"/>
+              <a:t>th</a:t>
+            </a:r>
+            <a:r>
+              <a:rPr lang="en-GB" dirty="0" smtClean="0"/>
+              <a:t> December</a:t>
+            </a:r>
+          </a:p>
+          <a:p>
+            <a:r>
+              <a:rPr lang="en-GB" dirty="0" smtClean="0"/>
+              <a:t>Presentation/Demonstration </a:t>
+            </a:r>
+          </a:p>
+          <a:p>
+            <a:r>
+              <a:rPr lang="en-GB" dirty="0" smtClean="0"/>
+              <a:t>Marking Criteria/Deliverables</a:t>
+            </a:r>
+          </a:p>
+          <a:p>
+            <a:endParaRPr lang="en-GB" dirty="0"/>
+          </a:p>
+          <a:p>
+            <a:pPr marL="0" indent="0">
+              <a:buNone/>
+            </a:pPr>
+            <a:r>
+              <a:rPr lang="en-GB" dirty="0" smtClean="0"/>
+              <a:t>Submit single .zip</a:t>
+            </a:r>
+          </a:p>
+          <a:p>
+            <a:pPr marL="0" indent="0">
+              <a:buNone/>
+            </a:pPr>
+            <a:r>
+              <a:rPr lang="en-GB" dirty="0" smtClean="0"/>
+              <a:t>Student number, e.g., 20939302.zip</a:t>
+            </a:r>
+          </a:p>
+          <a:p>
+            <a:pPr marL="0" indent="0">
+              <a:buNone/>
+            </a:pPr>
+            <a:r>
+              <a:rPr lang="en-GB" dirty="0" smtClean="0"/>
+              <a:t>Report and any supporting material</a:t>
+            </a:r>
+            <a:endParaRPr lang="en-GB" dirty="0"/>
+          </a:p>
+        </p:txBody>
+      </p:sp>
+    </p:spTree>
+    <p:extLst>
+      <p:ext uri="{BB962C8B-B14F-4D97-AF65-F5344CB8AC3E}">
+        <p14:creationId xmlns:p14="http://schemas.microsoft.com/office/powerpoint/2010/main" val="2925421669"/>
+      </p:ext>
+    </p:extLst>
+  </p:cSld>
+  <p:clrMapOvr>
+    <a:masterClrMapping/>
+  </p:clrMapOvr>
+</p:sld>
+</file>
+
+<file path=ppt/slides/slide6.xml><?xml version="1.0" encoding="utf-8"?>
+<p:sld xmlns:a="http://schemas.openxmlformats.org/drawingml/2006/main" xmlns:r="http://schemas.openxmlformats.org/officeDocument/2006/relationships" xmlns:p="http://schemas.openxmlformats.org/presentationml/2006/main">
+  <p:cSld>
+    <p:spTree>
+      <p:nvGrpSpPr>
+        <p:cNvPr id="1" name=""/>
+        <p:cNvGrpSpPr/>
+        <p:nvPr/>
+      </p:nvGrpSpPr>
+      <p:grpSpPr>
+        <a:xfrm>
+          <a:off x="0" y="0"/>
+          <a:ext cx="0" cy="0"/>
+          <a:chOff x="0" y="0"/>
+          <a:chExt cx="0" cy="0"/>
+        </a:xfrm>
+      </p:grpSpPr>
+      <p:sp>
+        <p:nvSpPr>
+          <p:cNvPr id="2" name="Title 1"/>
+          <p:cNvSpPr>
+            <a:spLocks noGrp="1"/>
+          </p:cNvSpPr>
+          <p:nvPr>
+            <p:ph type="title"/>
+          </p:nvPr>
+        </p:nvSpPr>
         <p:spPr>
           <a:xfrm>
-            <a:off x="685800" y="76200"/>
+            <a:off x="457200" y="533400"/>
+            <a:ext cx="7772400" cy="1143000"/>
+          </a:xfrm>
+        </p:spPr>
+        <p:txBody>
+          <a:bodyPr/>
+          <a:lstStyle/>
+          <a:p>
+            <a:r>
+              <a:rPr lang="en-GB" dirty="0" smtClean="0"/>
+              <a:t>Case Study </a:t>
+            </a:r>
+            <a:r>
+              <a:rPr lang="en-GB" dirty="0" smtClean="0"/>
+              <a:t>Example</a:t>
+            </a:r>
+            <a:endParaRPr lang="en-GB" dirty="0"/>
+          </a:p>
+        </p:txBody>
+      </p:sp>
+      <p:sp>
+        <p:nvSpPr>
+          <p:cNvPr id="3" name="Content Placeholder 2"/>
+          <p:cNvSpPr>
+            <a:spLocks noGrp="1"/>
+          </p:cNvSpPr>
+          <p:nvPr>
+            <p:ph idx="1"/>
+          </p:nvPr>
+        </p:nvSpPr>
+        <p:spPr/>
+        <p:txBody>
+          <a:bodyPr/>
+          <a:lstStyle/>
+          <a:p>
+            <a:pPr marL="0" indent="0">
+              <a:buNone/>
+            </a:pPr>
+            <a:r>
+              <a:rPr lang="en-GB" dirty="0" smtClean="0"/>
+              <a:t>Design Library Management System</a:t>
+            </a:r>
+            <a:endParaRPr lang="en-GB" dirty="0"/>
+          </a:p>
+        </p:txBody>
+      </p:sp>
+    </p:spTree>
+    <p:extLst>
+      <p:ext uri="{BB962C8B-B14F-4D97-AF65-F5344CB8AC3E}">
+        <p14:creationId xmlns:p14="http://schemas.microsoft.com/office/powerpoint/2010/main" val="771824615"/>
+      </p:ext>
+    </p:extLst>
+  </p:cSld>
+  <p:clrMapOvr>
+    <a:masterClrMapping/>
+  </p:clrMapOvr>
+</p:sld>
+</file>
+
+<file path=ppt/slides/slide7.xml><?xml version="1.0" encoding="utf-8"?>
+<p:sld xmlns:a="http://schemas.openxmlformats.org/drawingml/2006/main" xmlns:r="http://schemas.openxmlformats.org/officeDocument/2006/relationships" xmlns:p="http://schemas.openxmlformats.org/presentationml/2006/main">
+  <p:cSld>
+    <p:spTree>
+      <p:nvGrpSpPr>
+        <p:cNvPr id="1" name=""/>
+        <p:cNvGrpSpPr/>
+        <p:nvPr/>
+      </p:nvGrpSpPr>
+      <p:grpSpPr>
+        <a:xfrm>
+          <a:off x="0" y="0"/>
+          <a:ext cx="0" cy="0"/>
+          <a:chOff x="0" y="0"/>
+          <a:chExt cx="0" cy="0"/>
+        </a:xfrm>
+      </p:grpSpPr>
+      <p:sp>
+        <p:nvSpPr>
+          <p:cNvPr id="2" name="Title 1"/>
+          <p:cNvSpPr>
+            <a:spLocks noGrp="1"/>
+          </p:cNvSpPr>
+          <p:nvPr>
+            <p:ph type="title"/>
+          </p:nvPr>
+        </p:nvSpPr>
+        <p:spPr>
+          <a:xfrm>
+            <a:off x="685800" y="304800"/>
             <a:ext cx="7772400" cy="1143000"/>
           </a:xfrm>
         </p:spPr>
@@ -6907,7 +7443,7 @@
 </p:sld>
 </file>
 
-<file path=ppt/slides/slide6.xml><?xml version="1.0" encoding="utf-8"?>
+<file path=ppt/slides/slide8.xml><?xml version="1.0" encoding="utf-8"?>
 <p:sld xmlns:a="http://schemas.openxmlformats.org/drawingml/2006/main" xmlns:r="http://schemas.openxmlformats.org/officeDocument/2006/relationships" xmlns:p="http://schemas.openxmlformats.org/presentationml/2006/main">
   <p:cSld>
     <p:spTree>
@@ -7008,7 +7544,7 @@
 </p:sld>
 </file>
 
-<file path=ppt/slides/slide7.xml><?xml version="1.0" encoding="utf-8"?>
+<file path=ppt/slides/slide9.xml><?xml version="1.0" encoding="utf-8"?>
 <p:sld xmlns:a="http://schemas.openxmlformats.org/drawingml/2006/main" xmlns:r="http://schemas.openxmlformats.org/officeDocument/2006/relationships" xmlns:p="http://schemas.openxmlformats.org/presentationml/2006/main">
   <p:cSld>
     <p:spTree>
@@ -7095,203 +7631,6 @@
     <p:extLst>
       <p:ext uri="{BB962C8B-B14F-4D97-AF65-F5344CB8AC3E}">
         <p14:creationId xmlns:p14="http://schemas.microsoft.com/office/powerpoint/2010/main" val="2434447902"/>
-      </p:ext>
-    </p:extLst>
-  </p:cSld>
-  <p:clrMapOvr>
-    <a:masterClrMapping/>
-  </p:clrMapOvr>
-</p:sld>
-</file>
-
-<file path=ppt/slides/slide8.xml><?xml version="1.0" encoding="utf-8"?>
-<p:sld xmlns:a="http://schemas.openxmlformats.org/drawingml/2006/main" xmlns:r="http://schemas.openxmlformats.org/officeDocument/2006/relationships" xmlns:p="http://schemas.openxmlformats.org/presentationml/2006/main">
-  <p:cSld>
-    <p:spTree>
-      <p:nvGrpSpPr>
-        <p:cNvPr id="1" name=""/>
-        <p:cNvGrpSpPr/>
-        <p:nvPr/>
-      </p:nvGrpSpPr>
-      <p:grpSpPr>
-        <a:xfrm>
-          <a:off x="0" y="0"/>
-          <a:ext cx="0" cy="0"/>
-          <a:chOff x="0" y="0"/>
-          <a:chExt cx="0" cy="0"/>
-        </a:xfrm>
-      </p:grpSpPr>
-      <p:sp>
-        <p:nvSpPr>
-          <p:cNvPr id="2" name="Title 1"/>
-          <p:cNvSpPr>
-            <a:spLocks noGrp="1"/>
-          </p:cNvSpPr>
-          <p:nvPr>
-            <p:ph type="title"/>
-          </p:nvPr>
-        </p:nvSpPr>
-        <p:spPr>
-          <a:xfrm>
-            <a:off x="685800" y="457200"/>
-            <a:ext cx="7772400" cy="1143000"/>
-          </a:xfrm>
-        </p:spPr>
-        <p:txBody>
-          <a:bodyPr/>
-          <a:lstStyle/>
-          <a:p>
-            <a:r>
-              <a:rPr lang="en-GB" dirty="0" smtClean="0"/>
-              <a:t>Collaboration Diagram</a:t>
-            </a:r>
-            <a:endParaRPr lang="en-GB" dirty="0"/>
-          </a:p>
-        </p:txBody>
-      </p:sp>
-      <p:sp>
-        <p:nvSpPr>
-          <p:cNvPr id="3" name="Content Placeholder 2"/>
-          <p:cNvSpPr>
-            <a:spLocks noGrp="1"/>
-          </p:cNvSpPr>
-          <p:nvPr>
-            <p:ph idx="1"/>
-          </p:nvPr>
-        </p:nvSpPr>
-        <p:spPr/>
-        <p:txBody>
-          <a:bodyPr/>
-          <a:lstStyle/>
-          <a:p>
-            <a:endParaRPr lang="en-GB"/>
-          </a:p>
-        </p:txBody>
-      </p:sp>
-      <p:pic>
-        <p:nvPicPr>
-          <p:cNvPr id="4" name="Picture 3"/>
-          <p:cNvPicPr>
-            <a:picLocks noChangeAspect="1"/>
-          </p:cNvPicPr>
-          <p:nvPr/>
-        </p:nvPicPr>
-        <p:blipFill>
-          <a:blip r:embed="rId2"/>
-          <a:stretch>
-            <a:fillRect/>
-          </a:stretch>
-        </p:blipFill>
-        <p:spPr>
-          <a:xfrm>
-            <a:off x="718268" y="1418743"/>
-            <a:ext cx="7239000" cy="4934914"/>
-          </a:xfrm>
-          <a:prstGeom prst="rect">
-            <a:avLst/>
-          </a:prstGeom>
-        </p:spPr>
-      </p:pic>
-    </p:spTree>
-    <p:extLst>
-      <p:ext uri="{BB962C8B-B14F-4D97-AF65-F5344CB8AC3E}">
-        <p14:creationId xmlns:p14="http://schemas.microsoft.com/office/powerpoint/2010/main" val="466797845"/>
-      </p:ext>
-    </p:extLst>
-  </p:cSld>
-  <p:clrMapOvr>
-    <a:masterClrMapping/>
-  </p:clrMapOvr>
-</p:sld>
-</file>
-
-<file path=ppt/slides/slide9.xml><?xml version="1.0" encoding="utf-8"?>
-<p:sld xmlns:a="http://schemas.openxmlformats.org/drawingml/2006/main" xmlns:r="http://schemas.openxmlformats.org/officeDocument/2006/relationships" xmlns:p="http://schemas.openxmlformats.org/presentationml/2006/main">
-  <p:cSld>
-    <p:spTree>
-      <p:nvGrpSpPr>
-        <p:cNvPr id="1" name=""/>
-        <p:cNvGrpSpPr/>
-        <p:nvPr/>
-      </p:nvGrpSpPr>
-      <p:grpSpPr>
-        <a:xfrm>
-          <a:off x="0" y="0"/>
-          <a:ext cx="0" cy="0"/>
-          <a:chOff x="0" y="0"/>
-          <a:chExt cx="0" cy="0"/>
-        </a:xfrm>
-      </p:grpSpPr>
-      <p:sp>
-        <p:nvSpPr>
-          <p:cNvPr id="2" name="Title 1"/>
-          <p:cNvSpPr>
-            <a:spLocks noGrp="1"/>
-          </p:cNvSpPr>
-          <p:nvPr>
-            <p:ph type="title"/>
-          </p:nvPr>
-        </p:nvSpPr>
-        <p:spPr/>
-        <p:txBody>
-          <a:bodyPr/>
-          <a:lstStyle/>
-          <a:p>
-            <a:r>
-              <a:rPr lang="en-GB" dirty="0" smtClean="0"/>
-              <a:t>Use Case Diagram</a:t>
-            </a:r>
-            <a:endParaRPr lang="en-GB" dirty="0"/>
-          </a:p>
-        </p:txBody>
-      </p:sp>
-      <p:sp>
-        <p:nvSpPr>
-          <p:cNvPr id="3" name="Content Placeholder 2"/>
-          <p:cNvSpPr>
-            <a:spLocks noGrp="1"/>
-          </p:cNvSpPr>
-          <p:nvPr>
-            <p:ph idx="1"/>
-          </p:nvPr>
-        </p:nvSpPr>
-        <p:spPr/>
-        <p:txBody>
-          <a:bodyPr/>
-          <a:lstStyle/>
-          <a:p>
-            <a:endParaRPr lang="en-GB"/>
-          </a:p>
-        </p:txBody>
-      </p:sp>
-      <p:pic>
-        <p:nvPicPr>
-          <p:cNvPr id="4" name="Picture 3"/>
-          <p:cNvPicPr>
-            <a:picLocks noChangeAspect="1"/>
-          </p:cNvPicPr>
-          <p:nvPr/>
-        </p:nvPicPr>
-        <p:blipFill>
-          <a:blip r:embed="rId2"/>
-          <a:stretch>
-            <a:fillRect/>
-          </a:stretch>
-        </p:blipFill>
-        <p:spPr>
-          <a:xfrm>
-            <a:off x="838200" y="1720795"/>
-            <a:ext cx="6934200" cy="4907586"/>
-          </a:xfrm>
-          <a:prstGeom prst="rect">
-            <a:avLst/>
-          </a:prstGeom>
-        </p:spPr>
-      </p:pic>
-    </p:spTree>
-    <p:extLst>
-      <p:ext uri="{BB962C8B-B14F-4D97-AF65-F5344CB8AC3E}">
-        <p14:creationId xmlns:p14="http://schemas.microsoft.com/office/powerpoint/2010/main" val="1372916854"/>
       </p:ext>
     </p:extLst>
   </p:cSld>

--- a/OOAD/lectures/110--Revision.pptx
+++ b/OOAD/lectures/110--Revision.pptx
@@ -5,7 +5,7 @@
     <p:sldMasterId id="2147483648" r:id="rId1"/>
   </p:sldMasterIdLst>
   <p:notesMasterIdLst>
-    <p:notesMasterId r:id="rId34"/>
+    <p:notesMasterId r:id="rId38"/>
   </p:notesMasterIdLst>
   <p:sldIdLst>
     <p:sldId id="267" r:id="rId2"/>
@@ -37,9 +37,13 @@
     <p:sldId id="357" r:id="rId28"/>
     <p:sldId id="358" r:id="rId29"/>
     <p:sldId id="359" r:id="rId30"/>
-    <p:sldId id="272" r:id="rId31"/>
-    <p:sldId id="291" r:id="rId32"/>
-    <p:sldId id="268" r:id="rId33"/>
+    <p:sldId id="393" r:id="rId31"/>
+    <p:sldId id="394" r:id="rId32"/>
+    <p:sldId id="272" r:id="rId33"/>
+    <p:sldId id="291" r:id="rId34"/>
+    <p:sldId id="395" r:id="rId35"/>
+    <p:sldId id="396" r:id="rId36"/>
+    <p:sldId id="268" r:id="rId37"/>
   </p:sldIdLst>
   <p:sldSz cx="9144000" cy="6858000" type="screen4x3"/>
   <p:notesSz cx="6858000" cy="9144000"/>
@@ -6614,11 +6618,7 @@
           <a:p>
             <a:r>
               <a:rPr lang="en-US" smtClean="0"/>
-              <a:t>Exam </a:t>
-            </a:r>
-            <a:r>
-              <a:rPr lang="en-US" smtClean="0"/>
-              <a:t>3</a:t>
+              <a:t>Exam 3</a:t>
             </a:r>
             <a:r>
               <a:rPr lang="en-US" baseline="30000" smtClean="0"/>
@@ -6674,7 +6674,7 @@
       </p:grpSpPr>
       <p:sp>
         <p:nvSpPr>
-          <p:cNvPr id="11266" name="Title 1"/>
+          <p:cNvPr id="2" name="Title 1"/>
           <p:cNvSpPr>
             <a:spLocks noGrp="1"/>
           </p:cNvSpPr>
@@ -6688,15 +6688,16 @@
           <a:lstStyle/>
           <a:p>
             <a:r>
-              <a:rPr lang="en-GB" altLang="en-US" smtClean="0"/>
-              <a:t>Summary</a:t>
-            </a:r>
-          </a:p>
-        </p:txBody>
-      </p:sp>
-      <p:sp>
-        <p:nvSpPr>
-          <p:cNvPr id="11267" name="Content Placeholder 2"/>
+              <a:rPr lang="en-GB" dirty="0" smtClean="0"/>
+              <a:t>Question</a:t>
+            </a:r>
+            <a:endParaRPr lang="en-GB" dirty="0"/>
+          </a:p>
+        </p:txBody>
+      </p:sp>
+      <p:sp>
+        <p:nvSpPr>
+          <p:cNvPr id="3" name="Content Placeholder 2"/>
           <p:cNvSpPr>
             <a:spLocks noGrp="1"/>
           </p:cNvSpPr>
@@ -6710,56 +6711,31 @@
           <a:lstStyle/>
           <a:p>
             <a:r>
-              <a:rPr lang="en-GB" altLang="en-US" dirty="0" smtClean="0"/>
-              <a:t>Case Study</a:t>
-            </a:r>
-          </a:p>
-          <a:p>
-            <a:r>
-              <a:rPr lang="en-GB" altLang="en-US" dirty="0" smtClean="0"/>
-              <a:t>Example </a:t>
-            </a:r>
-            <a:r>
-              <a:rPr lang="en-GB" altLang="en-US" dirty="0" smtClean="0"/>
-              <a:t>Problems/Solutions</a:t>
-            </a:r>
-          </a:p>
-          <a:p>
-            <a:r>
-              <a:rPr lang="en-GB" altLang="en-US" dirty="0" smtClean="0"/>
-              <a:t>Final Exam (January)</a:t>
-            </a:r>
-          </a:p>
-          <a:p>
-            <a:r>
-              <a:rPr lang="en-GB" altLang="en-US" dirty="0" smtClean="0"/>
-              <a:t>Group Project</a:t>
-            </a:r>
-            <a:endParaRPr lang="en-GB" altLang="en-US" dirty="0" smtClean="0"/>
-          </a:p>
-          <a:p>
-            <a:r>
-              <a:rPr lang="en-GB" altLang="en-US" dirty="0" smtClean="0"/>
-              <a:t>Review Questions</a:t>
-            </a:r>
-          </a:p>
-          <a:p>
-            <a:endParaRPr lang="en-GB" altLang="en-US" dirty="0" smtClean="0"/>
+              <a:rPr lang="en-GB" dirty="0" smtClean="0"/>
+              <a:t>List some of the benefits </a:t>
+            </a:r>
+            <a:r>
+              <a:rPr lang="en-GB" dirty="0"/>
+              <a:t>of Object </a:t>
+            </a:r>
+            <a:r>
+              <a:rPr lang="en-GB" dirty="0" smtClean="0"/>
+              <a:t>Model?</a:t>
+            </a:r>
+            <a:endParaRPr lang="en-GB" dirty="0"/>
           </a:p>
         </p:txBody>
       </p:sp>
     </p:spTree>
+    <p:extLst>
+      <p:ext uri="{BB962C8B-B14F-4D97-AF65-F5344CB8AC3E}">
+        <p14:creationId xmlns:p14="http://schemas.microsoft.com/office/powerpoint/2010/main" val="2219267614"/>
+      </p:ext>
+    </p:extLst>
   </p:cSld>
   <p:clrMapOvr>
     <a:masterClrMapping/>
   </p:clrMapOvr>
-  <p:timing>
-    <p:tnLst>
-      <p:par>
-        <p:cTn id="1" dur="indefinite" restart="never" nodeType="tmRoot"/>
-      </p:par>
-    </p:tnLst>
-  </p:timing>
 </p:sld>
 </file>
 
@@ -6782,7 +6758,7 @@
       </p:grpSpPr>
       <p:sp>
         <p:nvSpPr>
-          <p:cNvPr id="12290" name="Title 1"/>
+          <p:cNvPr id="2" name="Title 1"/>
           <p:cNvSpPr>
             <a:spLocks noGrp="1"/>
           </p:cNvSpPr>
@@ -6796,15 +6772,146 @@
           <a:lstStyle/>
           <a:p>
             <a:r>
+              <a:rPr lang="en-GB" dirty="0" smtClean="0"/>
+              <a:t>Answer</a:t>
+            </a:r>
+            <a:endParaRPr lang="en-GB" dirty="0"/>
+          </a:p>
+        </p:txBody>
+      </p:sp>
+      <p:sp>
+        <p:nvSpPr>
+          <p:cNvPr id="3" name="Content Placeholder 2"/>
+          <p:cNvSpPr>
+            <a:spLocks noGrp="1"/>
+          </p:cNvSpPr>
+          <p:nvPr>
+            <p:ph idx="1"/>
+          </p:nvPr>
+        </p:nvSpPr>
+        <p:spPr>
+          <a:xfrm>
+            <a:off x="685800" y="1981200"/>
+            <a:ext cx="7772400" cy="4343400"/>
+          </a:xfrm>
+        </p:spPr>
+        <p:txBody>
+          <a:bodyPr>
+            <a:normAutofit fontScale="85000" lnSpcReduction="10000"/>
+          </a:bodyPr>
+          <a:lstStyle/>
+          <a:p>
+            <a:r>
+              <a:rPr lang="en-GB" dirty="0"/>
+              <a:t>It helps in faster development of </a:t>
+            </a:r>
+            <a:r>
+              <a:rPr lang="en-GB" dirty="0" smtClean="0"/>
+              <a:t>software</a:t>
+            </a:r>
+            <a:endParaRPr lang="en-GB" dirty="0"/>
+          </a:p>
+          <a:p>
+            <a:r>
+              <a:rPr lang="en-GB" dirty="0"/>
+              <a:t>It is easy to maintain. Suppose a module develops an error, then a programmer can fix that particular module, while the other parts of the software are still up and </a:t>
+            </a:r>
+            <a:r>
+              <a:rPr lang="en-GB" dirty="0" smtClean="0"/>
+              <a:t>running</a:t>
+            </a:r>
+            <a:endParaRPr lang="en-GB" dirty="0"/>
+          </a:p>
+          <a:p>
+            <a:r>
+              <a:rPr lang="en-GB" dirty="0"/>
+              <a:t>It supports relatively hassle-free </a:t>
+            </a:r>
+            <a:r>
+              <a:rPr lang="en-GB" dirty="0" smtClean="0"/>
+              <a:t>upgrades</a:t>
+            </a:r>
+            <a:endParaRPr lang="en-GB" dirty="0"/>
+          </a:p>
+          <a:p>
+            <a:r>
+              <a:rPr lang="en-GB" dirty="0"/>
+              <a:t>It enables reuse of objects, designs, and </a:t>
+            </a:r>
+            <a:r>
+              <a:rPr lang="en-GB" dirty="0" smtClean="0"/>
+              <a:t>functions</a:t>
+            </a:r>
+            <a:endParaRPr lang="en-GB" dirty="0"/>
+          </a:p>
+          <a:p>
+            <a:r>
+              <a:rPr lang="en-GB" dirty="0"/>
+              <a:t>It reduces development risks, particularly in integration of complex </a:t>
+            </a:r>
+            <a:r>
+              <a:rPr lang="en-GB" dirty="0" smtClean="0"/>
+              <a:t>systems</a:t>
+            </a:r>
+            <a:endParaRPr lang="en-GB" dirty="0"/>
+          </a:p>
+        </p:txBody>
+      </p:sp>
+    </p:spTree>
+    <p:extLst>
+      <p:ext uri="{BB962C8B-B14F-4D97-AF65-F5344CB8AC3E}">
+        <p14:creationId xmlns:p14="http://schemas.microsoft.com/office/powerpoint/2010/main" val="2443652145"/>
+      </p:ext>
+    </p:extLst>
+  </p:cSld>
+  <p:clrMapOvr>
+    <a:masterClrMapping/>
+  </p:clrMapOvr>
+</p:sld>
+</file>
+
+<file path=ppt/slides/slide32.xml><?xml version="1.0" encoding="utf-8"?>
+<p:sld xmlns:a="http://schemas.openxmlformats.org/drawingml/2006/main" xmlns:r="http://schemas.openxmlformats.org/officeDocument/2006/relationships" xmlns:p="http://schemas.openxmlformats.org/presentationml/2006/main">
+  <p:cSld>
+    <p:spTree>
+      <p:nvGrpSpPr>
+        <p:cNvPr id="1" name=""/>
+        <p:cNvGrpSpPr/>
+        <p:nvPr/>
+      </p:nvGrpSpPr>
+      <p:grpSpPr>
+        <a:xfrm>
+          <a:off x="0" y="0"/>
+          <a:ext cx="0" cy="0"/>
+          <a:chOff x="0" y="0"/>
+          <a:chExt cx="0" cy="0"/>
+        </a:xfrm>
+      </p:grpSpPr>
+      <p:sp>
+        <p:nvSpPr>
+          <p:cNvPr id="11266" name="Title 1"/>
+          <p:cNvSpPr>
+            <a:spLocks noGrp="1"/>
+          </p:cNvSpPr>
+          <p:nvPr>
+            <p:ph type="title"/>
+          </p:nvPr>
+        </p:nvSpPr>
+        <p:spPr/>
+        <p:txBody>
+          <a:bodyPr/>
+          <a:lstStyle/>
+          <a:p>
+            <a:r>
               <a:rPr lang="en-GB" altLang="en-US" smtClean="0"/>
-              <a:t>This Week</a:t>
-            </a:r>
-          </a:p>
-        </p:txBody>
-      </p:sp>
-      <p:sp>
-        <p:nvSpPr>
-          <p:cNvPr id="12291" name="Content Placeholder 2"/>
+              <a:t>Summary</a:t>
+            </a:r>
+          </a:p>
+        </p:txBody>
+      </p:sp>
+      <p:sp>
+        <p:nvSpPr>
+          <p:cNvPr id="11267" name="Content Placeholder 2"/>
           <p:cNvSpPr>
             <a:spLocks noGrp="1"/>
           </p:cNvSpPr>
@@ -6819,31 +6926,34 @@
           <a:p>
             <a:r>
               <a:rPr lang="en-GB" altLang="en-US" dirty="0" smtClean="0"/>
-              <a:t>Review Slides</a:t>
+              <a:t>Case Study</a:t>
             </a:r>
           </a:p>
           <a:p>
             <a:r>
               <a:rPr lang="en-GB" altLang="en-US" dirty="0" smtClean="0"/>
-              <a:t>Coursework</a:t>
+              <a:t>Example Problems/Solutions</a:t>
             </a:r>
           </a:p>
           <a:p>
             <a:r>
               <a:rPr lang="en-GB" altLang="en-US" dirty="0" smtClean="0"/>
-              <a:t>Reviewing Quiz Questions</a:t>
+              <a:t>Final Exam (January)</a:t>
             </a:r>
           </a:p>
           <a:p>
             <a:r>
               <a:rPr lang="en-GB" altLang="en-US" dirty="0" smtClean="0"/>
-              <a:t>Reviewing Associated Chapter</a:t>
-            </a:r>
-          </a:p>
-          <a:p>
-            <a:pPr>
-              <a:buNone/>
-            </a:pPr>
+              <a:t>Group Project</a:t>
+            </a:r>
+          </a:p>
+          <a:p>
+            <a:r>
+              <a:rPr lang="en-GB" altLang="en-US" dirty="0" smtClean="0"/>
+              <a:t>Review Questions</a:t>
+            </a:r>
+          </a:p>
+          <a:p>
             <a:endParaRPr lang="en-GB" altLang="en-US" dirty="0" smtClean="0"/>
           </a:p>
         </p:txBody>
@@ -6863,7 +6973,283 @@
 </p:sld>
 </file>
 
-<file path=ppt/slides/slide32.xml><?xml version="1.0" encoding="utf-8"?>
+<file path=ppt/slides/slide33.xml><?xml version="1.0" encoding="utf-8"?>
+<p:sld xmlns:a="http://schemas.openxmlformats.org/drawingml/2006/main" xmlns:r="http://schemas.openxmlformats.org/officeDocument/2006/relationships" xmlns:p="http://schemas.openxmlformats.org/presentationml/2006/main">
+  <p:cSld>
+    <p:spTree>
+      <p:nvGrpSpPr>
+        <p:cNvPr id="1" name=""/>
+        <p:cNvGrpSpPr/>
+        <p:nvPr/>
+      </p:nvGrpSpPr>
+      <p:grpSpPr>
+        <a:xfrm>
+          <a:off x="0" y="0"/>
+          <a:ext cx="0" cy="0"/>
+          <a:chOff x="0" y="0"/>
+          <a:chExt cx="0" cy="0"/>
+        </a:xfrm>
+      </p:grpSpPr>
+      <p:sp>
+        <p:nvSpPr>
+          <p:cNvPr id="12290" name="Title 1"/>
+          <p:cNvSpPr>
+            <a:spLocks noGrp="1"/>
+          </p:cNvSpPr>
+          <p:nvPr>
+            <p:ph type="title"/>
+          </p:nvPr>
+        </p:nvSpPr>
+        <p:spPr/>
+        <p:txBody>
+          <a:bodyPr/>
+          <a:lstStyle/>
+          <a:p>
+            <a:r>
+              <a:rPr lang="en-GB" altLang="en-US" smtClean="0"/>
+              <a:t>This Week</a:t>
+            </a:r>
+          </a:p>
+        </p:txBody>
+      </p:sp>
+      <p:sp>
+        <p:nvSpPr>
+          <p:cNvPr id="12291" name="Content Placeholder 2"/>
+          <p:cNvSpPr>
+            <a:spLocks noGrp="1"/>
+          </p:cNvSpPr>
+          <p:nvPr>
+            <p:ph idx="1"/>
+          </p:nvPr>
+        </p:nvSpPr>
+        <p:spPr/>
+        <p:txBody>
+          <a:bodyPr/>
+          <a:lstStyle/>
+          <a:p>
+            <a:r>
+              <a:rPr lang="en-GB" altLang="en-US" dirty="0" smtClean="0"/>
+              <a:t>Review Slides</a:t>
+            </a:r>
+          </a:p>
+          <a:p>
+            <a:r>
+              <a:rPr lang="en-GB" altLang="en-US" dirty="0" smtClean="0"/>
+              <a:t>Coursework</a:t>
+            </a:r>
+          </a:p>
+          <a:p>
+            <a:r>
+              <a:rPr lang="en-GB" altLang="en-US" dirty="0" smtClean="0"/>
+              <a:t>Reviewing Quiz Questions</a:t>
+            </a:r>
+          </a:p>
+          <a:p>
+            <a:r>
+              <a:rPr lang="en-GB" altLang="en-US" dirty="0" smtClean="0"/>
+              <a:t>Reviewing Associated Chapter</a:t>
+            </a:r>
+          </a:p>
+          <a:p>
+            <a:pPr>
+              <a:buNone/>
+            </a:pPr>
+            <a:endParaRPr lang="en-GB" altLang="en-US" dirty="0" smtClean="0"/>
+          </a:p>
+        </p:txBody>
+      </p:sp>
+    </p:spTree>
+  </p:cSld>
+  <p:clrMapOvr>
+    <a:masterClrMapping/>
+  </p:clrMapOvr>
+  <p:timing>
+    <p:tnLst>
+      <p:par>
+        <p:cTn id="1" dur="indefinite" restart="never" nodeType="tmRoot"/>
+      </p:par>
+    </p:tnLst>
+  </p:timing>
+</p:sld>
+</file>
+
+<file path=ppt/slides/slide34.xml><?xml version="1.0" encoding="utf-8"?>
+<p:sld xmlns:a="http://schemas.openxmlformats.org/drawingml/2006/main" xmlns:r="http://schemas.openxmlformats.org/officeDocument/2006/relationships" xmlns:p="http://schemas.openxmlformats.org/presentationml/2006/main">
+  <p:cSld>
+    <p:spTree>
+      <p:nvGrpSpPr>
+        <p:cNvPr id="1" name=""/>
+        <p:cNvGrpSpPr/>
+        <p:nvPr/>
+      </p:nvGrpSpPr>
+      <p:grpSpPr>
+        <a:xfrm>
+          <a:off x="0" y="0"/>
+          <a:ext cx="0" cy="0"/>
+          <a:chOff x="0" y="0"/>
+          <a:chExt cx="0" cy="0"/>
+        </a:xfrm>
+      </p:grpSpPr>
+      <p:sp>
+        <p:nvSpPr>
+          <p:cNvPr id="2" name="Title 1"/>
+          <p:cNvSpPr>
+            <a:spLocks noGrp="1"/>
+          </p:cNvSpPr>
+          <p:nvPr>
+            <p:ph type="title"/>
+          </p:nvPr>
+        </p:nvSpPr>
+        <p:spPr/>
+        <p:txBody>
+          <a:bodyPr/>
+          <a:lstStyle/>
+          <a:p>
+            <a:r>
+              <a:rPr lang="en-GB" dirty="0" smtClean="0"/>
+              <a:t>Question</a:t>
+            </a:r>
+            <a:endParaRPr lang="en-GB" dirty="0"/>
+          </a:p>
+        </p:txBody>
+      </p:sp>
+      <p:sp>
+        <p:nvSpPr>
+          <p:cNvPr id="3" name="Content Placeholder 2"/>
+          <p:cNvSpPr>
+            <a:spLocks noGrp="1"/>
+          </p:cNvSpPr>
+          <p:nvPr>
+            <p:ph idx="1"/>
+          </p:nvPr>
+        </p:nvSpPr>
+        <p:spPr/>
+        <p:txBody>
+          <a:bodyPr/>
+          <a:lstStyle/>
+          <a:p>
+            <a:r>
+              <a:rPr lang="en-GB" dirty="0" smtClean="0"/>
+              <a:t>Deadline for final group project submission?</a:t>
+            </a:r>
+            <a:endParaRPr lang="en-GB" dirty="0"/>
+          </a:p>
+        </p:txBody>
+      </p:sp>
+    </p:spTree>
+    <p:extLst>
+      <p:ext uri="{BB962C8B-B14F-4D97-AF65-F5344CB8AC3E}">
+        <p14:creationId xmlns:p14="http://schemas.microsoft.com/office/powerpoint/2010/main" val="3611135855"/>
+      </p:ext>
+    </p:extLst>
+  </p:cSld>
+  <p:clrMapOvr>
+    <a:masterClrMapping/>
+  </p:clrMapOvr>
+</p:sld>
+</file>
+
+<file path=ppt/slides/slide35.xml><?xml version="1.0" encoding="utf-8"?>
+<p:sld xmlns:a="http://schemas.openxmlformats.org/drawingml/2006/main" xmlns:r="http://schemas.openxmlformats.org/officeDocument/2006/relationships" xmlns:p="http://schemas.openxmlformats.org/presentationml/2006/main">
+  <p:cSld>
+    <p:spTree>
+      <p:nvGrpSpPr>
+        <p:cNvPr id="1" name=""/>
+        <p:cNvGrpSpPr/>
+        <p:nvPr/>
+      </p:nvGrpSpPr>
+      <p:grpSpPr>
+        <a:xfrm>
+          <a:off x="0" y="0"/>
+          <a:ext cx="0" cy="0"/>
+          <a:chOff x="0" y="0"/>
+          <a:chExt cx="0" cy="0"/>
+        </a:xfrm>
+      </p:grpSpPr>
+      <p:sp>
+        <p:nvSpPr>
+          <p:cNvPr id="2" name="Title 1"/>
+          <p:cNvSpPr>
+            <a:spLocks noGrp="1"/>
+          </p:cNvSpPr>
+          <p:nvPr>
+            <p:ph type="title"/>
+          </p:nvPr>
+        </p:nvSpPr>
+        <p:spPr/>
+        <p:txBody>
+          <a:bodyPr/>
+          <a:lstStyle/>
+          <a:p>
+            <a:r>
+              <a:rPr lang="en-GB" dirty="0" smtClean="0"/>
+              <a:t>Answer</a:t>
+            </a:r>
+            <a:endParaRPr lang="en-GB" dirty="0"/>
+          </a:p>
+        </p:txBody>
+      </p:sp>
+      <p:sp>
+        <p:nvSpPr>
+          <p:cNvPr id="3" name="Content Placeholder 2"/>
+          <p:cNvSpPr>
+            <a:spLocks noGrp="1"/>
+          </p:cNvSpPr>
+          <p:nvPr>
+            <p:ph idx="1"/>
+          </p:nvPr>
+        </p:nvSpPr>
+        <p:spPr/>
+        <p:txBody>
+          <a:bodyPr/>
+          <a:lstStyle/>
+          <a:p>
+            <a:r>
+              <a:rPr lang="en-GB" dirty="0" smtClean="0"/>
+              <a:t>25</a:t>
+            </a:r>
+            <a:r>
+              <a:rPr lang="en-GB" baseline="30000" dirty="0" smtClean="0"/>
+              <a:t>th</a:t>
+            </a:r>
+            <a:r>
+              <a:rPr lang="en-GB" dirty="0" smtClean="0"/>
+              <a:t> December</a:t>
+            </a:r>
+          </a:p>
+          <a:p>
+            <a:endParaRPr lang="en-GB" dirty="0"/>
+          </a:p>
+          <a:p>
+            <a:pPr marL="0" indent="0">
+              <a:buNone/>
+            </a:pPr>
+            <a:r>
+              <a:rPr lang="en-GB" dirty="0" smtClean="0"/>
+              <a:t>Also deadline for </a:t>
+            </a:r>
+            <a:r>
+              <a:rPr lang="en-GB" smtClean="0"/>
+              <a:t>online quizzes</a:t>
+            </a:r>
+            <a:endParaRPr lang="en-GB"/>
+          </a:p>
+        </p:txBody>
+      </p:sp>
+    </p:spTree>
+    <p:extLst>
+      <p:ext uri="{BB962C8B-B14F-4D97-AF65-F5344CB8AC3E}">
+        <p14:creationId xmlns:p14="http://schemas.microsoft.com/office/powerpoint/2010/main" val="2051988775"/>
+      </p:ext>
+    </p:extLst>
+  </p:cSld>
+  <p:clrMapOvr>
+    <a:masterClrMapping/>
+  </p:clrMapOvr>
+</p:sld>
+</file>
+
+<file path=ppt/slides/slide36.xml><?xml version="1.0" encoding="utf-8"?>
 <p:sld xmlns:a="http://schemas.openxmlformats.org/drawingml/2006/main" xmlns:r="http://schemas.openxmlformats.org/officeDocument/2006/relationships" xmlns:p="http://schemas.openxmlformats.org/presentationml/2006/main">
   <p:cSld>
     <p:spTree>
@@ -7023,13 +7409,8 @@
             </a:pPr>
             <a:r>
               <a:rPr lang="en-GB" dirty="0" smtClean="0"/>
-              <a:t>Last Day – </a:t>
-            </a:r>
-            <a:r>
-              <a:rPr lang="en-GB" dirty="0" smtClean="0"/>
-              <a:t>Quizzes</a:t>
-            </a:r>
-            <a:endParaRPr lang="en-GB" dirty="0" smtClean="0"/>
+              <a:t>Last Day – Quizzes</a:t>
+            </a:r>
           </a:p>
           <a:p>
             <a:pPr marL="0" indent="0">
@@ -7228,11 +7609,7 @@
           <a:p>
             <a:r>
               <a:rPr lang="en-GB" dirty="0" smtClean="0"/>
-              <a:t>Case Study </a:t>
-            </a:r>
-            <a:r>
-              <a:rPr lang="en-GB" dirty="0" smtClean="0"/>
-              <a:t>Example</a:t>
+              <a:t>Case Study Example</a:t>
             </a:r>
             <a:endParaRPr lang="en-GB" dirty="0"/>
           </a:p>

--- a/OOAD/lectures/110--Revision.pptx
+++ b/OOAD/lectures/110--Revision.pptx
@@ -5,7 +5,7 @@
     <p:sldMasterId id="2147483648" r:id="rId1"/>
   </p:sldMasterIdLst>
   <p:notesMasterIdLst>
-    <p:notesMasterId r:id="rId38"/>
+    <p:notesMasterId r:id="rId40"/>
   </p:notesMasterIdLst>
   <p:sldIdLst>
     <p:sldId id="267" r:id="rId2"/>
@@ -14,36 +14,38 @@
     <p:sldId id="391" r:id="rId5"/>
     <p:sldId id="392" r:id="rId6"/>
     <p:sldId id="379" r:id="rId7"/>
-    <p:sldId id="381" r:id="rId8"/>
-    <p:sldId id="382" r:id="rId9"/>
-    <p:sldId id="383" r:id="rId10"/>
-    <p:sldId id="384" r:id="rId11"/>
-    <p:sldId id="385" r:id="rId12"/>
-    <p:sldId id="386" r:id="rId13"/>
-    <p:sldId id="387" r:id="rId14"/>
-    <p:sldId id="388" r:id="rId15"/>
-    <p:sldId id="389" r:id="rId16"/>
-    <p:sldId id="390" r:id="rId17"/>
-    <p:sldId id="380" r:id="rId18"/>
-    <p:sldId id="348" r:id="rId19"/>
-    <p:sldId id="349" r:id="rId20"/>
-    <p:sldId id="350" r:id="rId21"/>
-    <p:sldId id="351" r:id="rId22"/>
-    <p:sldId id="352" r:id="rId23"/>
-    <p:sldId id="353" r:id="rId24"/>
-    <p:sldId id="354" r:id="rId25"/>
-    <p:sldId id="355" r:id="rId26"/>
-    <p:sldId id="356" r:id="rId27"/>
-    <p:sldId id="357" r:id="rId28"/>
-    <p:sldId id="358" r:id="rId29"/>
-    <p:sldId id="359" r:id="rId30"/>
-    <p:sldId id="393" r:id="rId31"/>
-    <p:sldId id="394" r:id="rId32"/>
-    <p:sldId id="272" r:id="rId33"/>
-    <p:sldId id="291" r:id="rId34"/>
-    <p:sldId id="395" r:id="rId35"/>
-    <p:sldId id="396" r:id="rId36"/>
-    <p:sldId id="268" r:id="rId37"/>
+    <p:sldId id="397" r:id="rId8"/>
+    <p:sldId id="381" r:id="rId9"/>
+    <p:sldId id="398" r:id="rId10"/>
+    <p:sldId id="382" r:id="rId11"/>
+    <p:sldId id="383" r:id="rId12"/>
+    <p:sldId id="384" r:id="rId13"/>
+    <p:sldId id="385" r:id="rId14"/>
+    <p:sldId id="386" r:id="rId15"/>
+    <p:sldId id="387" r:id="rId16"/>
+    <p:sldId id="388" r:id="rId17"/>
+    <p:sldId id="389" r:id="rId18"/>
+    <p:sldId id="390" r:id="rId19"/>
+    <p:sldId id="380" r:id="rId20"/>
+    <p:sldId id="348" r:id="rId21"/>
+    <p:sldId id="349" r:id="rId22"/>
+    <p:sldId id="350" r:id="rId23"/>
+    <p:sldId id="351" r:id="rId24"/>
+    <p:sldId id="352" r:id="rId25"/>
+    <p:sldId id="353" r:id="rId26"/>
+    <p:sldId id="354" r:id="rId27"/>
+    <p:sldId id="355" r:id="rId28"/>
+    <p:sldId id="356" r:id="rId29"/>
+    <p:sldId id="357" r:id="rId30"/>
+    <p:sldId id="358" r:id="rId31"/>
+    <p:sldId id="359" r:id="rId32"/>
+    <p:sldId id="393" r:id="rId33"/>
+    <p:sldId id="394" r:id="rId34"/>
+    <p:sldId id="272" r:id="rId35"/>
+    <p:sldId id="291" r:id="rId36"/>
+    <p:sldId id="395" r:id="rId37"/>
+    <p:sldId id="396" r:id="rId38"/>
+    <p:sldId id="268" r:id="rId39"/>
   </p:sldIdLst>
   <p:sldSz cx="9144000" cy="6858000" type="screen4x3"/>
   <p:notesSz cx="6858000" cy="9144000"/>
@@ -3927,6 +3929,203 @@
         </p:nvSpPr>
         <p:spPr>
           <a:xfrm>
+            <a:off x="685800" y="76200"/>
+            <a:ext cx="7772400" cy="1143000"/>
+          </a:xfrm>
+        </p:spPr>
+        <p:txBody>
+          <a:bodyPr/>
+          <a:lstStyle/>
+          <a:p>
+            <a:r>
+              <a:rPr lang="en-GB" dirty="0" smtClean="0"/>
+              <a:t>Sequence Diagram</a:t>
+            </a:r>
+            <a:endParaRPr lang="en-GB" dirty="0"/>
+          </a:p>
+        </p:txBody>
+      </p:sp>
+      <p:sp>
+        <p:nvSpPr>
+          <p:cNvPr id="3" name="Content Placeholder 2"/>
+          <p:cNvSpPr>
+            <a:spLocks noGrp="1"/>
+          </p:cNvSpPr>
+          <p:nvPr>
+            <p:ph idx="1"/>
+          </p:nvPr>
+        </p:nvSpPr>
+        <p:spPr/>
+        <p:txBody>
+          <a:bodyPr/>
+          <a:lstStyle/>
+          <a:p>
+            <a:endParaRPr lang="en-GB"/>
+          </a:p>
+        </p:txBody>
+      </p:sp>
+      <p:pic>
+        <p:nvPicPr>
+          <p:cNvPr id="4" name="Picture 3"/>
+          <p:cNvPicPr>
+            <a:picLocks noChangeAspect="1"/>
+          </p:cNvPicPr>
+          <p:nvPr/>
+        </p:nvPicPr>
+        <p:blipFill>
+          <a:blip r:embed="rId2"/>
+          <a:stretch>
+            <a:fillRect/>
+          </a:stretch>
+        </p:blipFill>
+        <p:spPr>
+          <a:xfrm>
+            <a:off x="1828800" y="1219200"/>
+            <a:ext cx="5758752" cy="5454157"/>
+          </a:xfrm>
+          <a:prstGeom prst="rect">
+            <a:avLst/>
+          </a:prstGeom>
+        </p:spPr>
+      </p:pic>
+    </p:spTree>
+    <p:extLst>
+      <p:ext uri="{BB962C8B-B14F-4D97-AF65-F5344CB8AC3E}">
+        <p14:creationId xmlns:p14="http://schemas.microsoft.com/office/powerpoint/2010/main" val="3898887124"/>
+      </p:ext>
+    </p:extLst>
+  </p:cSld>
+  <p:clrMapOvr>
+    <a:masterClrMapping/>
+  </p:clrMapOvr>
+</p:sld>
+</file>
+
+<file path=ppt/slides/slide11.xml><?xml version="1.0" encoding="utf-8"?>
+<p:sld xmlns:a="http://schemas.openxmlformats.org/drawingml/2006/main" xmlns:r="http://schemas.openxmlformats.org/officeDocument/2006/relationships" xmlns:p="http://schemas.openxmlformats.org/presentationml/2006/main">
+  <p:cSld>
+    <p:spTree>
+      <p:nvGrpSpPr>
+        <p:cNvPr id="1" name=""/>
+        <p:cNvGrpSpPr/>
+        <p:nvPr/>
+      </p:nvGrpSpPr>
+      <p:grpSpPr>
+        <a:xfrm>
+          <a:off x="0" y="0"/>
+          <a:ext cx="0" cy="0"/>
+          <a:chOff x="0" y="0"/>
+          <a:chExt cx="0" cy="0"/>
+        </a:xfrm>
+      </p:grpSpPr>
+      <p:sp>
+        <p:nvSpPr>
+          <p:cNvPr id="2" name="Title 1"/>
+          <p:cNvSpPr>
+            <a:spLocks noGrp="1"/>
+          </p:cNvSpPr>
+          <p:nvPr>
+            <p:ph type="title"/>
+          </p:nvPr>
+        </p:nvSpPr>
+        <p:spPr/>
+        <p:txBody>
+          <a:bodyPr/>
+          <a:lstStyle/>
+          <a:p>
+            <a:r>
+              <a:rPr lang="en-GB" dirty="0" smtClean="0"/>
+              <a:t>Class Diagram</a:t>
+            </a:r>
+            <a:endParaRPr lang="en-GB" dirty="0"/>
+          </a:p>
+        </p:txBody>
+      </p:sp>
+      <p:sp>
+        <p:nvSpPr>
+          <p:cNvPr id="3" name="Content Placeholder 2"/>
+          <p:cNvSpPr>
+            <a:spLocks noGrp="1"/>
+          </p:cNvSpPr>
+          <p:nvPr>
+            <p:ph idx="1"/>
+          </p:nvPr>
+        </p:nvSpPr>
+        <p:spPr/>
+        <p:txBody>
+          <a:bodyPr/>
+          <a:lstStyle/>
+          <a:p>
+            <a:endParaRPr lang="en-GB"/>
+          </a:p>
+        </p:txBody>
+      </p:sp>
+      <p:pic>
+        <p:nvPicPr>
+          <p:cNvPr id="4" name="Picture 3"/>
+          <p:cNvPicPr>
+            <a:picLocks noChangeAspect="1"/>
+          </p:cNvPicPr>
+          <p:nvPr/>
+        </p:nvPicPr>
+        <p:blipFill>
+          <a:blip r:embed="rId2"/>
+          <a:stretch>
+            <a:fillRect/>
+          </a:stretch>
+        </p:blipFill>
+        <p:spPr>
+          <a:xfrm>
+            <a:off x="1295400" y="1771153"/>
+            <a:ext cx="6858000" cy="4816699"/>
+          </a:xfrm>
+          <a:prstGeom prst="rect">
+            <a:avLst/>
+          </a:prstGeom>
+        </p:spPr>
+      </p:pic>
+    </p:spTree>
+    <p:extLst>
+      <p:ext uri="{BB962C8B-B14F-4D97-AF65-F5344CB8AC3E}">
+        <p14:creationId xmlns:p14="http://schemas.microsoft.com/office/powerpoint/2010/main" val="2434447902"/>
+      </p:ext>
+    </p:extLst>
+  </p:cSld>
+  <p:clrMapOvr>
+    <a:masterClrMapping/>
+  </p:clrMapOvr>
+</p:sld>
+</file>
+
+<file path=ppt/slides/slide12.xml><?xml version="1.0" encoding="utf-8"?>
+<p:sld xmlns:a="http://schemas.openxmlformats.org/drawingml/2006/main" xmlns:r="http://schemas.openxmlformats.org/officeDocument/2006/relationships" xmlns:p="http://schemas.openxmlformats.org/presentationml/2006/main">
+  <p:cSld>
+    <p:spTree>
+      <p:nvGrpSpPr>
+        <p:cNvPr id="1" name=""/>
+        <p:cNvGrpSpPr/>
+        <p:nvPr/>
+      </p:nvGrpSpPr>
+      <p:grpSpPr>
+        <a:xfrm>
+          <a:off x="0" y="0"/>
+          <a:ext cx="0" cy="0"/>
+          <a:chOff x="0" y="0"/>
+          <a:chExt cx="0" cy="0"/>
+        </a:xfrm>
+      </p:grpSpPr>
+      <p:sp>
+        <p:nvSpPr>
+          <p:cNvPr id="2" name="Title 1"/>
+          <p:cNvSpPr>
+            <a:spLocks noGrp="1"/>
+          </p:cNvSpPr>
+          <p:nvPr>
+            <p:ph type="title"/>
+          </p:nvPr>
+        </p:nvSpPr>
+        <p:spPr>
+          <a:xfrm>
             <a:off x="685800" y="457200"/>
             <a:ext cx="7772400" cy="1143000"/>
           </a:xfrm>
@@ -3999,7 +4198,7 @@
 </p:sld>
 </file>
 
-<file path=ppt/slides/slide11.xml><?xml version="1.0" encoding="utf-8"?>
+<file path=ppt/slides/slide13.xml><?xml version="1.0" encoding="utf-8"?>
 <p:sld xmlns:a="http://schemas.openxmlformats.org/drawingml/2006/main" xmlns:r="http://schemas.openxmlformats.org/officeDocument/2006/relationships" xmlns:p="http://schemas.openxmlformats.org/presentationml/2006/main">
   <p:cSld>
     <p:spTree>
@@ -4095,7 +4294,7 @@
 </p:sld>
 </file>
 
-<file path=ppt/slides/slide12.xml><?xml version="1.0" encoding="utf-8"?>
+<file path=ppt/slides/slide14.xml><?xml version="1.0" encoding="utf-8"?>
 <p:sld xmlns:a="http://schemas.openxmlformats.org/drawingml/2006/main" xmlns:r="http://schemas.openxmlformats.org/officeDocument/2006/relationships" xmlns:p="http://schemas.openxmlformats.org/presentationml/2006/main">
   <p:cSld>
     <p:spTree>
@@ -4177,7 +4376,7 @@
 </p:sld>
 </file>
 
-<file path=ppt/slides/slide13.xml><?xml version="1.0" encoding="utf-8"?>
+<file path=ppt/slides/slide15.xml><?xml version="1.0" encoding="utf-8"?>
 <p:sld xmlns:a="http://schemas.openxmlformats.org/drawingml/2006/main" xmlns:r="http://schemas.openxmlformats.org/officeDocument/2006/relationships" xmlns:p="http://schemas.openxmlformats.org/presentationml/2006/main">
   <p:cSld>
     <p:spTree>
@@ -4273,7 +4472,7 @@
 </p:sld>
 </file>
 
-<file path=ppt/slides/slide14.xml><?xml version="1.0" encoding="utf-8"?>
+<file path=ppt/slides/slide16.xml><?xml version="1.0" encoding="utf-8"?>
 <p:sld xmlns:a="http://schemas.openxmlformats.org/drawingml/2006/main" xmlns:r="http://schemas.openxmlformats.org/officeDocument/2006/relationships" xmlns:p="http://schemas.openxmlformats.org/presentationml/2006/main">
   <p:cSld>
     <p:spTree>
@@ -4369,7 +4568,7 @@
 </p:sld>
 </file>
 
-<file path=ppt/slides/slide15.xml><?xml version="1.0" encoding="utf-8"?>
+<file path=ppt/slides/slide17.xml><?xml version="1.0" encoding="utf-8"?>
 <p:sld xmlns:a="http://schemas.openxmlformats.org/drawingml/2006/main" xmlns:r="http://schemas.openxmlformats.org/officeDocument/2006/relationships" xmlns:p="http://schemas.openxmlformats.org/presentationml/2006/main">
   <p:cSld>
     <p:spTree>
@@ -4465,7 +4664,7 @@
 </p:sld>
 </file>
 
-<file path=ppt/slides/slide16.xml><?xml version="1.0" encoding="utf-8"?>
+<file path=ppt/slides/slide18.xml><?xml version="1.0" encoding="utf-8"?>
 <p:sld xmlns:a="http://schemas.openxmlformats.org/drawingml/2006/main" xmlns:r="http://schemas.openxmlformats.org/officeDocument/2006/relationships" xmlns:p="http://schemas.openxmlformats.org/presentationml/2006/main">
   <p:cSld>
     <p:spTree>
@@ -4553,7 +4752,7 @@
 </p:sld>
 </file>
 
-<file path=ppt/slides/slide17.xml><?xml version="1.0" encoding="utf-8"?>
+<file path=ppt/slides/slide19.xml><?xml version="1.0" encoding="utf-8"?>
 <p:sld xmlns:a="http://schemas.openxmlformats.org/drawingml/2006/main" xmlns:r="http://schemas.openxmlformats.org/officeDocument/2006/relationships" xmlns:p="http://schemas.openxmlformats.org/presentationml/2006/main">
   <p:cSld>
     <p:spTree>
@@ -4585,7 +4784,11 @@
           <a:bodyPr/>
           <a:lstStyle/>
           <a:p>
-            <a:endParaRPr lang="en-GB"/>
+            <a:r>
+              <a:rPr lang="en-GB" dirty="0" smtClean="0"/>
+              <a:t>Revision Question</a:t>
+            </a:r>
+            <a:endParaRPr lang="en-GB" dirty="0"/>
           </a:p>
         </p:txBody>
       </p:sp>
@@ -4621,7 +4824,123 @@
 </p:sld>
 </file>
 
-<file path=ppt/slides/slide18.xml><?xml version="1.0" encoding="utf-8"?>
+<file path=ppt/slides/slide2.xml><?xml version="1.0" encoding="utf-8"?>
+<p:sld xmlns:a="http://schemas.openxmlformats.org/drawingml/2006/main" xmlns:r="http://schemas.openxmlformats.org/officeDocument/2006/relationships" xmlns:p="http://schemas.openxmlformats.org/presentationml/2006/main">
+  <p:cSld>
+    <p:spTree>
+      <p:nvGrpSpPr>
+        <p:cNvPr id="1" name=""/>
+        <p:cNvGrpSpPr/>
+        <p:nvPr/>
+      </p:nvGrpSpPr>
+      <p:grpSpPr>
+        <a:xfrm>
+          <a:off x="0" y="0"/>
+          <a:ext cx="0" cy="0"/>
+          <a:chOff x="0" y="0"/>
+          <a:chExt cx="0" cy="0"/>
+        </a:xfrm>
+      </p:grpSpPr>
+      <p:sp>
+        <p:nvSpPr>
+          <p:cNvPr id="10242" name="Rectangle 2"/>
+          <p:cNvSpPr>
+            <a:spLocks noGrp="1" noChangeArrowheads="1"/>
+          </p:cNvSpPr>
+          <p:nvPr>
+            <p:ph type="title"/>
+          </p:nvPr>
+        </p:nvSpPr>
+        <p:spPr/>
+        <p:txBody>
+          <a:bodyPr/>
+          <a:lstStyle/>
+          <a:p>
+            <a:pPr eaLnBrk="1" hangingPunct="1"/>
+            <a:r>
+              <a:rPr lang="en-US" altLang="en-US" smtClean="0"/>
+              <a:t>Outline</a:t>
+            </a:r>
+          </a:p>
+        </p:txBody>
+      </p:sp>
+      <p:sp>
+        <p:nvSpPr>
+          <p:cNvPr id="10243" name="Rectangle 3"/>
+          <p:cNvSpPr>
+            <a:spLocks noGrp="1" noChangeArrowheads="1"/>
+          </p:cNvSpPr>
+          <p:nvPr>
+            <p:ph idx="1"/>
+          </p:nvPr>
+        </p:nvSpPr>
+        <p:spPr>
+          <a:xfrm>
+            <a:off x="685800" y="1981200"/>
+            <a:ext cx="7924800" cy="4572000"/>
+          </a:xfrm>
+        </p:spPr>
+        <p:txBody>
+          <a:bodyPr/>
+          <a:lstStyle/>
+          <a:p>
+            <a:pPr eaLnBrk="1" hangingPunct="1"/>
+            <a:r>
+              <a:rPr lang="en-US" altLang="en-US" dirty="0" smtClean="0"/>
+              <a:t>Revision Questions</a:t>
+            </a:r>
+          </a:p>
+          <a:p>
+            <a:pPr eaLnBrk="1" hangingPunct="1"/>
+            <a:r>
+              <a:rPr lang="en-US" altLang="en-US" dirty="0" smtClean="0"/>
+              <a:t>Group Project</a:t>
+            </a:r>
+          </a:p>
+          <a:p>
+            <a:pPr lvl="1" eaLnBrk="1" hangingPunct="1"/>
+            <a:r>
+              <a:rPr lang="en-US" altLang="en-US" dirty="0" smtClean="0"/>
+              <a:t>Review Deliverables</a:t>
+            </a:r>
+          </a:p>
+          <a:p>
+            <a:pPr eaLnBrk="1" hangingPunct="1"/>
+            <a:r>
+              <a:rPr lang="en-US" altLang="en-US" dirty="0" smtClean="0"/>
+              <a:t>Example System Problem</a:t>
+            </a:r>
+          </a:p>
+          <a:p>
+            <a:pPr lvl="1" eaLnBrk="1" hangingPunct="1"/>
+            <a:r>
+              <a:rPr lang="en-US" altLang="en-US" dirty="0" smtClean="0"/>
+              <a:t>Case </a:t>
+            </a:r>
+            <a:r>
+              <a:rPr lang="en-US" altLang="en-US" smtClean="0"/>
+              <a:t>Studey</a:t>
+            </a:r>
+            <a:endParaRPr lang="en-US" altLang="en-US" dirty="0" smtClean="0"/>
+          </a:p>
+        </p:txBody>
+      </p:sp>
+    </p:spTree>
+  </p:cSld>
+  <p:clrMapOvr>
+    <a:masterClrMapping/>
+  </p:clrMapOvr>
+  <p:timing>
+    <p:tnLst>
+      <p:par>
+        <p:cTn id="1" dur="indefinite" restart="never" nodeType="tmRoot"/>
+      </p:par>
+    </p:tnLst>
+  </p:timing>
+</p:sld>
+</file>
+
+<file path=ppt/slides/slide20.xml><?xml version="1.0" encoding="utf-8"?>
 <p:sld xmlns:a="http://schemas.openxmlformats.org/drawingml/2006/main" xmlns:r="http://schemas.openxmlformats.org/officeDocument/2006/relationships" xmlns:p="http://schemas.openxmlformats.org/presentationml/2006/main">
   <p:cSld>
     <p:spTree>
@@ -4768,338 +5087,6 @@
 </p:sld>
 </file>
 
-<file path=ppt/slides/slide19.xml><?xml version="1.0" encoding="utf-8"?>
-<p:sld xmlns:a="http://schemas.openxmlformats.org/drawingml/2006/main" xmlns:r="http://schemas.openxmlformats.org/officeDocument/2006/relationships" xmlns:p="http://schemas.openxmlformats.org/presentationml/2006/main">
-  <p:cSld>
-    <p:spTree>
-      <p:nvGrpSpPr>
-        <p:cNvPr id="1" name=""/>
-        <p:cNvGrpSpPr/>
-        <p:nvPr/>
-      </p:nvGrpSpPr>
-      <p:grpSpPr>
-        <a:xfrm>
-          <a:off x="0" y="0"/>
-          <a:ext cx="0" cy="0"/>
-          <a:chOff x="0" y="0"/>
-          <a:chExt cx="0" cy="0"/>
-        </a:xfrm>
-      </p:grpSpPr>
-      <p:sp>
-        <p:nvSpPr>
-          <p:cNvPr id="2" name="Title 1"/>
-          <p:cNvSpPr>
-            <a:spLocks noGrp="1"/>
-          </p:cNvSpPr>
-          <p:nvPr>
-            <p:ph type="title"/>
-          </p:nvPr>
-        </p:nvSpPr>
-        <p:spPr/>
-        <p:txBody>
-          <a:bodyPr/>
-          <a:lstStyle/>
-          <a:p>
-            <a:r>
-              <a:rPr lang="en-GB" dirty="0" smtClean="0"/>
-              <a:t>Answer</a:t>
-            </a:r>
-            <a:endParaRPr lang="en-GB" dirty="0"/>
-          </a:p>
-        </p:txBody>
-      </p:sp>
-      <p:sp>
-        <p:nvSpPr>
-          <p:cNvPr id="3" name="Content Placeholder 2"/>
-          <p:cNvSpPr>
-            <a:spLocks noGrp="1"/>
-          </p:cNvSpPr>
-          <p:nvPr>
-            <p:ph idx="1"/>
-          </p:nvPr>
-        </p:nvSpPr>
-        <p:spPr>
-          <a:xfrm>
-            <a:off x="685800" y="1981200"/>
-            <a:ext cx="7772400" cy="4495800"/>
-          </a:xfrm>
-        </p:spPr>
-        <p:txBody>
-          <a:bodyPr>
-            <a:normAutofit fontScale="92500" lnSpcReduction="10000"/>
-          </a:bodyPr>
-          <a:lstStyle/>
-          <a:p>
-            <a:r>
-              <a:rPr lang="en-GB" dirty="0"/>
-              <a:t>Inheritance is one of the most powerful features of object oriented programming. Most important advantages of inheritance are</a:t>
-            </a:r>
-            <a:r>
-              <a:rPr lang="en-GB" dirty="0" smtClean="0"/>
-              <a:t>:</a:t>
-            </a:r>
-            <a:endParaRPr lang="en-GB" dirty="0"/>
-          </a:p>
-          <a:p>
-            <a:r>
-              <a:rPr lang="en-GB" dirty="0"/>
-              <a:t>Reusability </a:t>
-            </a:r>
-            <a:endParaRPr lang="en-GB" dirty="0" smtClean="0"/>
-          </a:p>
-          <a:p>
-            <a:r>
-              <a:rPr lang="en-GB" dirty="0" smtClean="0"/>
-              <a:t>Saves </a:t>
-            </a:r>
-            <a:r>
-              <a:rPr lang="en-GB" dirty="0"/>
-              <a:t>times and efforts </a:t>
-            </a:r>
-            <a:endParaRPr lang="en-GB" dirty="0" smtClean="0"/>
-          </a:p>
-          <a:p>
-            <a:r>
-              <a:rPr lang="en-GB" dirty="0" smtClean="0"/>
-              <a:t>Closeness </a:t>
-            </a:r>
-            <a:r>
-              <a:rPr lang="en-GB" dirty="0"/>
-              <a:t>with the real world </a:t>
-            </a:r>
-          </a:p>
-          <a:p>
-            <a:r>
-              <a:rPr lang="en-GB" dirty="0" smtClean="0"/>
-              <a:t>Easy </a:t>
-            </a:r>
-            <a:r>
-              <a:rPr lang="en-GB" dirty="0"/>
-              <a:t>modification </a:t>
-            </a:r>
-            <a:endParaRPr lang="en-GB" dirty="0" smtClean="0"/>
-          </a:p>
-          <a:p>
-            <a:r>
-              <a:rPr lang="en-GB" dirty="0" smtClean="0"/>
-              <a:t>Transitive </a:t>
-            </a:r>
-            <a:r>
-              <a:rPr lang="en-GB" dirty="0"/>
-              <a:t>Nature of </a:t>
-            </a:r>
-            <a:r>
-              <a:rPr lang="en-GB" dirty="0" smtClean="0"/>
-              <a:t>inheritance</a:t>
-            </a:r>
-            <a:endParaRPr lang="en-GB" dirty="0"/>
-          </a:p>
-        </p:txBody>
-      </p:sp>
-    </p:spTree>
-    <p:extLst>
-      <p:ext uri="{BB962C8B-B14F-4D97-AF65-F5344CB8AC3E}">
-        <p14:creationId xmlns:p14="http://schemas.microsoft.com/office/powerpoint/2010/main" val="1431457176"/>
-      </p:ext>
-    </p:extLst>
-  </p:cSld>
-  <p:clrMapOvr>
-    <a:masterClrMapping/>
-  </p:clrMapOvr>
-</p:sld>
-</file>
-
-<file path=ppt/slides/slide2.xml><?xml version="1.0" encoding="utf-8"?>
-<p:sld xmlns:a="http://schemas.openxmlformats.org/drawingml/2006/main" xmlns:r="http://schemas.openxmlformats.org/officeDocument/2006/relationships" xmlns:p="http://schemas.openxmlformats.org/presentationml/2006/main">
-  <p:cSld>
-    <p:spTree>
-      <p:nvGrpSpPr>
-        <p:cNvPr id="1" name=""/>
-        <p:cNvGrpSpPr/>
-        <p:nvPr/>
-      </p:nvGrpSpPr>
-      <p:grpSpPr>
-        <a:xfrm>
-          <a:off x="0" y="0"/>
-          <a:ext cx="0" cy="0"/>
-          <a:chOff x="0" y="0"/>
-          <a:chExt cx="0" cy="0"/>
-        </a:xfrm>
-      </p:grpSpPr>
-      <p:sp>
-        <p:nvSpPr>
-          <p:cNvPr id="10242" name="Rectangle 2"/>
-          <p:cNvSpPr>
-            <a:spLocks noGrp="1" noChangeArrowheads="1"/>
-          </p:cNvSpPr>
-          <p:nvPr>
-            <p:ph type="title"/>
-          </p:nvPr>
-        </p:nvSpPr>
-        <p:spPr/>
-        <p:txBody>
-          <a:bodyPr/>
-          <a:lstStyle/>
-          <a:p>
-            <a:pPr eaLnBrk="1" hangingPunct="1"/>
-            <a:r>
-              <a:rPr lang="en-US" altLang="en-US" smtClean="0"/>
-              <a:t>Outline</a:t>
-            </a:r>
-          </a:p>
-        </p:txBody>
-      </p:sp>
-      <p:sp>
-        <p:nvSpPr>
-          <p:cNvPr id="10243" name="Rectangle 3"/>
-          <p:cNvSpPr>
-            <a:spLocks noGrp="1" noChangeArrowheads="1"/>
-          </p:cNvSpPr>
-          <p:nvPr>
-            <p:ph idx="1"/>
-          </p:nvPr>
-        </p:nvSpPr>
-        <p:spPr>
-          <a:xfrm>
-            <a:off x="685800" y="1981200"/>
-            <a:ext cx="7924800" cy="4572000"/>
-          </a:xfrm>
-        </p:spPr>
-        <p:txBody>
-          <a:bodyPr/>
-          <a:lstStyle/>
-          <a:p>
-            <a:pPr eaLnBrk="1" hangingPunct="1"/>
-            <a:r>
-              <a:rPr lang="en-US" altLang="en-US" dirty="0" smtClean="0"/>
-              <a:t>Revision Questions</a:t>
-            </a:r>
-          </a:p>
-          <a:p>
-            <a:pPr eaLnBrk="1" hangingPunct="1"/>
-            <a:r>
-              <a:rPr lang="en-US" altLang="en-US" dirty="0" smtClean="0"/>
-              <a:t>Group Project</a:t>
-            </a:r>
-          </a:p>
-          <a:p>
-            <a:pPr lvl="1" eaLnBrk="1" hangingPunct="1"/>
-            <a:r>
-              <a:rPr lang="en-US" altLang="en-US" dirty="0" smtClean="0"/>
-              <a:t>Review Deliverables</a:t>
-            </a:r>
-          </a:p>
-          <a:p>
-            <a:pPr eaLnBrk="1" hangingPunct="1"/>
-            <a:r>
-              <a:rPr lang="en-US" altLang="en-US" dirty="0" smtClean="0"/>
-              <a:t>Example System Problem</a:t>
-            </a:r>
-          </a:p>
-          <a:p>
-            <a:pPr lvl="1" eaLnBrk="1" hangingPunct="1"/>
-            <a:r>
-              <a:rPr lang="en-US" altLang="en-US" dirty="0" smtClean="0"/>
-              <a:t>Case </a:t>
-            </a:r>
-            <a:r>
-              <a:rPr lang="en-US" altLang="en-US" smtClean="0"/>
-              <a:t>Studey</a:t>
-            </a:r>
-            <a:endParaRPr lang="en-US" altLang="en-US" dirty="0" smtClean="0"/>
-          </a:p>
-        </p:txBody>
-      </p:sp>
-    </p:spTree>
-  </p:cSld>
-  <p:clrMapOvr>
-    <a:masterClrMapping/>
-  </p:clrMapOvr>
-  <p:timing>
-    <p:tnLst>
-      <p:par>
-        <p:cTn id="1" dur="indefinite" restart="never" nodeType="tmRoot"/>
-      </p:par>
-    </p:tnLst>
-  </p:timing>
-</p:sld>
-</file>
-
-<file path=ppt/slides/slide20.xml><?xml version="1.0" encoding="utf-8"?>
-<p:sld xmlns:a="http://schemas.openxmlformats.org/drawingml/2006/main" xmlns:r="http://schemas.openxmlformats.org/officeDocument/2006/relationships" xmlns:p="http://schemas.openxmlformats.org/presentationml/2006/main">
-  <p:cSld>
-    <p:spTree>
-      <p:nvGrpSpPr>
-        <p:cNvPr id="1" name=""/>
-        <p:cNvGrpSpPr/>
-        <p:nvPr/>
-      </p:nvGrpSpPr>
-      <p:grpSpPr>
-        <a:xfrm>
-          <a:off x="0" y="0"/>
-          <a:ext cx="0" cy="0"/>
-          <a:chOff x="0" y="0"/>
-          <a:chExt cx="0" cy="0"/>
-        </a:xfrm>
-      </p:grpSpPr>
-      <p:sp>
-        <p:nvSpPr>
-          <p:cNvPr id="2" name="Title 1"/>
-          <p:cNvSpPr>
-            <a:spLocks noGrp="1"/>
-          </p:cNvSpPr>
-          <p:nvPr>
-            <p:ph type="title"/>
-          </p:nvPr>
-        </p:nvSpPr>
-        <p:spPr/>
-        <p:txBody>
-          <a:bodyPr/>
-          <a:lstStyle/>
-          <a:p>
-            <a:r>
-              <a:rPr lang="en-GB" dirty="0" smtClean="0"/>
-              <a:t>Question</a:t>
-            </a:r>
-            <a:endParaRPr lang="en-GB" dirty="0"/>
-          </a:p>
-        </p:txBody>
-      </p:sp>
-      <p:sp>
-        <p:nvSpPr>
-          <p:cNvPr id="3" name="Content Placeholder 2"/>
-          <p:cNvSpPr>
-            <a:spLocks noGrp="1"/>
-          </p:cNvSpPr>
-          <p:nvPr>
-            <p:ph idx="1"/>
-          </p:nvPr>
-        </p:nvSpPr>
-        <p:spPr/>
-        <p:txBody>
-          <a:bodyPr/>
-          <a:lstStyle/>
-          <a:p>
-            <a:r>
-              <a:rPr lang="en-GB" dirty="0"/>
-              <a:t>What do you mean by overloading of a function? When do you use this concept? Give an example of function overloading?</a:t>
-            </a:r>
-          </a:p>
-        </p:txBody>
-      </p:sp>
-    </p:spTree>
-    <p:extLst>
-      <p:ext uri="{BB962C8B-B14F-4D97-AF65-F5344CB8AC3E}">
-        <p14:creationId xmlns:p14="http://schemas.microsoft.com/office/powerpoint/2010/main" val="549163843"/>
-      </p:ext>
-    </p:extLst>
-  </p:cSld>
-  <p:clrMapOvr>
-    <a:masterClrMapping/>
-  </p:clrMapOvr>
-</p:sld>
-</file>
-
 <file path=ppt/slides/slide21.xml><?xml version="1.0" encoding="utf-8"?>
 <p:sld xmlns:a="http://schemas.openxmlformats.org/drawingml/2006/main" xmlns:r="http://schemas.openxmlformats.org/officeDocument/2006/relationships" xmlns:p="http://schemas.openxmlformats.org/presentationml/2006/main">
   <p:cSld>
@@ -5127,200 +5114,102 @@
             <p:ph type="title"/>
           </p:nvPr>
         </p:nvSpPr>
+        <p:spPr/>
+        <p:txBody>
+          <a:bodyPr/>
+          <a:lstStyle/>
+          <a:p>
+            <a:r>
+              <a:rPr lang="en-GB" dirty="0" smtClean="0"/>
+              <a:t>Answer</a:t>
+            </a:r>
+            <a:endParaRPr lang="en-GB" dirty="0"/>
+          </a:p>
+        </p:txBody>
+      </p:sp>
+      <p:sp>
+        <p:nvSpPr>
+          <p:cNvPr id="3" name="Content Placeholder 2"/>
+          <p:cNvSpPr>
+            <a:spLocks noGrp="1"/>
+          </p:cNvSpPr>
+          <p:nvPr>
+            <p:ph idx="1"/>
+          </p:nvPr>
+        </p:nvSpPr>
         <p:spPr>
           <a:xfrm>
-            <a:off x="685800" y="76200"/>
-            <a:ext cx="7772400" cy="1143000"/>
+            <a:off x="685800" y="1981200"/>
+            <a:ext cx="7772400" cy="4495800"/>
           </a:xfrm>
         </p:spPr>
         <p:txBody>
-          <a:bodyPr/>
-          <a:lstStyle/>
-          <a:p>
-            <a:r>
-              <a:rPr lang="en-GB" dirty="0" smtClean="0"/>
-              <a:t>Answer</a:t>
+          <a:bodyPr>
+            <a:normAutofit fontScale="92500" lnSpcReduction="10000"/>
+          </a:bodyPr>
+          <a:lstStyle/>
+          <a:p>
+            <a:r>
+              <a:rPr lang="en-GB" dirty="0"/>
+              <a:t>Inheritance is one of the most powerful features of object oriented programming. Most important advantages of inheritance are</a:t>
+            </a:r>
+            <a:r>
+              <a:rPr lang="en-GB" dirty="0" smtClean="0"/>
+              <a:t>:</a:t>
             </a:r>
             <a:endParaRPr lang="en-GB" dirty="0"/>
           </a:p>
-        </p:txBody>
-      </p:sp>
-      <p:sp>
-        <p:nvSpPr>
-          <p:cNvPr id="3" name="Content Placeholder 2"/>
-          <p:cNvSpPr>
-            <a:spLocks noGrp="1"/>
-          </p:cNvSpPr>
-          <p:nvPr>
-            <p:ph idx="1"/>
-          </p:nvPr>
-        </p:nvSpPr>
-        <p:spPr>
-          <a:xfrm>
-            <a:off x="677333" y="1244600"/>
-            <a:ext cx="7772400" cy="4927600"/>
-          </a:xfrm>
-        </p:spPr>
-        <p:txBody>
-          <a:bodyPr>
-            <a:normAutofit fontScale="77500" lnSpcReduction="20000"/>
-          </a:bodyPr>
-          <a:lstStyle/>
           <a:p>
             <a:r>
               <a:rPr lang="en-GB" dirty="0"/>
-              <a:t>Function overloading is a technique where </a:t>
-            </a:r>
-            <a:r>
-              <a:rPr lang="en-GB" dirty="0">
-                <a:solidFill>
-                  <a:srgbClr val="FF0000"/>
-                </a:solidFill>
-              </a:rPr>
-              <a:t>several function declarations </a:t>
+              <a:t>Reusability </a:t>
+            </a:r>
+            <a:endParaRPr lang="en-GB" dirty="0" smtClean="0"/>
+          </a:p>
+          <a:p>
+            <a:r>
+              <a:rPr lang="en-GB" dirty="0" smtClean="0"/>
+              <a:t>Saves </a:t>
             </a:r>
             <a:r>
               <a:rPr lang="en-GB" dirty="0"/>
-              <a:t>are specified with a </a:t>
-            </a:r>
-            <a:r>
-              <a:rPr lang="en-GB" dirty="0">
-                <a:solidFill>
-                  <a:srgbClr val="FF0000"/>
-                </a:solidFill>
-              </a:rPr>
-              <a:t>same name </a:t>
+              <a:t>times and efforts </a:t>
+            </a:r>
+            <a:endParaRPr lang="en-GB" dirty="0" smtClean="0"/>
+          </a:p>
+          <a:p>
+            <a:r>
+              <a:rPr lang="en-GB" dirty="0" smtClean="0"/>
+              <a:t>Closeness </a:t>
             </a:r>
             <a:r>
               <a:rPr lang="en-GB" dirty="0"/>
-              <a:t>that can perform similar tasks, but on different data </a:t>
-            </a:r>
-            <a:r>
-              <a:rPr lang="en-GB" dirty="0" smtClean="0"/>
-              <a:t>types (</a:t>
+              <a:t>with the real world </a:t>
+            </a:r>
+          </a:p>
+          <a:p>
+            <a:r>
+              <a:rPr lang="en-GB" dirty="0" smtClean="0"/>
+              <a:t>Easy </a:t>
             </a:r>
             <a:r>
               <a:rPr lang="en-GB" dirty="0"/>
-              <a:t>distinguished by their number and type of arguments</a:t>
-            </a:r>
-            <a:r>
-              <a:rPr lang="en-GB" dirty="0" smtClean="0"/>
-              <a:t>)</a:t>
-            </a:r>
-          </a:p>
-          <a:p>
-            <a:endParaRPr lang="en-GB" dirty="0"/>
-          </a:p>
-          <a:p>
-            <a:r>
-              <a:rPr lang="en-GB" dirty="0" smtClean="0"/>
-              <a:t>Example</a:t>
-            </a:r>
-          </a:p>
-          <a:p>
-            <a:pPr marL="0" indent="0">
-              <a:buNone/>
-            </a:pPr>
-            <a:r>
-              <a:rPr lang="en-GB" dirty="0" err="1"/>
-              <a:t>int</a:t>
+              <a:t>modification </a:t>
+            </a:r>
+            <a:endParaRPr lang="en-GB" dirty="0" smtClean="0"/>
+          </a:p>
+          <a:p>
+            <a:r>
+              <a:rPr lang="en-GB" dirty="0" smtClean="0"/>
+              <a:t>Transitive </a:t>
             </a:r>
             <a:r>
               <a:rPr lang="en-GB" dirty="0"/>
-              <a:t> add (</a:t>
-            </a:r>
-            <a:r>
-              <a:rPr lang="en-GB" dirty="0" err="1"/>
-              <a:t>int</a:t>
-            </a:r>
-            <a:r>
-              <a:rPr lang="en-GB" dirty="0"/>
-              <a:t> a, </a:t>
-            </a:r>
-            <a:r>
-              <a:rPr lang="en-GB" dirty="0" err="1"/>
-              <a:t>int</a:t>
-            </a:r>
-            <a:r>
-              <a:rPr lang="en-GB" dirty="0"/>
-              <a:t> b);</a:t>
-            </a:r>
-          </a:p>
-          <a:p>
-            <a:pPr marL="0" indent="0">
-              <a:buNone/>
-            </a:pPr>
-            <a:r>
-              <a:rPr lang="en-GB" dirty="0" err="1"/>
-              <a:t>int</a:t>
-            </a:r>
-            <a:r>
-              <a:rPr lang="en-GB" dirty="0"/>
-              <a:t> add (</a:t>
-            </a:r>
-            <a:r>
-              <a:rPr lang="en-GB" dirty="0" err="1"/>
-              <a:t>int</a:t>
-            </a:r>
-            <a:r>
-              <a:rPr lang="en-GB" dirty="0"/>
-              <a:t> a, </a:t>
-            </a:r>
-            <a:r>
-              <a:rPr lang="en-GB" dirty="0" err="1"/>
-              <a:t>int</a:t>
-            </a:r>
-            <a:r>
-              <a:rPr lang="en-GB" dirty="0"/>
-              <a:t> b, </a:t>
-            </a:r>
-            <a:r>
-              <a:rPr lang="en-GB" dirty="0" err="1"/>
-              <a:t>int</a:t>
-            </a:r>
-            <a:r>
-              <a:rPr lang="en-GB" dirty="0"/>
-              <a:t> c);</a:t>
-            </a:r>
-          </a:p>
-          <a:p>
-            <a:pPr marL="0" indent="0">
-              <a:buNone/>
-            </a:pPr>
-            <a:r>
-              <a:rPr lang="en-GB" dirty="0"/>
-              <a:t>float add (float a, float b</a:t>
-            </a:r>
-            <a:r>
-              <a:rPr lang="en-GB" dirty="0" smtClean="0"/>
-              <a:t>);</a:t>
-            </a:r>
-          </a:p>
-          <a:p>
-            <a:pPr marL="0" indent="0">
-              <a:buNone/>
-            </a:pPr>
-            <a:endParaRPr lang="en-GB" dirty="0"/>
-          </a:p>
-          <a:p>
-            <a:pPr marL="0" indent="0">
-              <a:buNone/>
-            </a:pPr>
-            <a:r>
-              <a:rPr lang="en-GB" dirty="0"/>
-              <a:t>Hence, overloaded </a:t>
-            </a:r>
-            <a:r>
-              <a:rPr lang="en-GB" dirty="0" smtClean="0"/>
-              <a:t>functions perform </a:t>
-            </a:r>
-            <a:r>
-              <a:rPr lang="en-GB" dirty="0"/>
-              <a:t>different activities depending upon the kind of data sent to </a:t>
-            </a:r>
-            <a:r>
-              <a:rPr lang="en-GB" dirty="0" smtClean="0"/>
-              <a:t>them</a:t>
+              <a:t>Nature of </a:t>
+            </a:r>
+            <a:r>
+              <a:rPr lang="en-GB" dirty="0" smtClean="0"/>
+              <a:t>inheritance</a:t>
             </a:r>
             <a:endParaRPr lang="en-GB" dirty="0"/>
           </a:p>
@@ -5329,7 +5218,7 @@
     </p:spTree>
     <p:extLst>
       <p:ext uri="{BB962C8B-B14F-4D97-AF65-F5344CB8AC3E}">
-        <p14:creationId xmlns:p14="http://schemas.microsoft.com/office/powerpoint/2010/main" val="1228461210"/>
+        <p14:creationId xmlns:p14="http://schemas.microsoft.com/office/powerpoint/2010/main" val="1431457176"/>
       </p:ext>
     </p:extLst>
   </p:cSld>
@@ -5395,12 +5284,8 @@
           <a:lstStyle/>
           <a:p>
             <a:r>
-              <a:rPr lang="en-GB" dirty="0" smtClean="0"/>
-              <a:t>List the </a:t>
-            </a:r>
-            <a:r>
               <a:rPr lang="en-GB" dirty="0"/>
-              <a:t>difference between Polymorphism and Overloading?</a:t>
+              <a:t>What do you mean by overloading of a function? When do you use this concept? Give an example of function overloading?</a:t>
             </a:r>
           </a:p>
         </p:txBody>
@@ -5408,7 +5293,7 @@
     </p:spTree>
     <p:extLst>
       <p:ext uri="{BB962C8B-B14F-4D97-AF65-F5344CB8AC3E}">
-        <p14:creationId xmlns:p14="http://schemas.microsoft.com/office/powerpoint/2010/main" val="2310068441"/>
+        <p14:creationId xmlns:p14="http://schemas.microsoft.com/office/powerpoint/2010/main" val="549163843"/>
       </p:ext>
     </p:extLst>
   </p:cSld>
@@ -5447,7 +5332,7 @@
         </p:nvSpPr>
         <p:spPr>
           <a:xfrm>
-            <a:off x="685800" y="152400"/>
+            <a:off x="685800" y="76200"/>
             <a:ext cx="7772400" cy="1143000"/>
           </a:xfrm>
         </p:spPr>
@@ -5470,24 +5355,69 @@
             <a:spLocks noGrp="1"/>
           </p:cNvSpPr>
           <p:nvPr>
-            <p:ph sz="half" idx="1"/>
+            <p:ph idx="1"/>
           </p:nvPr>
         </p:nvSpPr>
         <p:spPr>
           <a:xfrm>
-            <a:off x="685800" y="1524000"/>
-            <a:ext cx="3810000" cy="4724400"/>
+            <a:off x="677333" y="1244600"/>
+            <a:ext cx="7772400" cy="4927600"/>
           </a:xfrm>
         </p:spPr>
         <p:txBody>
           <a:bodyPr>
-            <a:normAutofit lnSpcReduction="10000"/>
+            <a:normAutofit fontScale="77500" lnSpcReduction="20000"/>
           </a:bodyPr>
           <a:lstStyle/>
           <a:p>
             <a:r>
-              <a:rPr lang="en-GB" dirty="0" smtClean="0"/>
-              <a:t>Polymorphism</a:t>
+              <a:rPr lang="en-GB" dirty="0"/>
+              <a:t>Function overloading is a technique where </a:t>
+            </a:r>
+            <a:r>
+              <a:rPr lang="en-GB" dirty="0">
+                <a:solidFill>
+                  <a:srgbClr val="FF0000"/>
+                </a:solidFill>
+              </a:rPr>
+              <a:t>several function declarations </a:t>
+            </a:r>
+            <a:r>
+              <a:rPr lang="en-GB" dirty="0"/>
+              <a:t>are specified with a </a:t>
+            </a:r>
+            <a:r>
+              <a:rPr lang="en-GB" dirty="0">
+                <a:solidFill>
+                  <a:srgbClr val="FF0000"/>
+                </a:solidFill>
+              </a:rPr>
+              <a:t>same name </a:t>
+            </a:r>
+            <a:r>
+              <a:rPr lang="en-GB" dirty="0"/>
+              <a:t>that can perform similar tasks, but on different data </a:t>
+            </a:r>
+            <a:r>
+              <a:rPr lang="en-GB" dirty="0" smtClean="0"/>
+              <a:t>types (</a:t>
+            </a:r>
+            <a:r>
+              <a:rPr lang="en-GB" dirty="0"/>
+              <a:t>distinguished by their number and type of arguments</a:t>
+            </a:r>
+            <a:r>
+              <a:rPr lang="en-GB" dirty="0" smtClean="0"/>
+              <a:t>)</a:t>
+            </a:r>
+          </a:p>
+          <a:p>
+            <a:endParaRPr lang="en-GB" dirty="0"/>
+          </a:p>
+          <a:p>
+            <a:r>
+              <a:rPr lang="en-GB" dirty="0" smtClean="0"/>
+              <a:t>Example</a:t>
             </a:r>
           </a:p>
           <a:p>
@@ -5495,12 +5425,28 @@
               <a:buNone/>
             </a:pPr>
             <a:r>
-              <a:rPr lang="en-GB" sz="2400" dirty="0"/>
-              <a:t>Polymorphism is an important concept of OOPS</a:t>
-            </a:r>
-            <a:r>
-              <a:rPr lang="en-GB" sz="2400" dirty="0" smtClean="0"/>
-              <a:t>.</a:t>
+              <a:rPr lang="en-GB" dirty="0" err="1"/>
+              <a:t>int</a:t>
+            </a:r>
+            <a:r>
+              <a:rPr lang="en-GB" dirty="0"/>
+              <a:t> add (</a:t>
+            </a:r>
+            <a:r>
+              <a:rPr lang="en-GB" dirty="0" err="1"/>
+              <a:t>int</a:t>
+            </a:r>
+            <a:r>
+              <a:rPr lang="en-GB" dirty="0"/>
+              <a:t> a, </a:t>
+            </a:r>
+            <a:r>
+              <a:rPr lang="en-GB" dirty="0" err="1"/>
+              <a:t>int</a:t>
+            </a:r>
+            <a:r>
+              <a:rPr lang="en-GB" dirty="0"/>
+              <a:t> b);</a:t>
             </a:r>
           </a:p>
           <a:p>
@@ -5508,12 +5454,36 @@
               <a:buNone/>
             </a:pPr>
             <a:r>
-              <a:rPr lang="en-GB" sz="2400" dirty="0"/>
-              <a:t>Polymorphism means ability of one object to take many different forms</a:t>
-            </a:r>
-            <a:r>
-              <a:rPr lang="en-GB" sz="2400" dirty="0" smtClean="0"/>
-              <a:t>.</a:t>
+              <a:rPr lang="en-GB" dirty="0" err="1"/>
+              <a:t>int</a:t>
+            </a:r>
+            <a:r>
+              <a:rPr lang="en-GB" dirty="0"/>
+              <a:t> add (</a:t>
+            </a:r>
+            <a:r>
+              <a:rPr lang="en-GB" dirty="0" err="1"/>
+              <a:t>int</a:t>
+            </a:r>
+            <a:r>
+              <a:rPr lang="en-GB" dirty="0"/>
+              <a:t> a, </a:t>
+            </a:r>
+            <a:r>
+              <a:rPr lang="en-GB" dirty="0" err="1"/>
+              <a:t>int</a:t>
+            </a:r>
+            <a:r>
+              <a:rPr lang="en-GB" dirty="0"/>
+              <a:t> b, </a:t>
+            </a:r>
+            <a:r>
+              <a:rPr lang="en-GB" dirty="0" err="1"/>
+              <a:t>int</a:t>
+            </a:r>
+            <a:r>
+              <a:rPr lang="en-GB" dirty="0"/>
+              <a:t> c);</a:t>
             </a:r>
           </a:p>
           <a:p>
@@ -5521,100 +5491,48 @@
               <a:buNone/>
             </a:pPr>
             <a:r>
-              <a:rPr lang="en-GB" sz="2400" dirty="0" smtClean="0"/>
-              <a:t>Two main types </a:t>
-            </a:r>
-            <a:r>
-              <a:rPr lang="en-GB" sz="2400" dirty="0"/>
-              <a:t>of polymorphism:</a:t>
+              <a:rPr lang="en-GB" dirty="0"/>
+              <a:t>float add (float a, float b</a:t>
+            </a:r>
+            <a:r>
+              <a:rPr lang="en-GB" dirty="0" smtClean="0"/>
+              <a:t>);</a:t>
             </a:r>
           </a:p>
           <a:p>
             <a:pPr marL="0" indent="0">
               <a:buNone/>
             </a:pPr>
-            <a:r>
-              <a:rPr lang="en-GB" sz="2400" dirty="0"/>
-              <a:t>Runtime </a:t>
-            </a:r>
-            <a:r>
-              <a:rPr lang="en-GB" sz="2400" dirty="0" smtClean="0"/>
-              <a:t>polymorphism</a:t>
-            </a:r>
-            <a:endParaRPr lang="en-GB" sz="2400" dirty="0"/>
+            <a:endParaRPr lang="en-GB" dirty="0"/>
           </a:p>
           <a:p>
             <a:pPr marL="0" indent="0">
               <a:buNone/>
             </a:pPr>
             <a:r>
-              <a:rPr lang="en-GB" sz="2400" dirty="0"/>
-              <a:t>Compile </a:t>
-            </a:r>
-            <a:r>
-              <a:rPr lang="en-GB" sz="2400" dirty="0" smtClean="0"/>
-              <a:t>time polymorphism</a:t>
-            </a:r>
-            <a:endParaRPr lang="en-GB" sz="2400" dirty="0"/>
-          </a:p>
-        </p:txBody>
-      </p:sp>
-      <p:sp>
-        <p:nvSpPr>
-          <p:cNvPr id="4" name="Content Placeholder 3"/>
-          <p:cNvSpPr>
-            <a:spLocks noGrp="1"/>
-          </p:cNvSpPr>
-          <p:nvPr>
-            <p:ph sz="half" idx="2"/>
-          </p:nvPr>
-        </p:nvSpPr>
-        <p:spPr>
-          <a:xfrm>
-            <a:off x="4648200" y="1524000"/>
-            <a:ext cx="3810000" cy="4114800"/>
-          </a:xfrm>
-        </p:spPr>
-        <p:txBody>
-          <a:bodyPr>
-            <a:normAutofit lnSpcReduction="10000"/>
-          </a:bodyPr>
-          <a:lstStyle/>
-          <a:p>
-            <a:r>
-              <a:rPr lang="en-GB" dirty="0" smtClean="0"/>
-              <a:t>Overloading</a:t>
-            </a:r>
-          </a:p>
-          <a:p>
-            <a:pPr marL="0" indent="0">
-              <a:buNone/>
-            </a:pPr>
-            <a:r>
-              <a:rPr lang="en-GB" sz="2400" dirty="0"/>
-              <a:t>Overloading is the mechanism to implement </a:t>
-            </a:r>
-            <a:r>
-              <a:rPr lang="en-GB" sz="2400" dirty="0" smtClean="0"/>
-              <a:t>polymorphism.</a:t>
-            </a:r>
-            <a:endParaRPr lang="en-GB" sz="2400" dirty="0"/>
-          </a:p>
-          <a:p>
-            <a:pPr marL="0" indent="0">
-              <a:buNone/>
-            </a:pPr>
-            <a:r>
-              <a:rPr lang="en-GB" sz="2400" dirty="0" smtClean="0"/>
-              <a:t>Overloading is the mechanism to use the same thing for different purposes.</a:t>
-            </a:r>
+              <a:rPr lang="en-GB" dirty="0"/>
+              <a:t>Hence, overloaded </a:t>
+            </a:r>
+            <a:r>
+              <a:rPr lang="en-GB" dirty="0" smtClean="0"/>
+              <a:t>functions perform </a:t>
+            </a:r>
+            <a:r>
+              <a:rPr lang="en-GB" dirty="0"/>
+              <a:t>different activities depending upon the kind of data sent to </a:t>
+            </a:r>
+            <a:r>
+              <a:rPr lang="en-GB" dirty="0" smtClean="0"/>
+              <a:t>them</a:t>
+            </a:r>
+            <a:endParaRPr lang="en-GB" dirty="0"/>
           </a:p>
         </p:txBody>
       </p:sp>
     </p:spTree>
     <p:extLst>
       <p:ext uri="{BB962C8B-B14F-4D97-AF65-F5344CB8AC3E}">
-        <p14:creationId xmlns:p14="http://schemas.microsoft.com/office/powerpoint/2010/main" val="1690002108"/>
+        <p14:creationId xmlns:p14="http://schemas.microsoft.com/office/powerpoint/2010/main" val="1228461210"/>
       </p:ext>
     </p:extLst>
   </p:cSld>
@@ -5657,10 +5575,10 @@
           <a:lstStyle/>
           <a:p>
             <a:r>
-              <a:rPr lang="en-US" dirty="0" smtClean="0"/>
+              <a:rPr lang="en-GB" dirty="0" smtClean="0"/>
               <a:t>Question</a:t>
             </a:r>
-            <a:endParaRPr lang="en-US" dirty="0"/>
+            <a:endParaRPr lang="en-GB" dirty="0"/>
           </a:p>
         </p:txBody>
       </p:sp>
@@ -5680,61 +5598,22 @@
           <a:lstStyle/>
           <a:p>
             <a:r>
-              <a:rPr lang="en-US" dirty="0" smtClean="0"/>
-              <a:t>Which development approach </a:t>
-            </a:r>
-            <a:r>
-              <a:rPr lang="en-US" smtClean="0"/>
-              <a:t>is the waterfall </a:t>
-            </a:r>
-            <a:r>
-              <a:rPr lang="en-US" dirty="0" smtClean="0"/>
-              <a:t>model?</a:t>
-            </a:r>
-          </a:p>
-          <a:p>
-            <a:endParaRPr lang="en-US" dirty="0" smtClean="0"/>
-          </a:p>
-          <a:p>
-            <a:pPr>
-              <a:buNone/>
-            </a:pPr>
-            <a:r>
-              <a:rPr lang="en-US" dirty="0" smtClean="0"/>
-              <a:t>a) incremental development approach</a:t>
-            </a:r>
-          </a:p>
-          <a:p>
-            <a:pPr>
-              <a:buNone/>
-            </a:pPr>
-            <a:r>
-              <a:rPr lang="en-US" dirty="0" smtClean="0"/>
-              <a:t>b) iterative development approach</a:t>
-            </a:r>
-          </a:p>
-          <a:p>
-            <a:pPr>
-              <a:buNone/>
-            </a:pPr>
-            <a:r>
-              <a:rPr lang="en-US" dirty="0" smtClean="0"/>
-              <a:t>c) static development approach</a:t>
-            </a:r>
-          </a:p>
-          <a:p>
-            <a:pPr>
-              <a:buNone/>
-            </a:pPr>
-            <a:r>
-              <a:rPr lang="en-US" dirty="0" smtClean="0"/>
-              <a:t>d) behavioral development approach</a:t>
-            </a:r>
-            <a:endParaRPr lang="en-US" dirty="0"/>
+              <a:rPr lang="en-GB" dirty="0" smtClean="0"/>
+              <a:t>List the </a:t>
+            </a:r>
+            <a:r>
+              <a:rPr lang="en-GB" dirty="0"/>
+              <a:t>difference between Polymorphism and Overloading?</a:t>
+            </a:r>
           </a:p>
         </p:txBody>
       </p:sp>
     </p:spTree>
+    <p:extLst>
+      <p:ext uri="{BB962C8B-B14F-4D97-AF65-F5344CB8AC3E}">
+        <p14:creationId xmlns:p14="http://schemas.microsoft.com/office/powerpoint/2010/main" val="2310068441"/>
+      </p:ext>
+    </p:extLst>
   </p:cSld>
   <p:clrMapOvr>
     <a:masterClrMapping/>
@@ -5769,6 +5648,212 @@
             <p:ph type="title"/>
           </p:nvPr>
         </p:nvSpPr>
+        <p:spPr>
+          <a:xfrm>
+            <a:off x="685800" y="152400"/>
+            <a:ext cx="7772400" cy="1143000"/>
+          </a:xfrm>
+        </p:spPr>
+        <p:txBody>
+          <a:bodyPr/>
+          <a:lstStyle/>
+          <a:p>
+            <a:r>
+              <a:rPr lang="en-GB" dirty="0" smtClean="0"/>
+              <a:t>Answer</a:t>
+            </a:r>
+            <a:endParaRPr lang="en-GB" dirty="0"/>
+          </a:p>
+        </p:txBody>
+      </p:sp>
+      <p:sp>
+        <p:nvSpPr>
+          <p:cNvPr id="3" name="Content Placeholder 2"/>
+          <p:cNvSpPr>
+            <a:spLocks noGrp="1"/>
+          </p:cNvSpPr>
+          <p:nvPr>
+            <p:ph sz="half" idx="1"/>
+          </p:nvPr>
+        </p:nvSpPr>
+        <p:spPr>
+          <a:xfrm>
+            <a:off x="685800" y="1524000"/>
+            <a:ext cx="3810000" cy="4724400"/>
+          </a:xfrm>
+        </p:spPr>
+        <p:txBody>
+          <a:bodyPr>
+            <a:normAutofit lnSpcReduction="10000"/>
+          </a:bodyPr>
+          <a:lstStyle/>
+          <a:p>
+            <a:r>
+              <a:rPr lang="en-GB" dirty="0" smtClean="0"/>
+              <a:t>Polymorphism</a:t>
+            </a:r>
+          </a:p>
+          <a:p>
+            <a:pPr marL="0" indent="0">
+              <a:buNone/>
+            </a:pPr>
+            <a:r>
+              <a:rPr lang="en-GB" sz="2400" dirty="0"/>
+              <a:t>Polymorphism is an important concept of OOPS</a:t>
+            </a:r>
+            <a:r>
+              <a:rPr lang="en-GB" sz="2400" dirty="0" smtClean="0"/>
+              <a:t>.</a:t>
+            </a:r>
+          </a:p>
+          <a:p>
+            <a:pPr marL="0" indent="0">
+              <a:buNone/>
+            </a:pPr>
+            <a:r>
+              <a:rPr lang="en-GB" sz="2400" dirty="0"/>
+              <a:t>Polymorphism means ability of one object to take many different forms</a:t>
+            </a:r>
+            <a:r>
+              <a:rPr lang="en-GB" sz="2400" dirty="0" smtClean="0"/>
+              <a:t>.</a:t>
+            </a:r>
+          </a:p>
+          <a:p>
+            <a:pPr marL="0" indent="0">
+              <a:buNone/>
+            </a:pPr>
+            <a:r>
+              <a:rPr lang="en-GB" sz="2400" dirty="0" smtClean="0"/>
+              <a:t>Two main types </a:t>
+            </a:r>
+            <a:r>
+              <a:rPr lang="en-GB" sz="2400" dirty="0"/>
+              <a:t>of polymorphism:</a:t>
+            </a:r>
+          </a:p>
+          <a:p>
+            <a:pPr marL="0" indent="0">
+              <a:buNone/>
+            </a:pPr>
+            <a:r>
+              <a:rPr lang="en-GB" sz="2400" dirty="0"/>
+              <a:t>Runtime </a:t>
+            </a:r>
+            <a:r>
+              <a:rPr lang="en-GB" sz="2400" dirty="0" smtClean="0"/>
+              <a:t>polymorphism</a:t>
+            </a:r>
+            <a:endParaRPr lang="en-GB" sz="2400" dirty="0"/>
+          </a:p>
+          <a:p>
+            <a:pPr marL="0" indent="0">
+              <a:buNone/>
+            </a:pPr>
+            <a:r>
+              <a:rPr lang="en-GB" sz="2400" dirty="0"/>
+              <a:t>Compile </a:t>
+            </a:r>
+            <a:r>
+              <a:rPr lang="en-GB" sz="2400" dirty="0" smtClean="0"/>
+              <a:t>time polymorphism</a:t>
+            </a:r>
+            <a:endParaRPr lang="en-GB" sz="2400" dirty="0"/>
+          </a:p>
+        </p:txBody>
+      </p:sp>
+      <p:sp>
+        <p:nvSpPr>
+          <p:cNvPr id="4" name="Content Placeholder 3"/>
+          <p:cNvSpPr>
+            <a:spLocks noGrp="1"/>
+          </p:cNvSpPr>
+          <p:nvPr>
+            <p:ph sz="half" idx="2"/>
+          </p:nvPr>
+        </p:nvSpPr>
+        <p:spPr>
+          <a:xfrm>
+            <a:off x="4648200" y="1524000"/>
+            <a:ext cx="3810000" cy="4114800"/>
+          </a:xfrm>
+        </p:spPr>
+        <p:txBody>
+          <a:bodyPr>
+            <a:normAutofit lnSpcReduction="10000"/>
+          </a:bodyPr>
+          <a:lstStyle/>
+          <a:p>
+            <a:r>
+              <a:rPr lang="en-GB" dirty="0" smtClean="0"/>
+              <a:t>Overloading</a:t>
+            </a:r>
+          </a:p>
+          <a:p>
+            <a:pPr marL="0" indent="0">
+              <a:buNone/>
+            </a:pPr>
+            <a:r>
+              <a:rPr lang="en-GB" sz="2400" dirty="0"/>
+              <a:t>Overloading is the mechanism to implement </a:t>
+            </a:r>
+            <a:r>
+              <a:rPr lang="en-GB" sz="2400" dirty="0" smtClean="0"/>
+              <a:t>polymorphism.</a:t>
+            </a:r>
+            <a:endParaRPr lang="en-GB" sz="2400" dirty="0"/>
+          </a:p>
+          <a:p>
+            <a:pPr marL="0" indent="0">
+              <a:buNone/>
+            </a:pPr>
+            <a:r>
+              <a:rPr lang="en-GB" sz="2400" dirty="0" smtClean="0"/>
+              <a:t>Overloading is the mechanism to use the same thing for different purposes.</a:t>
+            </a:r>
+          </a:p>
+        </p:txBody>
+      </p:sp>
+    </p:spTree>
+    <p:extLst>
+      <p:ext uri="{BB962C8B-B14F-4D97-AF65-F5344CB8AC3E}">
+        <p14:creationId xmlns:p14="http://schemas.microsoft.com/office/powerpoint/2010/main" val="1690002108"/>
+      </p:ext>
+    </p:extLst>
+  </p:cSld>
+  <p:clrMapOvr>
+    <a:masterClrMapping/>
+  </p:clrMapOvr>
+</p:sld>
+</file>
+
+<file path=ppt/slides/slide26.xml><?xml version="1.0" encoding="utf-8"?>
+<p:sld xmlns:a="http://schemas.openxmlformats.org/drawingml/2006/main" xmlns:r="http://schemas.openxmlformats.org/officeDocument/2006/relationships" xmlns:p="http://schemas.openxmlformats.org/presentationml/2006/main">
+  <p:cSld>
+    <p:spTree>
+      <p:nvGrpSpPr>
+        <p:cNvPr id="1" name=""/>
+        <p:cNvGrpSpPr/>
+        <p:nvPr/>
+      </p:nvGrpSpPr>
+      <p:grpSpPr>
+        <a:xfrm>
+          <a:off x="0" y="0"/>
+          <a:ext cx="0" cy="0"/>
+          <a:chOff x="0" y="0"/>
+          <a:chExt cx="0" cy="0"/>
+        </a:xfrm>
+      </p:grpSpPr>
+      <p:sp>
+        <p:nvSpPr>
+          <p:cNvPr id="2" name="Title 1"/>
+          <p:cNvSpPr>
+            <a:spLocks noGrp="1"/>
+          </p:cNvSpPr>
+          <p:nvPr>
+            <p:ph type="title"/>
+          </p:nvPr>
+        </p:nvSpPr>
         <p:spPr/>
         <p:txBody>
           <a:bodyPr/>
@@ -5776,7 +5861,7 @@
           <a:p>
             <a:r>
               <a:rPr lang="en-US" dirty="0" smtClean="0"/>
-              <a:t>Answer</a:t>
+              <a:t>Question</a:t>
             </a:r>
             <a:endParaRPr lang="en-US" dirty="0"/>
           </a:p>
@@ -5797,12 +5882,57 @@
           <a:bodyPr/>
           <a:lstStyle/>
           <a:p>
+            <a:r>
+              <a:rPr lang="en-US" dirty="0" smtClean="0"/>
+              <a:t>Which development approach </a:t>
+            </a:r>
+            <a:r>
+              <a:rPr lang="en-US" smtClean="0"/>
+              <a:t>is the waterfall </a:t>
+            </a:r>
+            <a:r>
+              <a:rPr lang="en-US" dirty="0" smtClean="0"/>
+              <a:t>model?</a:t>
+            </a:r>
+          </a:p>
+          <a:p>
+            <a:endParaRPr lang="en-US" dirty="0" smtClean="0"/>
+          </a:p>
+          <a:p>
+            <a:pPr>
+              <a:buNone/>
+            </a:pPr>
             <a:r>
               <a:rPr lang="en-US" dirty="0" smtClean="0"/>
               <a:t>a) incremental development approach</a:t>
             </a:r>
           </a:p>
           <a:p>
+            <a:pPr>
+              <a:buNone/>
+            </a:pPr>
+            <a:r>
+              <a:rPr lang="en-US" dirty="0" smtClean="0"/>
+              <a:t>b) iterative development approach</a:t>
+            </a:r>
+          </a:p>
+          <a:p>
+            <a:pPr>
+              <a:buNone/>
+            </a:pPr>
+            <a:r>
+              <a:rPr lang="en-US" dirty="0" smtClean="0"/>
+              <a:t>c) static development approach</a:t>
+            </a:r>
+          </a:p>
+          <a:p>
+            <a:pPr>
+              <a:buNone/>
+            </a:pPr>
+            <a:r>
+              <a:rPr lang="en-US" dirty="0" smtClean="0"/>
+              <a:t>d) behavioral development approach</a:t>
+            </a:r>
             <a:endParaRPr lang="en-US" dirty="0"/>
           </a:p>
         </p:txBody>
@@ -5815,7 +5945,80 @@
 </p:sld>
 </file>
 
-<file path=ppt/slides/slide26.xml><?xml version="1.0" encoding="utf-8"?>
+<file path=ppt/slides/slide27.xml><?xml version="1.0" encoding="utf-8"?>
+<p:sld xmlns:a="http://schemas.openxmlformats.org/drawingml/2006/main" xmlns:r="http://schemas.openxmlformats.org/officeDocument/2006/relationships" xmlns:p="http://schemas.openxmlformats.org/presentationml/2006/main">
+  <p:cSld>
+    <p:spTree>
+      <p:nvGrpSpPr>
+        <p:cNvPr id="1" name=""/>
+        <p:cNvGrpSpPr/>
+        <p:nvPr/>
+      </p:nvGrpSpPr>
+      <p:grpSpPr>
+        <a:xfrm>
+          <a:off x="0" y="0"/>
+          <a:ext cx="0" cy="0"/>
+          <a:chOff x="0" y="0"/>
+          <a:chExt cx="0" cy="0"/>
+        </a:xfrm>
+      </p:grpSpPr>
+      <p:sp>
+        <p:nvSpPr>
+          <p:cNvPr id="2" name="Title 1"/>
+          <p:cNvSpPr>
+            <a:spLocks noGrp="1"/>
+          </p:cNvSpPr>
+          <p:nvPr>
+            <p:ph type="title"/>
+          </p:nvPr>
+        </p:nvSpPr>
+        <p:spPr/>
+        <p:txBody>
+          <a:bodyPr/>
+          <a:lstStyle/>
+          <a:p>
+            <a:r>
+              <a:rPr lang="en-US" dirty="0" smtClean="0"/>
+              <a:t>Answer</a:t>
+            </a:r>
+            <a:endParaRPr lang="en-US" dirty="0"/>
+          </a:p>
+        </p:txBody>
+      </p:sp>
+      <p:sp>
+        <p:nvSpPr>
+          <p:cNvPr id="3" name="Content Placeholder 2"/>
+          <p:cNvSpPr>
+            <a:spLocks noGrp="1"/>
+          </p:cNvSpPr>
+          <p:nvPr>
+            <p:ph idx="1"/>
+          </p:nvPr>
+        </p:nvSpPr>
+        <p:spPr/>
+        <p:txBody>
+          <a:bodyPr/>
+          <a:lstStyle/>
+          <a:p>
+            <a:r>
+              <a:rPr lang="en-US" dirty="0" smtClean="0"/>
+              <a:t>a) incremental development approach</a:t>
+            </a:r>
+          </a:p>
+          <a:p>
+            <a:endParaRPr lang="en-US" dirty="0"/>
+          </a:p>
+        </p:txBody>
+      </p:sp>
+    </p:spTree>
+  </p:cSld>
+  <p:clrMapOvr>
+    <a:masterClrMapping/>
+  </p:clrMapOvr>
+</p:sld>
+</file>
+
+<file path=ppt/slides/slide28.xml><?xml version="1.0" encoding="utf-8"?>
 <p:sld xmlns:a="http://schemas.openxmlformats.org/drawingml/2006/main" xmlns:r="http://schemas.openxmlformats.org/officeDocument/2006/relationships" xmlns:p="http://schemas.openxmlformats.org/presentationml/2006/main">
   <p:cSld>
     <p:spTree>
@@ -5945,7 +6148,7 @@
 </p:sld>
 </file>
 
-<file path=ppt/slides/slide27.xml><?xml version="1.0" encoding="utf-8"?>
+<file path=ppt/slides/slide29.xml><?xml version="1.0" encoding="utf-8"?>
 <p:sld xmlns:a="http://schemas.openxmlformats.org/drawingml/2006/main" xmlns:r="http://schemas.openxmlformats.org/officeDocument/2006/relationships" xmlns:p="http://schemas.openxmlformats.org/presentationml/2006/main">
   <p:cSld>
     <p:spTree>
@@ -6098,7 +6301,116 @@
 </p:sld>
 </file>
 
-<file path=ppt/slides/slide28.xml><?xml version="1.0" encoding="utf-8"?>
+<file path=ppt/slides/slide3.xml><?xml version="1.0" encoding="utf-8"?>
+<p:sld xmlns:a="http://schemas.openxmlformats.org/drawingml/2006/main" xmlns:r="http://schemas.openxmlformats.org/officeDocument/2006/relationships" xmlns:p="http://schemas.openxmlformats.org/presentationml/2006/main">
+  <p:cSld>
+    <p:spTree>
+      <p:nvGrpSpPr>
+        <p:cNvPr id="1" name=""/>
+        <p:cNvGrpSpPr/>
+        <p:nvPr/>
+      </p:nvGrpSpPr>
+      <p:grpSpPr>
+        <a:xfrm>
+          <a:off x="0" y="0"/>
+          <a:ext cx="0" cy="0"/>
+          <a:chOff x="0" y="0"/>
+          <a:chExt cx="0" cy="0"/>
+        </a:xfrm>
+      </p:grpSpPr>
+      <p:sp>
+        <p:nvSpPr>
+          <p:cNvPr id="2" name="Title 1"/>
+          <p:cNvSpPr>
+            <a:spLocks noGrp="1"/>
+          </p:cNvSpPr>
+          <p:nvPr>
+            <p:ph type="title"/>
+          </p:nvPr>
+        </p:nvSpPr>
+        <p:spPr/>
+        <p:txBody>
+          <a:bodyPr/>
+          <a:lstStyle/>
+          <a:p>
+            <a:r>
+              <a:rPr lang="en-US" dirty="0" smtClean="0"/>
+              <a:t>Milestone Dates</a:t>
+            </a:r>
+            <a:endParaRPr lang="en-US" dirty="0"/>
+          </a:p>
+        </p:txBody>
+      </p:sp>
+      <p:sp>
+        <p:nvSpPr>
+          <p:cNvPr id="3" name="Content Placeholder 2"/>
+          <p:cNvSpPr>
+            <a:spLocks noGrp="1"/>
+          </p:cNvSpPr>
+          <p:nvPr>
+            <p:ph idx="1"/>
+          </p:nvPr>
+        </p:nvSpPr>
+        <p:spPr/>
+        <p:txBody>
+          <a:bodyPr/>
+          <a:lstStyle/>
+          <a:p>
+            <a:r>
+              <a:rPr lang="en-US" dirty="0" smtClean="0"/>
+              <a:t>Demonstrate Date</a:t>
+            </a:r>
+          </a:p>
+          <a:p>
+            <a:r>
+              <a:rPr lang="en-US" dirty="0" smtClean="0"/>
+              <a:t>Submission Deadline</a:t>
+            </a:r>
+          </a:p>
+          <a:p>
+            <a:endParaRPr lang="en-US" dirty="0" smtClean="0"/>
+          </a:p>
+          <a:p>
+            <a:r>
+              <a:rPr lang="en-US" smtClean="0"/>
+              <a:t>Exam 3</a:t>
+            </a:r>
+            <a:r>
+              <a:rPr lang="en-US" baseline="30000" smtClean="0"/>
+              <a:t>rd</a:t>
+            </a:r>
+            <a:r>
+              <a:rPr lang="en-US" smtClean="0"/>
+              <a:t> Jan 2017</a:t>
+            </a:r>
+            <a:endParaRPr lang="en-US" dirty="0" smtClean="0"/>
+          </a:p>
+          <a:p>
+            <a:pPr lvl="1"/>
+            <a:r>
+              <a:rPr lang="en-US" dirty="0" smtClean="0"/>
+              <a:t>2 Hours</a:t>
+            </a:r>
+          </a:p>
+          <a:p>
+            <a:pPr lvl="1"/>
+            <a:r>
+              <a:rPr lang="en-US" dirty="0" smtClean="0"/>
+              <a:t>NOT Multiple Choice</a:t>
+            </a:r>
+            <a:endParaRPr lang="en-US" dirty="0"/>
+          </a:p>
+        </p:txBody>
+      </p:sp>
+    </p:spTree>
+  </p:cSld>
+  <p:clrMapOvr>
+    <a:masterClrMapping/>
+  </p:clrMapOvr>
+</p:sld>
+</file>
+
+<file path=ppt/slides/slide30.xml><?xml version="1.0" encoding="utf-8"?>
 <p:sld xmlns:a="http://schemas.openxmlformats.org/drawingml/2006/main" xmlns:r="http://schemas.openxmlformats.org/officeDocument/2006/relationships" xmlns:p="http://schemas.openxmlformats.org/presentationml/2006/main">
   <p:cSld>
     <p:spTree>
@@ -6241,7 +6553,7 @@
 </p:sld>
 </file>
 
-<file path=ppt/slides/slide29.xml><?xml version="1.0" encoding="utf-8"?>
+<file path=ppt/slides/slide31.xml><?xml version="1.0" encoding="utf-8"?>
 <p:sld xmlns:a="http://schemas.openxmlformats.org/drawingml/2006/main" xmlns:r="http://schemas.openxmlformats.org/officeDocument/2006/relationships" xmlns:p="http://schemas.openxmlformats.org/presentationml/2006/main">
   <p:cSld>
     <p:spTree>
@@ -6546,330 +6858,6 @@
 </p:sld>
 </file>
 
-<file path=ppt/slides/slide3.xml><?xml version="1.0" encoding="utf-8"?>
-<p:sld xmlns:a="http://schemas.openxmlformats.org/drawingml/2006/main" xmlns:r="http://schemas.openxmlformats.org/officeDocument/2006/relationships" xmlns:p="http://schemas.openxmlformats.org/presentationml/2006/main">
-  <p:cSld>
-    <p:spTree>
-      <p:nvGrpSpPr>
-        <p:cNvPr id="1" name=""/>
-        <p:cNvGrpSpPr/>
-        <p:nvPr/>
-      </p:nvGrpSpPr>
-      <p:grpSpPr>
-        <a:xfrm>
-          <a:off x="0" y="0"/>
-          <a:ext cx="0" cy="0"/>
-          <a:chOff x="0" y="0"/>
-          <a:chExt cx="0" cy="0"/>
-        </a:xfrm>
-      </p:grpSpPr>
-      <p:sp>
-        <p:nvSpPr>
-          <p:cNvPr id="2" name="Title 1"/>
-          <p:cNvSpPr>
-            <a:spLocks noGrp="1"/>
-          </p:cNvSpPr>
-          <p:nvPr>
-            <p:ph type="title"/>
-          </p:nvPr>
-        </p:nvSpPr>
-        <p:spPr/>
-        <p:txBody>
-          <a:bodyPr/>
-          <a:lstStyle/>
-          <a:p>
-            <a:r>
-              <a:rPr lang="en-US" dirty="0" smtClean="0"/>
-              <a:t>Milestone Dates</a:t>
-            </a:r>
-            <a:endParaRPr lang="en-US" dirty="0"/>
-          </a:p>
-        </p:txBody>
-      </p:sp>
-      <p:sp>
-        <p:nvSpPr>
-          <p:cNvPr id="3" name="Content Placeholder 2"/>
-          <p:cNvSpPr>
-            <a:spLocks noGrp="1"/>
-          </p:cNvSpPr>
-          <p:nvPr>
-            <p:ph idx="1"/>
-          </p:nvPr>
-        </p:nvSpPr>
-        <p:spPr/>
-        <p:txBody>
-          <a:bodyPr/>
-          <a:lstStyle/>
-          <a:p>
-            <a:r>
-              <a:rPr lang="en-US" dirty="0" smtClean="0"/>
-              <a:t>Demonstrate Date</a:t>
-            </a:r>
-          </a:p>
-          <a:p>
-            <a:r>
-              <a:rPr lang="en-US" dirty="0" smtClean="0"/>
-              <a:t>Submission Deadline</a:t>
-            </a:r>
-          </a:p>
-          <a:p>
-            <a:endParaRPr lang="en-US" dirty="0" smtClean="0"/>
-          </a:p>
-          <a:p>
-            <a:r>
-              <a:rPr lang="en-US" smtClean="0"/>
-              <a:t>Exam 3</a:t>
-            </a:r>
-            <a:r>
-              <a:rPr lang="en-US" baseline="30000" smtClean="0"/>
-              <a:t>rd</a:t>
-            </a:r>
-            <a:r>
-              <a:rPr lang="en-US" smtClean="0"/>
-              <a:t> Jan 2017</a:t>
-            </a:r>
-            <a:endParaRPr lang="en-US" dirty="0" smtClean="0"/>
-          </a:p>
-          <a:p>
-            <a:pPr lvl="1"/>
-            <a:r>
-              <a:rPr lang="en-US" dirty="0" smtClean="0"/>
-              <a:t>2 Hours</a:t>
-            </a:r>
-          </a:p>
-          <a:p>
-            <a:pPr lvl="1"/>
-            <a:r>
-              <a:rPr lang="en-US" dirty="0" smtClean="0"/>
-              <a:t>NOT Multiple Choice</a:t>
-            </a:r>
-            <a:endParaRPr lang="en-US" dirty="0"/>
-          </a:p>
-        </p:txBody>
-      </p:sp>
-    </p:spTree>
-  </p:cSld>
-  <p:clrMapOvr>
-    <a:masterClrMapping/>
-  </p:clrMapOvr>
-</p:sld>
-</file>
-
-<file path=ppt/slides/slide30.xml><?xml version="1.0" encoding="utf-8"?>
-<p:sld xmlns:a="http://schemas.openxmlformats.org/drawingml/2006/main" xmlns:r="http://schemas.openxmlformats.org/officeDocument/2006/relationships" xmlns:p="http://schemas.openxmlformats.org/presentationml/2006/main">
-  <p:cSld>
-    <p:spTree>
-      <p:nvGrpSpPr>
-        <p:cNvPr id="1" name=""/>
-        <p:cNvGrpSpPr/>
-        <p:nvPr/>
-      </p:nvGrpSpPr>
-      <p:grpSpPr>
-        <a:xfrm>
-          <a:off x="0" y="0"/>
-          <a:ext cx="0" cy="0"/>
-          <a:chOff x="0" y="0"/>
-          <a:chExt cx="0" cy="0"/>
-        </a:xfrm>
-      </p:grpSpPr>
-      <p:sp>
-        <p:nvSpPr>
-          <p:cNvPr id="2" name="Title 1"/>
-          <p:cNvSpPr>
-            <a:spLocks noGrp="1"/>
-          </p:cNvSpPr>
-          <p:nvPr>
-            <p:ph type="title"/>
-          </p:nvPr>
-        </p:nvSpPr>
-        <p:spPr/>
-        <p:txBody>
-          <a:bodyPr/>
-          <a:lstStyle/>
-          <a:p>
-            <a:r>
-              <a:rPr lang="en-GB" dirty="0" smtClean="0"/>
-              <a:t>Question</a:t>
-            </a:r>
-            <a:endParaRPr lang="en-GB" dirty="0"/>
-          </a:p>
-        </p:txBody>
-      </p:sp>
-      <p:sp>
-        <p:nvSpPr>
-          <p:cNvPr id="3" name="Content Placeholder 2"/>
-          <p:cNvSpPr>
-            <a:spLocks noGrp="1"/>
-          </p:cNvSpPr>
-          <p:nvPr>
-            <p:ph idx="1"/>
-          </p:nvPr>
-        </p:nvSpPr>
-        <p:spPr/>
-        <p:txBody>
-          <a:bodyPr/>
-          <a:lstStyle/>
-          <a:p>
-            <a:r>
-              <a:rPr lang="en-GB" dirty="0" smtClean="0"/>
-              <a:t>List some of the benefits </a:t>
-            </a:r>
-            <a:r>
-              <a:rPr lang="en-GB" dirty="0"/>
-              <a:t>of Object </a:t>
-            </a:r>
-            <a:r>
-              <a:rPr lang="en-GB" dirty="0" smtClean="0"/>
-              <a:t>Model?</a:t>
-            </a:r>
-            <a:endParaRPr lang="en-GB" dirty="0"/>
-          </a:p>
-        </p:txBody>
-      </p:sp>
-    </p:spTree>
-    <p:extLst>
-      <p:ext uri="{BB962C8B-B14F-4D97-AF65-F5344CB8AC3E}">
-        <p14:creationId xmlns:p14="http://schemas.microsoft.com/office/powerpoint/2010/main" val="2219267614"/>
-      </p:ext>
-    </p:extLst>
-  </p:cSld>
-  <p:clrMapOvr>
-    <a:masterClrMapping/>
-  </p:clrMapOvr>
-</p:sld>
-</file>
-
-<file path=ppt/slides/slide31.xml><?xml version="1.0" encoding="utf-8"?>
-<p:sld xmlns:a="http://schemas.openxmlformats.org/drawingml/2006/main" xmlns:r="http://schemas.openxmlformats.org/officeDocument/2006/relationships" xmlns:p="http://schemas.openxmlformats.org/presentationml/2006/main">
-  <p:cSld>
-    <p:spTree>
-      <p:nvGrpSpPr>
-        <p:cNvPr id="1" name=""/>
-        <p:cNvGrpSpPr/>
-        <p:nvPr/>
-      </p:nvGrpSpPr>
-      <p:grpSpPr>
-        <a:xfrm>
-          <a:off x="0" y="0"/>
-          <a:ext cx="0" cy="0"/>
-          <a:chOff x="0" y="0"/>
-          <a:chExt cx="0" cy="0"/>
-        </a:xfrm>
-      </p:grpSpPr>
-      <p:sp>
-        <p:nvSpPr>
-          <p:cNvPr id="2" name="Title 1"/>
-          <p:cNvSpPr>
-            <a:spLocks noGrp="1"/>
-          </p:cNvSpPr>
-          <p:nvPr>
-            <p:ph type="title"/>
-          </p:nvPr>
-        </p:nvSpPr>
-        <p:spPr/>
-        <p:txBody>
-          <a:bodyPr/>
-          <a:lstStyle/>
-          <a:p>
-            <a:r>
-              <a:rPr lang="en-GB" dirty="0" smtClean="0"/>
-              <a:t>Answer</a:t>
-            </a:r>
-            <a:endParaRPr lang="en-GB" dirty="0"/>
-          </a:p>
-        </p:txBody>
-      </p:sp>
-      <p:sp>
-        <p:nvSpPr>
-          <p:cNvPr id="3" name="Content Placeholder 2"/>
-          <p:cNvSpPr>
-            <a:spLocks noGrp="1"/>
-          </p:cNvSpPr>
-          <p:nvPr>
-            <p:ph idx="1"/>
-          </p:nvPr>
-        </p:nvSpPr>
-        <p:spPr>
-          <a:xfrm>
-            <a:off x="685800" y="1981200"/>
-            <a:ext cx="7772400" cy="4343400"/>
-          </a:xfrm>
-        </p:spPr>
-        <p:txBody>
-          <a:bodyPr>
-            <a:normAutofit fontScale="85000" lnSpcReduction="10000"/>
-          </a:bodyPr>
-          <a:lstStyle/>
-          <a:p>
-            <a:r>
-              <a:rPr lang="en-GB" dirty="0"/>
-              <a:t>It helps in faster development of </a:t>
-            </a:r>
-            <a:r>
-              <a:rPr lang="en-GB" dirty="0" smtClean="0"/>
-              <a:t>software</a:t>
-            </a:r>
-            <a:endParaRPr lang="en-GB" dirty="0"/>
-          </a:p>
-          <a:p>
-            <a:r>
-              <a:rPr lang="en-GB" dirty="0"/>
-              <a:t>It is easy to maintain. Suppose a module develops an error, then a programmer can fix that particular module, while the other parts of the software are still up and </a:t>
-            </a:r>
-            <a:r>
-              <a:rPr lang="en-GB" dirty="0" smtClean="0"/>
-              <a:t>running</a:t>
-            </a:r>
-            <a:endParaRPr lang="en-GB" dirty="0"/>
-          </a:p>
-          <a:p>
-            <a:r>
-              <a:rPr lang="en-GB" dirty="0"/>
-              <a:t>It supports relatively hassle-free </a:t>
-            </a:r>
-            <a:r>
-              <a:rPr lang="en-GB" dirty="0" smtClean="0"/>
-              <a:t>upgrades</a:t>
-            </a:r>
-            <a:endParaRPr lang="en-GB" dirty="0"/>
-          </a:p>
-          <a:p>
-            <a:r>
-              <a:rPr lang="en-GB" dirty="0"/>
-              <a:t>It enables reuse of objects, designs, and </a:t>
-            </a:r>
-            <a:r>
-              <a:rPr lang="en-GB" dirty="0" smtClean="0"/>
-              <a:t>functions</a:t>
-            </a:r>
-            <a:endParaRPr lang="en-GB" dirty="0"/>
-          </a:p>
-          <a:p>
-            <a:r>
-              <a:rPr lang="en-GB" dirty="0"/>
-              <a:t>It reduces development risks, particularly in integration of complex </a:t>
-            </a:r>
-            <a:r>
-              <a:rPr lang="en-GB" dirty="0" smtClean="0"/>
-              <a:t>systems</a:t>
-            </a:r>
-            <a:endParaRPr lang="en-GB" dirty="0"/>
-          </a:p>
-        </p:txBody>
-      </p:sp>
-    </p:spTree>
-    <p:extLst>
-      <p:ext uri="{BB962C8B-B14F-4D97-AF65-F5344CB8AC3E}">
-        <p14:creationId xmlns:p14="http://schemas.microsoft.com/office/powerpoint/2010/main" val="2443652145"/>
-      </p:ext>
-    </p:extLst>
-  </p:cSld>
-  <p:clrMapOvr>
-    <a:masterClrMapping/>
-  </p:clrMapOvr>
-</p:sld>
-</file>
-
 <file path=ppt/slides/slide32.xml><?xml version="1.0" encoding="utf-8"?>
 <p:sld xmlns:a="http://schemas.openxmlformats.org/drawingml/2006/main" xmlns:r="http://schemas.openxmlformats.org/officeDocument/2006/relationships" xmlns:p="http://schemas.openxmlformats.org/presentationml/2006/main">
   <p:cSld>
@@ -6889,7 +6877,7 @@
       </p:grpSpPr>
       <p:sp>
         <p:nvSpPr>
-          <p:cNvPr id="11266" name="Title 1"/>
+          <p:cNvPr id="2" name="Title 1"/>
           <p:cNvSpPr>
             <a:spLocks noGrp="1"/>
           </p:cNvSpPr>
@@ -6903,15 +6891,16 @@
           <a:lstStyle/>
           <a:p>
             <a:r>
-              <a:rPr lang="en-GB" altLang="en-US" smtClean="0"/>
-              <a:t>Summary</a:t>
-            </a:r>
-          </a:p>
-        </p:txBody>
-      </p:sp>
-      <p:sp>
-        <p:nvSpPr>
-          <p:cNvPr id="11267" name="Content Placeholder 2"/>
+              <a:rPr lang="en-GB" dirty="0" smtClean="0"/>
+              <a:t>Question</a:t>
+            </a:r>
+            <a:endParaRPr lang="en-GB" dirty="0"/>
+          </a:p>
+        </p:txBody>
+      </p:sp>
+      <p:sp>
+        <p:nvSpPr>
+          <p:cNvPr id="3" name="Content Placeholder 2"/>
           <p:cNvSpPr>
             <a:spLocks noGrp="1"/>
           </p:cNvSpPr>
@@ -6925,51 +6914,31 @@
           <a:lstStyle/>
           <a:p>
             <a:r>
-              <a:rPr lang="en-GB" altLang="en-US" dirty="0" smtClean="0"/>
-              <a:t>Case Study</a:t>
-            </a:r>
-          </a:p>
-          <a:p>
-            <a:r>
-              <a:rPr lang="en-GB" altLang="en-US" dirty="0" smtClean="0"/>
-              <a:t>Example Problems/Solutions</a:t>
-            </a:r>
-          </a:p>
-          <a:p>
-            <a:r>
-              <a:rPr lang="en-GB" altLang="en-US" dirty="0" smtClean="0"/>
-              <a:t>Final Exam (January)</a:t>
-            </a:r>
-          </a:p>
-          <a:p>
-            <a:r>
-              <a:rPr lang="en-GB" altLang="en-US" dirty="0" smtClean="0"/>
-              <a:t>Group Project</a:t>
-            </a:r>
-          </a:p>
-          <a:p>
-            <a:r>
-              <a:rPr lang="en-GB" altLang="en-US" dirty="0" smtClean="0"/>
-              <a:t>Review Questions</a:t>
-            </a:r>
-          </a:p>
-          <a:p>
-            <a:endParaRPr lang="en-GB" altLang="en-US" dirty="0" smtClean="0"/>
+              <a:rPr lang="en-GB" dirty="0" smtClean="0"/>
+              <a:t>List some of the benefits </a:t>
+            </a:r>
+            <a:r>
+              <a:rPr lang="en-GB" dirty="0"/>
+              <a:t>of Object </a:t>
+            </a:r>
+            <a:r>
+              <a:rPr lang="en-GB" dirty="0" smtClean="0"/>
+              <a:t>Model?</a:t>
+            </a:r>
+            <a:endParaRPr lang="en-GB" dirty="0"/>
           </a:p>
         </p:txBody>
       </p:sp>
     </p:spTree>
+    <p:extLst>
+      <p:ext uri="{BB962C8B-B14F-4D97-AF65-F5344CB8AC3E}">
+        <p14:creationId xmlns:p14="http://schemas.microsoft.com/office/powerpoint/2010/main" val="2219267614"/>
+      </p:ext>
+    </p:extLst>
   </p:cSld>
   <p:clrMapOvr>
     <a:masterClrMapping/>
   </p:clrMapOvr>
-  <p:timing>
-    <p:tnLst>
-      <p:par>
-        <p:cTn id="1" dur="indefinite" restart="never" nodeType="tmRoot"/>
-      </p:par>
-    </p:tnLst>
-  </p:timing>
 </p:sld>
 </file>
 
@@ -6992,7 +6961,7 @@
       </p:grpSpPr>
       <p:sp>
         <p:nvSpPr>
-          <p:cNvPr id="12290" name="Title 1"/>
+          <p:cNvPr id="2" name="Title 1"/>
           <p:cNvSpPr>
             <a:spLocks noGrp="1"/>
           </p:cNvSpPr>
@@ -7006,15 +6975,16 @@
           <a:lstStyle/>
           <a:p>
             <a:r>
-              <a:rPr lang="en-GB" altLang="en-US" smtClean="0"/>
-              <a:t>This Week</a:t>
-            </a:r>
-          </a:p>
-        </p:txBody>
-      </p:sp>
-      <p:sp>
-        <p:nvSpPr>
-          <p:cNvPr id="12291" name="Content Placeholder 2"/>
+              <a:rPr lang="en-GB" dirty="0" smtClean="0"/>
+              <a:t>Answer</a:t>
+            </a:r>
+            <a:endParaRPr lang="en-GB" dirty="0"/>
+          </a:p>
+        </p:txBody>
+      </p:sp>
+      <p:sp>
+        <p:nvSpPr>
+          <p:cNvPr id="3" name="Content Placeholder 2"/>
           <p:cNvSpPr>
             <a:spLocks noGrp="1"/>
           </p:cNvSpPr>
@@ -7022,54 +6992,84 @@
             <p:ph idx="1"/>
           </p:nvPr>
         </p:nvSpPr>
-        <p:spPr/>
-        <p:txBody>
-          <a:bodyPr/>
-          <a:lstStyle/>
-          <a:p>
-            <a:r>
-              <a:rPr lang="en-GB" altLang="en-US" dirty="0" smtClean="0"/>
-              <a:t>Review Slides</a:t>
-            </a:r>
-          </a:p>
-          <a:p>
-            <a:r>
-              <a:rPr lang="en-GB" altLang="en-US" dirty="0" smtClean="0"/>
-              <a:t>Coursework</a:t>
-            </a:r>
-          </a:p>
-          <a:p>
-            <a:r>
-              <a:rPr lang="en-GB" altLang="en-US" dirty="0" smtClean="0"/>
-              <a:t>Reviewing Quiz Questions</a:t>
-            </a:r>
-          </a:p>
-          <a:p>
-            <a:r>
-              <a:rPr lang="en-GB" altLang="en-US" dirty="0" smtClean="0"/>
-              <a:t>Reviewing Associated Chapter</a:t>
-            </a:r>
-          </a:p>
-          <a:p>
-            <a:pPr>
-              <a:buNone/>
-            </a:pPr>
-            <a:endParaRPr lang="en-GB" altLang="en-US" dirty="0" smtClean="0"/>
+        <p:spPr>
+          <a:xfrm>
+            <a:off x="685800" y="1981200"/>
+            <a:ext cx="7772400" cy="4343400"/>
+          </a:xfrm>
+        </p:spPr>
+        <p:txBody>
+          <a:bodyPr>
+            <a:normAutofit fontScale="85000" lnSpcReduction="10000"/>
+          </a:bodyPr>
+          <a:lstStyle/>
+          <a:p>
+            <a:r>
+              <a:rPr lang="en-GB" dirty="0"/>
+              <a:t>It helps in faster development of </a:t>
+            </a:r>
+            <a:r>
+              <a:rPr lang="en-GB" dirty="0" smtClean="0"/>
+              <a:t>software</a:t>
+            </a:r>
+            <a:endParaRPr lang="en-GB" dirty="0"/>
+          </a:p>
+          <a:p>
+            <a:r>
+              <a:rPr lang="en-GB" dirty="0"/>
+              <a:t>It is easy to maintain. Suppose a module develops an error, then a programmer can fix that particular module, while the other parts of the software are still up and </a:t>
+            </a:r>
+            <a:r>
+              <a:rPr lang="en-GB" dirty="0" smtClean="0"/>
+              <a:t>running</a:t>
+            </a:r>
+            <a:endParaRPr lang="en-GB" dirty="0"/>
+          </a:p>
+          <a:p>
+            <a:r>
+              <a:rPr lang="en-GB" dirty="0"/>
+              <a:t>It supports relatively hassle-free </a:t>
+            </a:r>
+            <a:r>
+              <a:rPr lang="en-GB" dirty="0" smtClean="0"/>
+              <a:t>upgrades</a:t>
+            </a:r>
+            <a:endParaRPr lang="en-GB" dirty="0"/>
+          </a:p>
+          <a:p>
+            <a:r>
+              <a:rPr lang="en-GB" dirty="0"/>
+              <a:t>It enables reuse of objects, designs, and </a:t>
+            </a:r>
+            <a:r>
+              <a:rPr lang="en-GB" dirty="0" smtClean="0"/>
+              <a:t>functions</a:t>
+            </a:r>
+            <a:endParaRPr lang="en-GB" dirty="0"/>
+          </a:p>
+          <a:p>
+            <a:r>
+              <a:rPr lang="en-GB" dirty="0"/>
+              <a:t>It reduces development risks, particularly in integration of complex </a:t>
+            </a:r>
+            <a:r>
+              <a:rPr lang="en-GB" dirty="0" smtClean="0"/>
+              <a:t>systems</a:t>
+            </a:r>
+            <a:endParaRPr lang="en-GB" dirty="0"/>
           </a:p>
         </p:txBody>
       </p:sp>
     </p:spTree>
+    <p:extLst>
+      <p:ext uri="{BB962C8B-B14F-4D97-AF65-F5344CB8AC3E}">
+        <p14:creationId xmlns:p14="http://schemas.microsoft.com/office/powerpoint/2010/main" val="2443652145"/>
+      </p:ext>
+    </p:extLst>
   </p:cSld>
   <p:clrMapOvr>
     <a:masterClrMapping/>
   </p:clrMapOvr>
-  <p:timing>
-    <p:tnLst>
-      <p:par>
-        <p:cTn id="1" dur="indefinite" restart="never" nodeType="tmRoot"/>
-      </p:par>
-    </p:tnLst>
-  </p:timing>
 </p:sld>
 </file>
 
@@ -7092,7 +7092,7 @@
       </p:grpSpPr>
       <p:sp>
         <p:nvSpPr>
-          <p:cNvPr id="2" name="Title 1"/>
+          <p:cNvPr id="11266" name="Title 1"/>
           <p:cNvSpPr>
             <a:spLocks noGrp="1"/>
           </p:cNvSpPr>
@@ -7106,16 +7106,15 @@
           <a:lstStyle/>
           <a:p>
             <a:r>
-              <a:rPr lang="en-GB" dirty="0" smtClean="0"/>
-              <a:t>Question</a:t>
-            </a:r>
-            <a:endParaRPr lang="en-GB" dirty="0"/>
-          </a:p>
-        </p:txBody>
-      </p:sp>
-      <p:sp>
-        <p:nvSpPr>
-          <p:cNvPr id="3" name="Content Placeholder 2"/>
+              <a:rPr lang="en-GB" altLang="en-US" smtClean="0"/>
+              <a:t>Summary</a:t>
+            </a:r>
+          </a:p>
+        </p:txBody>
+      </p:sp>
+      <p:sp>
+        <p:nvSpPr>
+          <p:cNvPr id="11267" name="Content Placeholder 2"/>
           <p:cNvSpPr>
             <a:spLocks noGrp="1"/>
           </p:cNvSpPr>
@@ -7129,23 +7128,51 @@
           <a:lstStyle/>
           <a:p>
             <a:r>
-              <a:rPr lang="en-GB" dirty="0" smtClean="0"/>
-              <a:t>Deadline for final group project submission?</a:t>
-            </a:r>
-            <a:endParaRPr lang="en-GB" dirty="0"/>
+              <a:rPr lang="en-GB" altLang="en-US" dirty="0" smtClean="0"/>
+              <a:t>Case Study</a:t>
+            </a:r>
+          </a:p>
+          <a:p>
+            <a:r>
+              <a:rPr lang="en-GB" altLang="en-US" dirty="0" smtClean="0"/>
+              <a:t>Example Problems/Solutions</a:t>
+            </a:r>
+          </a:p>
+          <a:p>
+            <a:r>
+              <a:rPr lang="en-GB" altLang="en-US" dirty="0" smtClean="0"/>
+              <a:t>Final Exam (January)</a:t>
+            </a:r>
+          </a:p>
+          <a:p>
+            <a:r>
+              <a:rPr lang="en-GB" altLang="en-US" dirty="0" smtClean="0"/>
+              <a:t>Group Project</a:t>
+            </a:r>
+          </a:p>
+          <a:p>
+            <a:r>
+              <a:rPr lang="en-GB" altLang="en-US" dirty="0" smtClean="0"/>
+              <a:t>Review Questions</a:t>
+            </a:r>
+          </a:p>
+          <a:p>
+            <a:endParaRPr lang="en-GB" altLang="en-US" dirty="0" smtClean="0"/>
           </a:p>
         </p:txBody>
       </p:sp>
     </p:spTree>
-    <p:extLst>
-      <p:ext uri="{BB962C8B-B14F-4D97-AF65-F5344CB8AC3E}">
-        <p14:creationId xmlns:p14="http://schemas.microsoft.com/office/powerpoint/2010/main" val="3611135855"/>
-      </p:ext>
-    </p:extLst>
   </p:cSld>
   <p:clrMapOvr>
     <a:masterClrMapping/>
   </p:clrMapOvr>
+  <p:timing>
+    <p:tnLst>
+      <p:par>
+        <p:cTn id="1" dur="indefinite" restart="never" nodeType="tmRoot"/>
+      </p:par>
+    </p:tnLst>
+  </p:timing>
 </p:sld>
 </file>
 
@@ -7168,6 +7195,182 @@
       </p:grpSpPr>
       <p:sp>
         <p:nvSpPr>
+          <p:cNvPr id="12290" name="Title 1"/>
+          <p:cNvSpPr>
+            <a:spLocks noGrp="1"/>
+          </p:cNvSpPr>
+          <p:nvPr>
+            <p:ph type="title"/>
+          </p:nvPr>
+        </p:nvSpPr>
+        <p:spPr/>
+        <p:txBody>
+          <a:bodyPr/>
+          <a:lstStyle/>
+          <a:p>
+            <a:r>
+              <a:rPr lang="en-GB" altLang="en-US" smtClean="0"/>
+              <a:t>This Week</a:t>
+            </a:r>
+          </a:p>
+        </p:txBody>
+      </p:sp>
+      <p:sp>
+        <p:nvSpPr>
+          <p:cNvPr id="12291" name="Content Placeholder 2"/>
+          <p:cNvSpPr>
+            <a:spLocks noGrp="1"/>
+          </p:cNvSpPr>
+          <p:nvPr>
+            <p:ph idx="1"/>
+          </p:nvPr>
+        </p:nvSpPr>
+        <p:spPr/>
+        <p:txBody>
+          <a:bodyPr/>
+          <a:lstStyle/>
+          <a:p>
+            <a:r>
+              <a:rPr lang="en-GB" altLang="en-US" dirty="0" smtClean="0"/>
+              <a:t>Review Slides</a:t>
+            </a:r>
+          </a:p>
+          <a:p>
+            <a:r>
+              <a:rPr lang="en-GB" altLang="en-US" dirty="0" smtClean="0"/>
+              <a:t>Coursework</a:t>
+            </a:r>
+          </a:p>
+          <a:p>
+            <a:r>
+              <a:rPr lang="en-GB" altLang="en-US" dirty="0" smtClean="0"/>
+              <a:t>Reviewing Quiz Questions</a:t>
+            </a:r>
+          </a:p>
+          <a:p>
+            <a:r>
+              <a:rPr lang="en-GB" altLang="en-US" dirty="0" smtClean="0"/>
+              <a:t>Reviewing Associated Chapter</a:t>
+            </a:r>
+          </a:p>
+          <a:p>
+            <a:pPr>
+              <a:buNone/>
+            </a:pPr>
+            <a:endParaRPr lang="en-GB" altLang="en-US" dirty="0" smtClean="0"/>
+          </a:p>
+        </p:txBody>
+      </p:sp>
+    </p:spTree>
+  </p:cSld>
+  <p:clrMapOvr>
+    <a:masterClrMapping/>
+  </p:clrMapOvr>
+  <p:timing>
+    <p:tnLst>
+      <p:par>
+        <p:cTn id="1" dur="indefinite" restart="never" nodeType="tmRoot"/>
+      </p:par>
+    </p:tnLst>
+  </p:timing>
+</p:sld>
+</file>
+
+<file path=ppt/slides/slide36.xml><?xml version="1.0" encoding="utf-8"?>
+<p:sld xmlns:a="http://schemas.openxmlformats.org/drawingml/2006/main" xmlns:r="http://schemas.openxmlformats.org/officeDocument/2006/relationships" xmlns:p="http://schemas.openxmlformats.org/presentationml/2006/main">
+  <p:cSld>
+    <p:spTree>
+      <p:nvGrpSpPr>
+        <p:cNvPr id="1" name=""/>
+        <p:cNvGrpSpPr/>
+        <p:nvPr/>
+      </p:nvGrpSpPr>
+      <p:grpSpPr>
+        <a:xfrm>
+          <a:off x="0" y="0"/>
+          <a:ext cx="0" cy="0"/>
+          <a:chOff x="0" y="0"/>
+          <a:chExt cx="0" cy="0"/>
+        </a:xfrm>
+      </p:grpSpPr>
+      <p:sp>
+        <p:nvSpPr>
+          <p:cNvPr id="2" name="Title 1"/>
+          <p:cNvSpPr>
+            <a:spLocks noGrp="1"/>
+          </p:cNvSpPr>
+          <p:nvPr>
+            <p:ph type="title"/>
+          </p:nvPr>
+        </p:nvSpPr>
+        <p:spPr/>
+        <p:txBody>
+          <a:bodyPr/>
+          <a:lstStyle/>
+          <a:p>
+            <a:r>
+              <a:rPr lang="en-GB" dirty="0" smtClean="0"/>
+              <a:t>Question</a:t>
+            </a:r>
+            <a:endParaRPr lang="en-GB" dirty="0"/>
+          </a:p>
+        </p:txBody>
+      </p:sp>
+      <p:sp>
+        <p:nvSpPr>
+          <p:cNvPr id="3" name="Content Placeholder 2"/>
+          <p:cNvSpPr>
+            <a:spLocks noGrp="1"/>
+          </p:cNvSpPr>
+          <p:nvPr>
+            <p:ph idx="1"/>
+          </p:nvPr>
+        </p:nvSpPr>
+        <p:spPr/>
+        <p:txBody>
+          <a:bodyPr/>
+          <a:lstStyle/>
+          <a:p>
+            <a:r>
+              <a:rPr lang="en-GB" dirty="0" smtClean="0"/>
+              <a:t>Deadline for final group project submission?</a:t>
+            </a:r>
+            <a:endParaRPr lang="en-GB" dirty="0"/>
+          </a:p>
+        </p:txBody>
+      </p:sp>
+    </p:spTree>
+    <p:extLst>
+      <p:ext uri="{BB962C8B-B14F-4D97-AF65-F5344CB8AC3E}">
+        <p14:creationId xmlns:p14="http://schemas.microsoft.com/office/powerpoint/2010/main" val="3611135855"/>
+      </p:ext>
+    </p:extLst>
+  </p:cSld>
+  <p:clrMapOvr>
+    <a:masterClrMapping/>
+  </p:clrMapOvr>
+</p:sld>
+</file>
+
+<file path=ppt/slides/slide37.xml><?xml version="1.0" encoding="utf-8"?>
+<p:sld xmlns:a="http://schemas.openxmlformats.org/drawingml/2006/main" xmlns:r="http://schemas.openxmlformats.org/officeDocument/2006/relationships" xmlns:p="http://schemas.openxmlformats.org/presentationml/2006/main">
+  <p:cSld>
+    <p:spTree>
+      <p:nvGrpSpPr>
+        <p:cNvPr id="1" name=""/>
+        <p:cNvGrpSpPr/>
+        <p:nvPr/>
+      </p:nvGrpSpPr>
+      <p:grpSpPr>
+        <a:xfrm>
+          <a:off x="0" y="0"/>
+          <a:ext cx="0" cy="0"/>
+          <a:chOff x="0" y="0"/>
+          <a:chExt cx="0" cy="0"/>
+        </a:xfrm>
+      </p:grpSpPr>
+      <p:sp>
+        <p:nvSpPr>
           <p:cNvPr id="2" name="Title 1"/>
           <p:cNvSpPr>
             <a:spLocks noGrp="1"/>
@@ -7249,7 +7452,7 @@
 </p:sld>
 </file>
 
-<file path=ppt/slides/slide36.xml><?xml version="1.0" encoding="utf-8"?>
+<file path=ppt/slides/slide38.xml><?xml version="1.0" encoding="utf-8"?>
 <p:sld xmlns:a="http://schemas.openxmlformats.org/drawingml/2006/main" xmlns:r="http://schemas.openxmlformats.org/officeDocument/2006/relationships" xmlns:p="http://schemas.openxmlformats.org/presentationml/2006/main">
   <p:cSld>
     <p:spTree>
@@ -7681,136 +7884,132 @@
             <p:ph type="title"/>
           </p:nvPr>
         </p:nvSpPr>
-        <p:spPr>
+        <p:spPr/>
+        <p:txBody>
+          <a:bodyPr/>
+          <a:lstStyle/>
+          <a:p>
+            <a:r>
+              <a:rPr lang="en-GB" dirty="0" smtClean="0"/>
+              <a:t>Exercise</a:t>
+            </a:r>
+            <a:endParaRPr lang="en-GB" dirty="0"/>
+          </a:p>
+        </p:txBody>
+      </p:sp>
+      <p:sp>
+        <p:nvSpPr>
+          <p:cNvPr id="3" name="Content Placeholder 2"/>
+          <p:cNvSpPr>
+            <a:spLocks noGrp="1"/>
+          </p:cNvSpPr>
+          <p:nvPr>
+            <p:ph idx="1"/>
+          </p:nvPr>
+        </p:nvSpPr>
+        <p:spPr/>
+        <p:txBody>
+          <a:bodyPr/>
+          <a:lstStyle/>
+          <a:p>
+            <a:r>
+              <a:rPr lang="en-GB" dirty="0" smtClean="0"/>
+              <a:t>Write down the steps you’d </a:t>
+            </a:r>
+            <a:r>
+              <a:rPr lang="en-GB" dirty="0"/>
+              <a:t>go through </a:t>
+            </a:r>
+            <a:r>
+              <a:rPr lang="en-GB" dirty="0" smtClean="0"/>
+              <a:t>for a Library </a:t>
+            </a:r>
+            <a:r>
+              <a:rPr lang="en-GB" dirty="0"/>
+              <a:t>Management </a:t>
+            </a:r>
+            <a:r>
+              <a:rPr lang="en-GB" dirty="0" smtClean="0"/>
+              <a:t>System</a:t>
+            </a:r>
+          </a:p>
+          <a:p>
+            <a:pPr marL="0" indent="0">
+              <a:buNone/>
+            </a:pPr>
+            <a:r>
+              <a:rPr lang="en-GB" dirty="0"/>
+              <a:t> </a:t>
+            </a:r>
+            <a:r>
+              <a:rPr lang="en-GB" dirty="0" smtClean="0"/>
+              <a:t>  (5 Minutes)</a:t>
+            </a:r>
+            <a:endParaRPr lang="en-GB" dirty="0"/>
+          </a:p>
+          <a:p>
+            <a:endParaRPr lang="en-GB" dirty="0"/>
+          </a:p>
+        </p:txBody>
+      </p:sp>
+      <p:pic>
+        <p:nvPicPr>
+          <p:cNvPr id="4" name="Picture 1"/>
+          <p:cNvPicPr>
+            <a:picLocks noChangeAspect="1"/>
+          </p:cNvPicPr>
+          <p:nvPr/>
+        </p:nvPicPr>
+        <p:blipFill>
+          <a:blip r:embed="rId2">
+            <a:extLst>
+              <a:ext uri="{28A0092B-C50C-407E-A947-70E740481C1C}">
+                <a14:useLocalDpi xmlns:a14="http://schemas.microsoft.com/office/drawing/2010/main" val="0"/>
+              </a:ext>
+            </a:extLst>
+          </a:blip>
+          <a:srcRect/>
+          <a:stretch>
+            <a:fillRect/>
+          </a:stretch>
+        </p:blipFill>
+        <p:spPr bwMode="auto">
           <a:xfrm>
-            <a:off x="685800" y="304800"/>
-            <a:ext cx="7772400" cy="1143000"/>
+            <a:off x="6172200" y="4419600"/>
+            <a:ext cx="2667000" cy="2184400"/>
           </a:xfrm>
+          <a:prstGeom prst="rect">
+            <a:avLst/>
+          </a:prstGeom>
+          <a:noFill/>
+          <a:ln>
+            <a:noFill/>
+          </a:ln>
+          <a:extLst>
+            <a:ext uri="{909E8E84-426E-40DD-AFC4-6F175D3DCCD1}">
+              <a14:hiddenFill xmlns:a14="http://schemas.microsoft.com/office/drawing/2010/main">
+                <a:solidFill>
+                  <a:srgbClr val="FFFFFF"/>
+                </a:solidFill>
+              </a14:hiddenFill>
+            </a:ext>
+            <a:ext uri="{91240B29-F687-4F45-9708-019B960494DF}">
+              <a14:hiddenLine xmlns:a14="http://schemas.microsoft.com/office/drawing/2010/main" w="9525">
+                <a:solidFill>
+                  <a:srgbClr val="000000"/>
+                </a:solidFill>
+                <a:miter lim="800000"/>
+                <a:headEnd/>
+                <a:tailEnd/>
+              </a14:hiddenLine>
+            </a:ext>
+          </a:extLst>
         </p:spPr>
-        <p:txBody>
-          <a:bodyPr/>
-          <a:lstStyle/>
-          <a:p>
-            <a:r>
-              <a:rPr lang="en-GB" dirty="0" smtClean="0"/>
-              <a:t>Operation</a:t>
-            </a:r>
-            <a:endParaRPr lang="en-GB" dirty="0"/>
-          </a:p>
-        </p:txBody>
-      </p:sp>
-      <p:sp>
-        <p:nvSpPr>
-          <p:cNvPr id="3" name="Content Placeholder 2"/>
-          <p:cNvSpPr>
-            <a:spLocks noGrp="1"/>
-          </p:cNvSpPr>
-          <p:nvPr>
-            <p:ph idx="1"/>
-          </p:nvPr>
-        </p:nvSpPr>
-        <p:spPr>
-          <a:xfrm>
-            <a:off x="457200" y="1447800"/>
-            <a:ext cx="8305800" cy="4953000"/>
-          </a:xfrm>
-        </p:spPr>
-        <p:txBody>
-          <a:bodyPr>
-            <a:normAutofit fontScale="70000" lnSpcReduction="20000"/>
-          </a:bodyPr>
-          <a:lstStyle/>
-          <a:p>
-            <a:pPr marL="0" indent="0">
-              <a:buNone/>
-            </a:pPr>
-            <a:r>
-              <a:rPr lang="en-GB" dirty="0" smtClean="0"/>
-              <a:t>Step 1</a:t>
-            </a:r>
-          </a:p>
-          <a:p>
-            <a:r>
-              <a:rPr lang="en-GB" dirty="0" smtClean="0"/>
-              <a:t>Provide a user interface for getting the user’s login details</a:t>
-            </a:r>
-          </a:p>
-          <a:p>
-            <a:r>
-              <a:rPr lang="en-GB" dirty="0" smtClean="0"/>
-              <a:t>Verify login ID and if correct, provide access to the library database</a:t>
-            </a:r>
-          </a:p>
-          <a:p>
-            <a:pPr marL="0" indent="0">
-              <a:buNone/>
-            </a:pPr>
-            <a:r>
-              <a:rPr lang="en-GB" dirty="0" smtClean="0"/>
-              <a:t>Step 2</a:t>
-            </a:r>
-          </a:p>
-          <a:p>
-            <a:r>
-              <a:rPr lang="en-GB" dirty="0" smtClean="0"/>
-              <a:t>Provide a search mechanism to search for a particular book</a:t>
-            </a:r>
-          </a:p>
-          <a:p>
-            <a:r>
-              <a:rPr lang="en-GB" dirty="0" smtClean="0"/>
-              <a:t>Input the book name and author’s name</a:t>
-            </a:r>
-          </a:p>
-          <a:p>
-            <a:pPr marL="0" indent="0">
-              <a:buNone/>
-            </a:pPr>
-            <a:r>
-              <a:rPr lang="en-GB" dirty="0" smtClean="0"/>
-              <a:t>Step 3</a:t>
-            </a:r>
-          </a:p>
-          <a:p>
-            <a:r>
-              <a:rPr lang="en-GB" dirty="0" smtClean="0"/>
-              <a:t>Get the book details from the database</a:t>
-            </a:r>
-          </a:p>
-          <a:p>
-            <a:r>
-              <a:rPr lang="en-GB" dirty="0" smtClean="0"/>
-              <a:t>Display the book details on screen</a:t>
-            </a:r>
-          </a:p>
-          <a:p>
-            <a:pPr marL="0" indent="0">
-              <a:buNone/>
-            </a:pPr>
-            <a:r>
-              <a:rPr lang="en-GB" dirty="0" smtClean="0"/>
-              <a:t>Step 4</a:t>
-            </a:r>
-          </a:p>
-          <a:p>
-            <a:r>
-              <a:rPr lang="en-GB" dirty="0" smtClean="0"/>
-              <a:t>Allow the user to select the book for checking out</a:t>
-            </a:r>
-          </a:p>
-          <a:p>
-            <a:r>
-              <a:rPr lang="en-GB" dirty="0" smtClean="0"/>
-              <a:t>Issue the book</a:t>
-            </a:r>
-            <a:endParaRPr lang="en-GB" dirty="0"/>
-          </a:p>
-        </p:txBody>
-      </p:sp>
+      </p:pic>
     </p:spTree>
     <p:extLst>
       <p:ext uri="{BB962C8B-B14F-4D97-AF65-F5344CB8AC3E}">
-        <p14:creationId xmlns:p14="http://schemas.microsoft.com/office/powerpoint/2010/main" val="2915338812"/>
+        <p14:creationId xmlns:p14="http://schemas.microsoft.com/office/powerpoint/2010/main" val="2678259467"/>
       </p:ext>
     </p:extLst>
   </p:cSld>
@@ -7849,7 +8048,7 @@
         </p:nvSpPr>
         <p:spPr>
           <a:xfrm>
-            <a:off x="685800" y="76200"/>
+            <a:off x="685800" y="304800"/>
             <a:ext cx="7772400" cy="1143000"/>
           </a:xfrm>
         </p:spPr>
@@ -7859,7 +8058,7 @@
           <a:p>
             <a:r>
               <a:rPr lang="en-GB" dirty="0" smtClean="0"/>
-              <a:t>Sequence Diagram</a:t>
+              <a:t>Operation Steps</a:t>
             </a:r>
             <a:endParaRPr lang="en-GB" dirty="0"/>
           </a:p>
@@ -7875,43 +8074,108 @@
             <p:ph idx="1"/>
           </p:nvPr>
         </p:nvSpPr>
-        <p:spPr/>
-        <p:txBody>
-          <a:bodyPr/>
-          <a:lstStyle/>
-          <a:p>
-            <a:endParaRPr lang="en-GB"/>
-          </a:p>
-        </p:txBody>
-      </p:sp>
-      <p:pic>
-        <p:nvPicPr>
-          <p:cNvPr id="4" name="Picture 3"/>
-          <p:cNvPicPr>
-            <a:picLocks noChangeAspect="1"/>
-          </p:cNvPicPr>
-          <p:nvPr/>
-        </p:nvPicPr>
-        <p:blipFill>
-          <a:blip r:embed="rId2"/>
-          <a:stretch>
-            <a:fillRect/>
-          </a:stretch>
-        </p:blipFill>
         <p:spPr>
           <a:xfrm>
-            <a:off x="1828800" y="1219200"/>
-            <a:ext cx="5758752" cy="5454157"/>
+            <a:off x="457200" y="1447800"/>
+            <a:ext cx="8305800" cy="4953000"/>
           </a:xfrm>
-          <a:prstGeom prst="rect">
-            <a:avLst/>
-          </a:prstGeom>
         </p:spPr>
-      </p:pic>
+        <p:txBody>
+          <a:bodyPr>
+            <a:normAutofit fontScale="70000" lnSpcReduction="20000"/>
+          </a:bodyPr>
+          <a:lstStyle/>
+          <a:p>
+            <a:pPr marL="0" indent="0">
+              <a:buNone/>
+            </a:pPr>
+            <a:r>
+              <a:rPr lang="en-GB" dirty="0" smtClean="0"/>
+              <a:t>Step 1</a:t>
+            </a:r>
+          </a:p>
+          <a:p>
+            <a:r>
+              <a:rPr lang="en-GB" dirty="0" smtClean="0"/>
+              <a:t>Provide a user interface for getting the user’s login details</a:t>
+            </a:r>
+          </a:p>
+          <a:p>
+            <a:r>
+              <a:rPr lang="en-GB" dirty="0" smtClean="0"/>
+              <a:t>Verify login ID and if correct, provide access to the library database</a:t>
+            </a:r>
+          </a:p>
+          <a:p>
+            <a:pPr marL="0" indent="0">
+              <a:buNone/>
+            </a:pPr>
+            <a:r>
+              <a:rPr lang="en-GB" dirty="0" smtClean="0"/>
+              <a:t>Step 2</a:t>
+            </a:r>
+          </a:p>
+          <a:p>
+            <a:r>
+              <a:rPr lang="en-GB" dirty="0" smtClean="0"/>
+              <a:t>Provide a search mechanism to search for a particular book</a:t>
+            </a:r>
+          </a:p>
+          <a:p>
+            <a:r>
+              <a:rPr lang="en-GB" dirty="0" smtClean="0"/>
+              <a:t>Input the book name and author’s name</a:t>
+            </a:r>
+          </a:p>
+          <a:p>
+            <a:pPr marL="0" indent="0">
+              <a:buNone/>
+            </a:pPr>
+            <a:r>
+              <a:rPr lang="en-GB" dirty="0" smtClean="0"/>
+              <a:t>Step 3</a:t>
+            </a:r>
+          </a:p>
+          <a:p>
+            <a:r>
+              <a:rPr lang="en-GB" dirty="0" smtClean="0"/>
+              <a:t>Get the book details from the database</a:t>
+            </a:r>
+          </a:p>
+          <a:p>
+            <a:r>
+              <a:rPr lang="en-GB" dirty="0" smtClean="0"/>
+              <a:t>Display the book details on screen</a:t>
+            </a:r>
+          </a:p>
+          <a:p>
+            <a:pPr marL="0" indent="0">
+              <a:buNone/>
+            </a:pPr>
+            <a:r>
+              <a:rPr lang="en-GB" dirty="0" smtClean="0"/>
+              <a:t>Step 4</a:t>
+            </a:r>
+          </a:p>
+          <a:p>
+            <a:r>
+              <a:rPr lang="en-GB" dirty="0" smtClean="0"/>
+              <a:t>Allow the user to select the book for checking out</a:t>
+            </a:r>
+          </a:p>
+          <a:p>
+            <a:r>
+              <a:rPr lang="en-GB" dirty="0" smtClean="0"/>
+              <a:t>Issue the book</a:t>
+            </a:r>
+            <a:endParaRPr lang="en-GB" dirty="0"/>
+          </a:p>
+        </p:txBody>
+      </p:sp>
     </p:spTree>
     <p:extLst>
       <p:ext uri="{BB962C8B-B14F-4D97-AF65-F5344CB8AC3E}">
-        <p14:creationId xmlns:p14="http://schemas.microsoft.com/office/powerpoint/2010/main" val="3898887124"/>
+        <p14:creationId xmlns:p14="http://schemas.microsoft.com/office/powerpoint/2010/main" val="2915338812"/>
       </p:ext>
     </p:extLst>
   </p:cSld>
@@ -7955,7 +8219,7 @@
           <a:p>
             <a:r>
               <a:rPr lang="en-GB" dirty="0" smtClean="0"/>
-              <a:t>Class Diagram</a:t>
+              <a:t>Formulate UML Diagrams</a:t>
             </a:r>
             <a:endParaRPr lang="en-GB" dirty="0"/>
           </a:p>
@@ -7976,38 +8240,89 @@
           <a:bodyPr/>
           <a:lstStyle/>
           <a:p>
-            <a:endParaRPr lang="en-GB"/>
+            <a:r>
+              <a:rPr lang="en-GB" dirty="0" smtClean="0"/>
+              <a:t>Sketch a simple </a:t>
+            </a:r>
+            <a:r>
+              <a:rPr lang="en-GB" dirty="0"/>
+              <a:t>Sequence </a:t>
+            </a:r>
+            <a:r>
+              <a:rPr lang="en-GB" dirty="0" smtClean="0"/>
+              <a:t>Diagram for your steps</a:t>
+            </a:r>
+          </a:p>
+          <a:p>
+            <a:pPr marL="0" indent="0">
+              <a:buNone/>
+            </a:pPr>
+            <a:r>
+              <a:rPr lang="en-GB" dirty="0" smtClean="0"/>
+              <a:t>   (5 Mins)</a:t>
+            </a:r>
+            <a:endParaRPr lang="en-GB" dirty="0"/>
           </a:p>
         </p:txBody>
       </p:sp>
       <p:pic>
         <p:nvPicPr>
-          <p:cNvPr id="4" name="Picture 3"/>
+          <p:cNvPr id="4" name="Picture 1"/>
           <p:cNvPicPr>
             <a:picLocks noChangeAspect="1"/>
           </p:cNvPicPr>
           <p:nvPr/>
         </p:nvPicPr>
         <p:blipFill>
-          <a:blip r:embed="rId2"/>
+          <a:blip r:embed="rId2">
+            <a:extLst>
+              <a:ext uri="{28A0092B-C50C-407E-A947-70E740481C1C}">
+                <a14:useLocalDpi xmlns:a14="http://schemas.microsoft.com/office/drawing/2010/main" val="0"/>
+              </a:ext>
+            </a:extLst>
+          </a:blip>
+          <a:srcRect/>
           <a:stretch>
             <a:fillRect/>
           </a:stretch>
         </p:blipFill>
-        <p:spPr>
+        <p:spPr bwMode="auto">
           <a:xfrm>
-            <a:off x="1295400" y="1771153"/>
-            <a:ext cx="6858000" cy="4816699"/>
+            <a:off x="6172200" y="4419600"/>
+            <a:ext cx="2667000" cy="2184400"/>
           </a:xfrm>
           <a:prstGeom prst="rect">
             <a:avLst/>
           </a:prstGeom>
+          <a:noFill/>
+          <a:ln>
+            <a:noFill/>
+          </a:ln>
+          <a:extLst>
+            <a:ext uri="{909E8E84-426E-40DD-AFC4-6F175D3DCCD1}">
+              <a14:hiddenFill xmlns:a14="http://schemas.microsoft.com/office/drawing/2010/main">
+                <a:solidFill>
+                  <a:srgbClr val="FFFFFF"/>
+                </a:solidFill>
+              </a14:hiddenFill>
+            </a:ext>
+            <a:ext uri="{91240B29-F687-4F45-9708-019B960494DF}">
+              <a14:hiddenLine xmlns:a14="http://schemas.microsoft.com/office/drawing/2010/main" w="9525">
+                <a:solidFill>
+                  <a:srgbClr val="000000"/>
+                </a:solidFill>
+                <a:miter lim="800000"/>
+                <a:headEnd/>
+                <a:tailEnd/>
+              </a14:hiddenLine>
+            </a:ext>
+          </a:extLst>
         </p:spPr>
       </p:pic>
     </p:spTree>
     <p:extLst>
       <p:ext uri="{BB962C8B-B14F-4D97-AF65-F5344CB8AC3E}">
-        <p14:creationId xmlns:p14="http://schemas.microsoft.com/office/powerpoint/2010/main" val="2434447902"/>
+        <p14:creationId xmlns:p14="http://schemas.microsoft.com/office/powerpoint/2010/main" val="1037379702"/>
       </p:ext>
     </p:extLst>
   </p:cSld>
